--- a/slides/TP557_9_Classificação_com_DNNs.pptx
+++ b/slides/TP557_9_Classificação_com_DNNs.pptx
@@ -5,10 +5,10 @@
     <p:sldMasterId id="2147483648" r:id="rId1"/>
   </p:sldMasterIdLst>
   <p:notesMasterIdLst>
-    <p:notesMasterId r:id="rId23"/>
+    <p:notesMasterId r:id="rId25"/>
   </p:notesMasterIdLst>
   <p:handoutMasterIdLst>
-    <p:handoutMasterId r:id="rId24"/>
+    <p:handoutMasterId r:id="rId26"/>
   </p:handoutMasterIdLst>
   <p:sldIdLst>
     <p:sldId id="256" r:id="rId2"/>
@@ -21,17 +21,19 @@
     <p:sldId id="470" r:id="rId9"/>
     <p:sldId id="469" r:id="rId10"/>
     <p:sldId id="463" r:id="rId11"/>
-    <p:sldId id="473" r:id="rId12"/>
-    <p:sldId id="474" r:id="rId13"/>
+    <p:sldId id="476" r:id="rId12"/>
+    <p:sldId id="473" r:id="rId13"/>
     <p:sldId id="468" r:id="rId14"/>
-    <p:sldId id="472" r:id="rId15"/>
-    <p:sldId id="426" r:id="rId16"/>
-    <p:sldId id="405" r:id="rId17"/>
-    <p:sldId id="293" r:id="rId18"/>
-    <p:sldId id="306" r:id="rId19"/>
-    <p:sldId id="464" r:id="rId20"/>
-    <p:sldId id="465" r:id="rId21"/>
-    <p:sldId id="471" r:id="rId22"/>
+    <p:sldId id="474" r:id="rId15"/>
+    <p:sldId id="475" r:id="rId16"/>
+    <p:sldId id="472" r:id="rId17"/>
+    <p:sldId id="426" r:id="rId18"/>
+    <p:sldId id="405" r:id="rId19"/>
+    <p:sldId id="293" r:id="rId20"/>
+    <p:sldId id="306" r:id="rId21"/>
+    <p:sldId id="464" r:id="rId22"/>
+    <p:sldId id="465" r:id="rId23"/>
+    <p:sldId id="471" r:id="rId24"/>
   </p:sldIdLst>
   <p:sldSz cx="12192000" cy="6858000"/>
   <p:notesSz cx="7315200" cy="9601200"/>
@@ -879,7 +881,7 @@
           <a:p>
             <a:fld id="{6FC8D850-966F-45A6-8DE7-15B891E7D40D}" type="slidenum">
               <a:rPr lang="pt-BR" smtClean="0"/>
-              <a:t>11</a:t>
+              <a:t>12</a:t>
             </a:fld>
             <a:endParaRPr lang="pt-BR"/>
           </a:p>
@@ -1012,7 +1014,7 @@
           <a:p>
             <a:fld id="{6FC8D850-966F-45A6-8DE7-15B891E7D40D}" type="slidenum">
               <a:rPr lang="pt-BR" smtClean="0"/>
-              <a:t>15</a:t>
+              <a:t>17</a:t>
             </a:fld>
             <a:endParaRPr lang="pt-BR"/>
           </a:p>
@@ -1183,7 +1185,7 @@
           <a:p>
             <a:fld id="{6FC8D850-966F-45A6-8DE7-15B891E7D40D}" type="slidenum">
               <a:rPr lang="pt-BR" smtClean="0"/>
-              <a:t>16</a:t>
+              <a:t>18</a:t>
             </a:fld>
             <a:endParaRPr lang="pt-BR"/>
           </a:p>
@@ -5431,13 +5433,13 @@
           <a:p>
             <a:r>
               <a:rPr lang="pt-BR" dirty="0"/>
-              <a:t>Se precisamos resolver problemas com mais classes ou mais complexos (e.g., que exijam superfícies de separação não-lineares), podemos agrupar vários neurônios e usar uma rede neural.</a:t>
+              <a:t>Se precisarmos resolver problemas com mais classes ou mais complexos (e.g., que exijam superfícies de separação não-lineares ou várias delas), podemos agrupar vários neurônios e usar uma rede neural.</a:t>
             </a:r>
           </a:p>
           <a:p>
             <a:r>
               <a:rPr lang="pt-BR" dirty="0"/>
-              <a:t>Neste caso, teremos vários neurônios na camada de saída, um para cada classe do problema de classificação.</a:t>
+              <a:t>Neste caso, teremos vários neurônios na camada de saída da rede, um para cada classe do problema de classificação.</a:t>
             </a:r>
           </a:p>
           <a:p>
@@ -5448,42 +5450,3436 @@
           </a:p>
         </p:txBody>
       </p:sp>
-      <p:pic>
-        <p:nvPicPr>
-          <p:cNvPr id="77" name="Imagem 76">
+      <p:grpSp>
+        <p:nvGrpSpPr>
+          <p:cNvPr id="4" name="Group 85">
             <a:extLst>
               <a:ext uri="{FF2B5EF4-FFF2-40B4-BE49-F238E27FC236}">
-                <a16:creationId xmlns:a16="http://schemas.microsoft.com/office/drawing/2014/main" id="{F7976FF7-28FE-1F9B-CA60-BDCAD6E678F4}"/>
+                <a16:creationId xmlns:a16="http://schemas.microsoft.com/office/drawing/2014/main" id="{363CF2AC-C2FE-21FC-4222-D8B7F1FBC7BC}"/>
               </a:ext>
             </a:extLst>
           </p:cNvPr>
-          <p:cNvPicPr>
-            <a:picLocks noChangeAspect="1"/>
-          </p:cNvPicPr>
+          <p:cNvGrpSpPr/>
           <p:nvPr/>
-        </p:nvPicPr>
-        <p:blipFill>
-          <a:blip r:embed="rId2">
+        </p:nvGrpSpPr>
+        <p:grpSpPr>
+          <a:xfrm>
+            <a:off x="1035379" y="1570733"/>
+            <a:ext cx="3746893" cy="2613547"/>
+            <a:chOff x="4316866" y="1705666"/>
+            <a:chExt cx="3746893" cy="2613547"/>
+          </a:xfrm>
+        </p:grpSpPr>
+        <mc:AlternateContent xmlns:mc="http://schemas.openxmlformats.org/markup-compatibility/2006" xmlns:a14="http://schemas.microsoft.com/office/drawing/2010/main">
+          <mc:Choice Requires="a14">
+            <p:sp>
+              <p:nvSpPr>
+                <p:cNvPr id="5" name="TextBox 25">
+                  <a:extLst>
+                    <a:ext uri="{FF2B5EF4-FFF2-40B4-BE49-F238E27FC236}">
+                      <a16:creationId xmlns:a16="http://schemas.microsoft.com/office/drawing/2014/main" id="{3214B6E4-26C7-BFA2-30C6-C999168534A5}"/>
+                    </a:ext>
+                  </a:extLst>
+                </p:cNvPr>
+                <p:cNvSpPr txBox="1"/>
+                <p:nvPr/>
+              </p:nvSpPr>
+              <p:spPr>
+                <a:xfrm>
+                  <a:off x="4316866" y="1705666"/>
+                  <a:ext cx="787400" cy="369332"/>
+                </a:xfrm>
+                <a:prstGeom prst="rect">
+                  <a:avLst/>
+                </a:prstGeom>
+                <a:noFill/>
+              </p:spPr>
+              <p:txBody>
+                <a:bodyPr wrap="square" rtlCol="0">
+                  <a:spAutoFit/>
+                </a:bodyPr>
+                <a:lstStyle/>
+                <a:p>
+                  <a:pPr/>
+                  <a14:m>
+                    <m:oMathPara xmlns:m="http://schemas.openxmlformats.org/officeDocument/2006/math">
+                      <m:oMathParaPr>
+                        <m:jc m:val="centerGroup"/>
+                      </m:oMathParaPr>
+                      <m:oMath xmlns:m="http://schemas.openxmlformats.org/officeDocument/2006/math">
+                        <m:sSub>
+                          <m:sSubPr>
+                            <m:ctrlPr>
+                              <a:rPr lang="pt-BR" i="1" smtClean="0">
+                                <a:latin typeface="Cambria Math" panose="02040503050406030204" pitchFamily="18" charset="0"/>
+                              </a:rPr>
+                            </m:ctrlPr>
+                          </m:sSubPr>
+                          <m:e>
+                            <m:r>
+                              <a:rPr lang="pt-BR" b="0" i="1" smtClean="0">
+                                <a:latin typeface="Cambria Math" panose="02040503050406030204" pitchFamily="18" charset="0"/>
+                              </a:rPr>
+                              <m:t>𝑥</m:t>
+                            </m:r>
+                          </m:e>
+                          <m:sub>
+                            <m:r>
+                              <a:rPr lang="pt-BR" b="0" i="1" smtClean="0">
+                                <a:latin typeface="Cambria Math" panose="02040503050406030204" pitchFamily="18" charset="0"/>
+                              </a:rPr>
+                              <m:t>2</m:t>
+                            </m:r>
+                          </m:sub>
+                        </m:sSub>
+                      </m:oMath>
+                    </m:oMathPara>
+                  </a14:m>
+                  <a:endParaRPr lang="pt-BR" dirty="0"/>
+                </a:p>
+              </p:txBody>
+            </p:sp>
+          </mc:Choice>
+          <mc:Fallback xmlns="">
+            <p:sp>
+              <p:nvSpPr>
+                <p:cNvPr id="26" name="TextBox 25"/>
+                <p:cNvSpPr txBox="1">
+                  <a:spLocks noRot="1" noChangeAspect="1" noMove="1" noResize="1" noEditPoints="1" noAdjustHandles="1" noChangeArrowheads="1" noChangeShapeType="1" noTextEdit="1"/>
+                </p:cNvSpPr>
+                <p:nvPr/>
+              </p:nvSpPr>
+              <p:spPr>
+                <a:xfrm>
+                  <a:off x="4316866" y="1705666"/>
+                  <a:ext cx="787400" cy="369332"/>
+                </a:xfrm>
+                <a:prstGeom prst="rect">
+                  <a:avLst/>
+                </a:prstGeom>
+                <a:blipFill rotWithShape="0">
+                  <a:blip r:embed="rId2"/>
+                  <a:stretch>
+                    <a:fillRect/>
+                  </a:stretch>
+                </a:blipFill>
+              </p:spPr>
+              <p:txBody>
+                <a:bodyPr/>
+                <a:lstStyle/>
+                <a:p>
+                  <a:r>
+                    <a:rPr lang="pt-BR">
+                      <a:noFill/>
+                    </a:rPr>
+                    <a:t> </a:t>
+                  </a:r>
+                </a:p>
+              </p:txBody>
+            </p:sp>
+          </mc:Fallback>
+        </mc:AlternateContent>
+        <p:grpSp>
+          <p:nvGrpSpPr>
+            <p:cNvPr id="6" name="Group 26">
+              <a:extLst>
+                <a:ext uri="{FF2B5EF4-FFF2-40B4-BE49-F238E27FC236}">
+                  <a16:creationId xmlns:a16="http://schemas.microsoft.com/office/drawing/2014/main" id="{FD5D99E1-316E-50BB-4E62-ADB7CE1EBD9C}"/>
+                </a:ext>
+              </a:extLst>
+            </p:cNvPr>
+            <p:cNvGrpSpPr/>
+            <p:nvPr/>
+          </p:nvGrpSpPr>
+          <p:grpSpPr>
+            <a:xfrm>
+              <a:off x="4695454" y="2105877"/>
+              <a:ext cx="3359834" cy="2213336"/>
+              <a:chOff x="4712575" y="4400375"/>
+              <a:chExt cx="3359834" cy="2213336"/>
+            </a:xfrm>
+          </p:grpSpPr>
+          <p:cxnSp>
+            <p:nvCxnSpPr>
+              <p:cNvPr id="8" name="Straight Arrow Connector 27">
+                <a:extLst>
+                  <a:ext uri="{FF2B5EF4-FFF2-40B4-BE49-F238E27FC236}">
+                    <a16:creationId xmlns:a16="http://schemas.microsoft.com/office/drawing/2014/main" id="{29047801-0A20-EC54-A779-833CCB4DF254}"/>
+                  </a:ext>
+                </a:extLst>
+              </p:cNvPr>
+              <p:cNvCxnSpPr/>
+              <p:nvPr/>
+            </p:nvCxnSpPr>
+            <p:spPr>
+              <a:xfrm flipV="1">
+                <a:off x="4725275" y="4400375"/>
+                <a:ext cx="0" cy="2009104"/>
+              </a:xfrm>
+              <a:prstGeom prst="straightConnector1">
+                <a:avLst/>
+              </a:prstGeom>
+              <a:ln w="28575">
+                <a:solidFill>
+                  <a:schemeClr val="tx1"/>
+                </a:solidFill>
+                <a:tailEnd type="triangle"/>
+              </a:ln>
+            </p:spPr>
+            <p:style>
+              <a:lnRef idx="1">
+                <a:schemeClr val="accent1"/>
+              </a:lnRef>
+              <a:fillRef idx="0">
+                <a:schemeClr val="accent1"/>
+              </a:fillRef>
+              <a:effectRef idx="0">
+                <a:schemeClr val="accent1"/>
+              </a:effectRef>
+              <a:fontRef idx="minor">
+                <a:schemeClr val="tx1"/>
+              </a:fontRef>
+            </p:style>
+          </p:cxnSp>
+          <p:cxnSp>
+            <p:nvCxnSpPr>
+              <p:cNvPr id="9" name="Straight Arrow Connector 28">
+                <a:extLst>
+                  <a:ext uri="{FF2B5EF4-FFF2-40B4-BE49-F238E27FC236}">
+                    <a16:creationId xmlns:a16="http://schemas.microsoft.com/office/drawing/2014/main" id="{945EF36F-DC6D-ADB1-BA84-D60D1CC5CC7A}"/>
+                  </a:ext>
+                </a:extLst>
+              </p:cNvPr>
+              <p:cNvCxnSpPr/>
+              <p:nvPr/>
+            </p:nvCxnSpPr>
+            <p:spPr>
+              <a:xfrm>
+                <a:off x="4712575" y="6409479"/>
+                <a:ext cx="2772000" cy="0"/>
+              </a:xfrm>
+              <a:prstGeom prst="straightConnector1">
+                <a:avLst/>
+              </a:prstGeom>
+              <a:ln w="28575">
+                <a:solidFill>
+                  <a:schemeClr val="tx1"/>
+                </a:solidFill>
+                <a:tailEnd type="triangle"/>
+              </a:ln>
+            </p:spPr>
+            <p:style>
+              <a:lnRef idx="1">
+                <a:schemeClr val="accent1"/>
+              </a:lnRef>
+              <a:fillRef idx="0">
+                <a:schemeClr val="accent1"/>
+              </a:fillRef>
+              <a:effectRef idx="0">
+                <a:schemeClr val="accent1"/>
+              </a:effectRef>
+              <a:fontRef idx="minor">
+                <a:schemeClr val="tx1"/>
+              </a:fontRef>
+            </p:style>
+          </p:cxnSp>
+          <p:sp>
+            <p:nvSpPr>
+              <p:cNvPr id="10" name="Oval 29">
+                <a:extLst>
+                  <a:ext uri="{FF2B5EF4-FFF2-40B4-BE49-F238E27FC236}">
+                    <a16:creationId xmlns:a16="http://schemas.microsoft.com/office/drawing/2014/main" id="{B8F64813-CD2B-3623-B2A0-394EA901EB4E}"/>
+                  </a:ext>
+                </a:extLst>
+              </p:cNvPr>
+              <p:cNvSpPr/>
+              <p:nvPr/>
+            </p:nvSpPr>
+            <p:spPr>
+              <a:xfrm>
+                <a:off x="5579028" y="5546866"/>
+                <a:ext cx="146765" cy="154547"/>
+              </a:xfrm>
+              <a:prstGeom prst="ellipse">
+                <a:avLst/>
+              </a:prstGeom>
+              <a:solidFill>
+                <a:schemeClr val="accent5"/>
+              </a:solidFill>
+              <a:ln>
+                <a:solidFill>
+                  <a:schemeClr val="accent5"/>
+                </a:solidFill>
+              </a:ln>
+            </p:spPr>
+            <p:style>
+              <a:lnRef idx="2">
+                <a:schemeClr val="accent1">
+                  <a:shade val="50000"/>
+                </a:schemeClr>
+              </a:lnRef>
+              <a:fillRef idx="1">
+                <a:schemeClr val="accent1"/>
+              </a:fillRef>
+              <a:effectRef idx="0">
+                <a:schemeClr val="accent1"/>
+              </a:effectRef>
+              <a:fontRef idx="minor">
+                <a:schemeClr val="lt1"/>
+              </a:fontRef>
+            </p:style>
+            <p:txBody>
+              <a:bodyPr rtlCol="0" anchor="ctr"/>
+              <a:lstStyle/>
+              <a:p>
+                <a:pPr algn="ctr"/>
+                <a:endParaRPr lang="pt-BR"/>
+              </a:p>
+            </p:txBody>
+          </p:sp>
+          <p:sp>
+            <p:nvSpPr>
+              <p:cNvPr id="11" name="Isosceles Triangle 30">
+                <a:extLst>
+                  <a:ext uri="{FF2B5EF4-FFF2-40B4-BE49-F238E27FC236}">
+                    <a16:creationId xmlns:a16="http://schemas.microsoft.com/office/drawing/2014/main" id="{7F4C48BF-CBCD-F0DA-6303-7A2836317F66}"/>
+                  </a:ext>
+                </a:extLst>
+              </p:cNvPr>
+              <p:cNvSpPr/>
+              <p:nvPr/>
+            </p:nvSpPr>
+            <p:spPr>
+              <a:xfrm>
+                <a:off x="5258573" y="5864589"/>
+                <a:ext cx="133350" cy="165100"/>
+              </a:xfrm>
+              <a:prstGeom prst="triangle">
+                <a:avLst/>
+              </a:prstGeom>
+              <a:solidFill>
+                <a:srgbClr val="FF0000"/>
+              </a:solidFill>
+              <a:ln>
+                <a:solidFill>
+                  <a:srgbClr val="FF0000"/>
+                </a:solidFill>
+              </a:ln>
+            </p:spPr>
+            <p:style>
+              <a:lnRef idx="2">
+                <a:schemeClr val="accent1">
+                  <a:shade val="50000"/>
+                </a:schemeClr>
+              </a:lnRef>
+              <a:fillRef idx="1">
+                <a:schemeClr val="accent1"/>
+              </a:fillRef>
+              <a:effectRef idx="0">
+                <a:schemeClr val="accent1"/>
+              </a:effectRef>
+              <a:fontRef idx="minor">
+                <a:schemeClr val="lt1"/>
+              </a:fontRef>
+            </p:style>
+            <p:txBody>
+              <a:bodyPr rtlCol="0" anchor="ctr"/>
+              <a:lstStyle/>
+              <a:p>
+                <a:pPr algn="ctr"/>
+                <a:endParaRPr lang="pt-BR"/>
+              </a:p>
+            </p:txBody>
+          </p:sp>
+          <p:sp>
+            <p:nvSpPr>
+              <p:cNvPr id="12" name="Oval 31">
+                <a:extLst>
+                  <a:ext uri="{FF2B5EF4-FFF2-40B4-BE49-F238E27FC236}">
+                    <a16:creationId xmlns:a16="http://schemas.microsoft.com/office/drawing/2014/main" id="{DCE09A87-1341-9437-3215-EF43E3F479F2}"/>
+                  </a:ext>
+                </a:extLst>
+              </p:cNvPr>
+              <p:cNvSpPr/>
+              <p:nvPr/>
+            </p:nvSpPr>
+            <p:spPr>
+              <a:xfrm>
+                <a:off x="5505645" y="5272742"/>
+                <a:ext cx="146765" cy="154547"/>
+              </a:xfrm>
+              <a:prstGeom prst="ellipse">
+                <a:avLst/>
+              </a:prstGeom>
+              <a:solidFill>
+                <a:schemeClr val="accent5"/>
+              </a:solidFill>
+              <a:ln>
+                <a:solidFill>
+                  <a:schemeClr val="accent5"/>
+                </a:solidFill>
+              </a:ln>
+            </p:spPr>
+            <p:style>
+              <a:lnRef idx="2">
+                <a:schemeClr val="accent1">
+                  <a:shade val="50000"/>
+                </a:schemeClr>
+              </a:lnRef>
+              <a:fillRef idx="1">
+                <a:schemeClr val="accent1"/>
+              </a:fillRef>
+              <a:effectRef idx="0">
+                <a:schemeClr val="accent1"/>
+              </a:effectRef>
+              <a:fontRef idx="minor">
+                <a:schemeClr val="lt1"/>
+              </a:fontRef>
+            </p:style>
+            <p:txBody>
+              <a:bodyPr rtlCol="0" anchor="ctr"/>
+              <a:lstStyle/>
+              <a:p>
+                <a:pPr algn="ctr"/>
+                <a:endParaRPr lang="pt-BR"/>
+              </a:p>
+            </p:txBody>
+          </p:sp>
+          <p:sp>
+            <p:nvSpPr>
+              <p:cNvPr id="13" name="Oval 32">
+                <a:extLst>
+                  <a:ext uri="{FF2B5EF4-FFF2-40B4-BE49-F238E27FC236}">
+                    <a16:creationId xmlns:a16="http://schemas.microsoft.com/office/drawing/2014/main" id="{2D371951-FE95-F8CE-1285-487F03CF45FA}"/>
+                  </a:ext>
+                </a:extLst>
+              </p:cNvPr>
+              <p:cNvSpPr/>
+              <p:nvPr/>
+            </p:nvSpPr>
+            <p:spPr>
+              <a:xfrm>
+                <a:off x="5807850" y="5350015"/>
+                <a:ext cx="146765" cy="154547"/>
+              </a:xfrm>
+              <a:prstGeom prst="ellipse">
+                <a:avLst/>
+              </a:prstGeom>
+              <a:solidFill>
+                <a:schemeClr val="accent5"/>
+              </a:solidFill>
+              <a:ln>
+                <a:solidFill>
+                  <a:schemeClr val="accent5"/>
+                </a:solidFill>
+              </a:ln>
+            </p:spPr>
+            <p:style>
+              <a:lnRef idx="2">
+                <a:schemeClr val="accent1">
+                  <a:shade val="50000"/>
+                </a:schemeClr>
+              </a:lnRef>
+              <a:fillRef idx="1">
+                <a:schemeClr val="accent1"/>
+              </a:fillRef>
+              <a:effectRef idx="0">
+                <a:schemeClr val="accent1"/>
+              </a:effectRef>
+              <a:fontRef idx="minor">
+                <a:schemeClr val="lt1"/>
+              </a:fontRef>
+            </p:style>
+            <p:txBody>
+              <a:bodyPr rtlCol="0" anchor="ctr"/>
+              <a:lstStyle/>
+              <a:p>
+                <a:pPr algn="ctr"/>
+                <a:endParaRPr lang="pt-BR"/>
+              </a:p>
+            </p:txBody>
+          </p:sp>
+          <p:sp>
+            <p:nvSpPr>
+              <p:cNvPr id="14" name="Oval 33">
+                <a:extLst>
+                  <a:ext uri="{FF2B5EF4-FFF2-40B4-BE49-F238E27FC236}">
+                    <a16:creationId xmlns:a16="http://schemas.microsoft.com/office/drawing/2014/main" id="{76084EBE-E08E-AB3F-7564-7F4A9D54A722}"/>
+                  </a:ext>
+                </a:extLst>
+              </p:cNvPr>
+              <p:cNvSpPr/>
+              <p:nvPr/>
+            </p:nvSpPr>
+            <p:spPr>
+              <a:xfrm>
+                <a:off x="6027998" y="5538281"/>
+                <a:ext cx="146765" cy="154547"/>
+              </a:xfrm>
+              <a:prstGeom prst="ellipse">
+                <a:avLst/>
+              </a:prstGeom>
+              <a:solidFill>
+                <a:schemeClr val="accent5"/>
+              </a:solidFill>
+              <a:ln>
+                <a:solidFill>
+                  <a:schemeClr val="accent5"/>
+                </a:solidFill>
+              </a:ln>
+            </p:spPr>
+            <p:style>
+              <a:lnRef idx="2">
+                <a:schemeClr val="accent1">
+                  <a:shade val="50000"/>
+                </a:schemeClr>
+              </a:lnRef>
+              <a:fillRef idx="1">
+                <a:schemeClr val="accent1"/>
+              </a:fillRef>
+              <a:effectRef idx="0">
+                <a:schemeClr val="accent1"/>
+              </a:effectRef>
+              <a:fontRef idx="minor">
+                <a:schemeClr val="lt1"/>
+              </a:fontRef>
+            </p:style>
+            <p:txBody>
+              <a:bodyPr rtlCol="0" anchor="ctr"/>
+              <a:lstStyle/>
+              <a:p>
+                <a:pPr algn="ctr"/>
+                <a:endParaRPr lang="pt-BR"/>
+              </a:p>
+            </p:txBody>
+          </p:sp>
+          <p:sp>
+            <p:nvSpPr>
+              <p:cNvPr id="15" name="Oval 34">
+                <a:extLst>
+                  <a:ext uri="{FF2B5EF4-FFF2-40B4-BE49-F238E27FC236}">
+                    <a16:creationId xmlns:a16="http://schemas.microsoft.com/office/drawing/2014/main" id="{EA6A04EA-80AE-8CDE-2A2A-84580BB3EC13}"/>
+                  </a:ext>
+                </a:extLst>
+              </p:cNvPr>
+              <p:cNvSpPr/>
+              <p:nvPr/>
+            </p:nvSpPr>
+            <p:spPr>
+              <a:xfrm>
+                <a:off x="5829135" y="5663223"/>
+                <a:ext cx="146765" cy="154547"/>
+              </a:xfrm>
+              <a:prstGeom prst="ellipse">
+                <a:avLst/>
+              </a:prstGeom>
+              <a:solidFill>
+                <a:schemeClr val="accent5"/>
+              </a:solidFill>
+              <a:ln>
+                <a:solidFill>
+                  <a:schemeClr val="accent5"/>
+                </a:solidFill>
+              </a:ln>
+            </p:spPr>
+            <p:style>
+              <a:lnRef idx="2">
+                <a:schemeClr val="accent1">
+                  <a:shade val="50000"/>
+                </a:schemeClr>
+              </a:lnRef>
+              <a:fillRef idx="1">
+                <a:schemeClr val="accent1"/>
+              </a:fillRef>
+              <a:effectRef idx="0">
+                <a:schemeClr val="accent1"/>
+              </a:effectRef>
+              <a:fontRef idx="minor">
+                <a:schemeClr val="lt1"/>
+              </a:fontRef>
+            </p:style>
+            <p:txBody>
+              <a:bodyPr rtlCol="0" anchor="ctr"/>
+              <a:lstStyle/>
+              <a:p>
+                <a:pPr algn="ctr"/>
+                <a:endParaRPr lang="pt-BR"/>
+              </a:p>
+            </p:txBody>
+          </p:sp>
+          <p:sp>
+            <p:nvSpPr>
+              <p:cNvPr id="16" name="Oval 35">
+                <a:extLst>
+                  <a:ext uri="{FF2B5EF4-FFF2-40B4-BE49-F238E27FC236}">
+                    <a16:creationId xmlns:a16="http://schemas.microsoft.com/office/drawing/2014/main" id="{FE4B699F-CCA7-53E8-5210-F8DCC6B35418}"/>
+                  </a:ext>
+                </a:extLst>
+              </p:cNvPr>
+              <p:cNvSpPr/>
+              <p:nvPr/>
+            </p:nvSpPr>
+            <p:spPr>
+              <a:xfrm>
+                <a:off x="5664478" y="5019636"/>
+                <a:ext cx="152400" cy="154547"/>
+              </a:xfrm>
+              <a:prstGeom prst="ellipse">
+                <a:avLst/>
+              </a:prstGeom>
+              <a:solidFill>
+                <a:schemeClr val="accent5"/>
+              </a:solidFill>
+              <a:ln>
+                <a:solidFill>
+                  <a:schemeClr val="accent5"/>
+                </a:solidFill>
+              </a:ln>
+            </p:spPr>
+            <p:style>
+              <a:lnRef idx="2">
+                <a:schemeClr val="accent1">
+                  <a:shade val="50000"/>
+                </a:schemeClr>
+              </a:lnRef>
+              <a:fillRef idx="1">
+                <a:schemeClr val="accent1"/>
+              </a:fillRef>
+              <a:effectRef idx="0">
+                <a:schemeClr val="accent1"/>
+              </a:effectRef>
+              <a:fontRef idx="minor">
+                <a:schemeClr val="lt1"/>
+              </a:fontRef>
+            </p:style>
+            <p:txBody>
+              <a:bodyPr rtlCol="0" anchor="ctr"/>
+              <a:lstStyle/>
+              <a:p>
+                <a:pPr algn="ctr"/>
+                <a:endParaRPr lang="pt-BR"/>
+              </a:p>
+            </p:txBody>
+          </p:sp>
+          <p:sp>
+            <p:nvSpPr>
+              <p:cNvPr id="17" name="Oval 36">
+                <a:extLst>
+                  <a:ext uri="{FF2B5EF4-FFF2-40B4-BE49-F238E27FC236}">
+                    <a16:creationId xmlns:a16="http://schemas.microsoft.com/office/drawing/2014/main" id="{16500641-9718-B533-8F8E-EDD523500918}"/>
+                  </a:ext>
+                </a:extLst>
+              </p:cNvPr>
+              <p:cNvSpPr/>
+              <p:nvPr/>
+            </p:nvSpPr>
+            <p:spPr>
+              <a:xfrm>
+                <a:off x="5969993" y="5088324"/>
+                <a:ext cx="146765" cy="154547"/>
+              </a:xfrm>
+              <a:prstGeom prst="ellipse">
+                <a:avLst/>
+              </a:prstGeom>
+              <a:solidFill>
+                <a:schemeClr val="accent5"/>
+              </a:solidFill>
+              <a:ln>
+                <a:solidFill>
+                  <a:schemeClr val="accent5"/>
+                </a:solidFill>
+              </a:ln>
+            </p:spPr>
+            <p:style>
+              <a:lnRef idx="2">
+                <a:schemeClr val="accent1">
+                  <a:shade val="50000"/>
+                </a:schemeClr>
+              </a:lnRef>
+              <a:fillRef idx="1">
+                <a:schemeClr val="accent1"/>
+              </a:fillRef>
+              <a:effectRef idx="0">
+                <a:schemeClr val="accent1"/>
+              </a:effectRef>
+              <a:fontRef idx="minor">
+                <a:schemeClr val="lt1"/>
+              </a:fontRef>
+            </p:style>
+            <p:txBody>
+              <a:bodyPr rtlCol="0" anchor="ctr"/>
+              <a:lstStyle/>
+              <a:p>
+                <a:pPr algn="ctr"/>
+                <a:endParaRPr lang="pt-BR"/>
+              </a:p>
+            </p:txBody>
+          </p:sp>
+          <p:sp>
+            <p:nvSpPr>
+              <p:cNvPr id="18" name="Isosceles Triangle 37">
+                <a:extLst>
+                  <a:ext uri="{FF2B5EF4-FFF2-40B4-BE49-F238E27FC236}">
+                    <a16:creationId xmlns:a16="http://schemas.microsoft.com/office/drawing/2014/main" id="{6482BE5D-D9A0-BE3E-6A35-7D94FA2FCE0A}"/>
+                  </a:ext>
+                </a:extLst>
+              </p:cNvPr>
+              <p:cNvSpPr/>
+              <p:nvPr/>
+            </p:nvSpPr>
+            <p:spPr>
+              <a:xfrm>
+                <a:off x="5292773" y="4787319"/>
+                <a:ext cx="133350" cy="165100"/>
+              </a:xfrm>
+              <a:prstGeom prst="triangle">
+                <a:avLst/>
+              </a:prstGeom>
+              <a:solidFill>
+                <a:srgbClr val="FF0000"/>
+              </a:solidFill>
+              <a:ln>
+                <a:solidFill>
+                  <a:srgbClr val="FF0000"/>
+                </a:solidFill>
+              </a:ln>
+            </p:spPr>
+            <p:style>
+              <a:lnRef idx="2">
+                <a:schemeClr val="accent1">
+                  <a:shade val="50000"/>
+                </a:schemeClr>
+              </a:lnRef>
+              <a:fillRef idx="1">
+                <a:schemeClr val="accent1"/>
+              </a:fillRef>
+              <a:effectRef idx="0">
+                <a:schemeClr val="accent1"/>
+              </a:effectRef>
+              <a:fontRef idx="minor">
+                <a:schemeClr val="lt1"/>
+              </a:fontRef>
+            </p:style>
+            <p:txBody>
+              <a:bodyPr rtlCol="0" anchor="ctr"/>
+              <a:lstStyle/>
+              <a:p>
+                <a:pPr algn="ctr"/>
+                <a:endParaRPr lang="pt-BR"/>
+              </a:p>
+            </p:txBody>
+          </p:sp>
+          <p:sp>
+            <p:nvSpPr>
+              <p:cNvPr id="19" name="Isosceles Triangle 38">
+                <a:extLst>
+                  <a:ext uri="{FF2B5EF4-FFF2-40B4-BE49-F238E27FC236}">
+                    <a16:creationId xmlns:a16="http://schemas.microsoft.com/office/drawing/2014/main" id="{6A75B198-B8A5-305E-133B-353E46C0DE42}"/>
+                  </a:ext>
+                </a:extLst>
+              </p:cNvPr>
+              <p:cNvSpPr/>
+              <p:nvPr/>
+            </p:nvSpPr>
+            <p:spPr>
+              <a:xfrm>
+                <a:off x="6605560" y="5350015"/>
+                <a:ext cx="133350" cy="165100"/>
+              </a:xfrm>
+              <a:prstGeom prst="triangle">
+                <a:avLst/>
+              </a:prstGeom>
+              <a:solidFill>
+                <a:srgbClr val="FF0000"/>
+              </a:solidFill>
+              <a:ln>
+                <a:solidFill>
+                  <a:srgbClr val="FF0000"/>
+                </a:solidFill>
+              </a:ln>
+            </p:spPr>
+            <p:style>
+              <a:lnRef idx="2">
+                <a:schemeClr val="accent1">
+                  <a:shade val="50000"/>
+                </a:schemeClr>
+              </a:lnRef>
+              <a:fillRef idx="1">
+                <a:schemeClr val="accent1"/>
+              </a:fillRef>
+              <a:effectRef idx="0">
+                <a:schemeClr val="accent1"/>
+              </a:effectRef>
+              <a:fontRef idx="minor">
+                <a:schemeClr val="lt1"/>
+              </a:fontRef>
+            </p:style>
+            <p:txBody>
+              <a:bodyPr rtlCol="0" anchor="ctr"/>
+              <a:lstStyle/>
+              <a:p>
+                <a:pPr algn="ctr"/>
+                <a:endParaRPr lang="pt-BR"/>
+              </a:p>
+            </p:txBody>
+          </p:sp>
+          <p:sp>
+            <p:nvSpPr>
+              <p:cNvPr id="20" name="Isosceles Triangle 39">
+                <a:extLst>
+                  <a:ext uri="{FF2B5EF4-FFF2-40B4-BE49-F238E27FC236}">
+                    <a16:creationId xmlns:a16="http://schemas.microsoft.com/office/drawing/2014/main" id="{47C9361E-1C5B-3BCA-EF59-513F810F22B5}"/>
+                  </a:ext>
+                </a:extLst>
+              </p:cNvPr>
+              <p:cNvSpPr/>
+              <p:nvPr/>
+            </p:nvSpPr>
+            <p:spPr>
+              <a:xfrm>
+                <a:off x="5054712" y="5315731"/>
+                <a:ext cx="133350" cy="165100"/>
+              </a:xfrm>
+              <a:prstGeom prst="triangle">
+                <a:avLst/>
+              </a:prstGeom>
+              <a:solidFill>
+                <a:srgbClr val="FF0000"/>
+              </a:solidFill>
+              <a:ln>
+                <a:solidFill>
+                  <a:srgbClr val="FF0000"/>
+                </a:solidFill>
+              </a:ln>
+            </p:spPr>
+            <p:style>
+              <a:lnRef idx="2">
+                <a:schemeClr val="accent1">
+                  <a:shade val="50000"/>
+                </a:schemeClr>
+              </a:lnRef>
+              <a:fillRef idx="1">
+                <a:schemeClr val="accent1"/>
+              </a:fillRef>
+              <a:effectRef idx="0">
+                <a:schemeClr val="accent1"/>
+              </a:effectRef>
+              <a:fontRef idx="minor">
+                <a:schemeClr val="lt1"/>
+              </a:fontRef>
+            </p:style>
+            <p:txBody>
+              <a:bodyPr rtlCol="0" anchor="ctr"/>
+              <a:lstStyle/>
+              <a:p>
+                <a:pPr algn="ctr"/>
+                <a:endParaRPr lang="pt-BR"/>
+              </a:p>
+            </p:txBody>
+          </p:sp>
+          <p:sp>
+            <p:nvSpPr>
+              <p:cNvPr id="21" name="Isosceles Triangle 40">
+                <a:extLst>
+                  <a:ext uri="{FF2B5EF4-FFF2-40B4-BE49-F238E27FC236}">
+                    <a16:creationId xmlns:a16="http://schemas.microsoft.com/office/drawing/2014/main" id="{1A957386-ADA7-4051-9ECE-EEF8043CA299}"/>
+                  </a:ext>
+                </a:extLst>
+              </p:cNvPr>
+              <p:cNvSpPr/>
+              <p:nvPr/>
+            </p:nvSpPr>
+            <p:spPr>
+              <a:xfrm>
+                <a:off x="6351848" y="4753800"/>
+                <a:ext cx="133350" cy="165100"/>
+              </a:xfrm>
+              <a:prstGeom prst="triangle">
+                <a:avLst/>
+              </a:prstGeom>
+              <a:solidFill>
+                <a:srgbClr val="FF0000"/>
+              </a:solidFill>
+              <a:ln>
+                <a:solidFill>
+                  <a:srgbClr val="FF0000"/>
+                </a:solidFill>
+              </a:ln>
+            </p:spPr>
+            <p:style>
+              <a:lnRef idx="2">
+                <a:schemeClr val="accent1">
+                  <a:shade val="50000"/>
+                </a:schemeClr>
+              </a:lnRef>
+              <a:fillRef idx="1">
+                <a:schemeClr val="accent1"/>
+              </a:fillRef>
+              <a:effectRef idx="0">
+                <a:schemeClr val="accent1"/>
+              </a:effectRef>
+              <a:fontRef idx="minor">
+                <a:schemeClr val="lt1"/>
+              </a:fontRef>
+            </p:style>
+            <p:txBody>
+              <a:bodyPr rtlCol="0" anchor="ctr"/>
+              <a:lstStyle/>
+              <a:p>
+                <a:pPr algn="ctr"/>
+                <a:endParaRPr lang="pt-BR"/>
+              </a:p>
+            </p:txBody>
+          </p:sp>
+          <p:sp>
+            <p:nvSpPr>
+              <p:cNvPr id="22" name="Isosceles Triangle 41">
+                <a:extLst>
+                  <a:ext uri="{FF2B5EF4-FFF2-40B4-BE49-F238E27FC236}">
+                    <a16:creationId xmlns:a16="http://schemas.microsoft.com/office/drawing/2014/main" id="{01C4E25F-43B1-EEBF-7173-91C8CD418EE7}"/>
+                  </a:ext>
+                </a:extLst>
+              </p:cNvPr>
+              <p:cNvSpPr/>
+              <p:nvPr/>
+            </p:nvSpPr>
+            <p:spPr>
+              <a:xfrm>
+                <a:off x="5768375" y="4566339"/>
+                <a:ext cx="133350" cy="165100"/>
+              </a:xfrm>
+              <a:prstGeom prst="triangle">
+                <a:avLst/>
+              </a:prstGeom>
+              <a:solidFill>
+                <a:srgbClr val="FF0000"/>
+              </a:solidFill>
+              <a:ln>
+                <a:solidFill>
+                  <a:srgbClr val="FF0000"/>
+                </a:solidFill>
+              </a:ln>
+            </p:spPr>
+            <p:style>
+              <a:lnRef idx="2">
+                <a:schemeClr val="accent1">
+                  <a:shade val="50000"/>
+                </a:schemeClr>
+              </a:lnRef>
+              <a:fillRef idx="1">
+                <a:schemeClr val="accent1"/>
+              </a:fillRef>
+              <a:effectRef idx="0">
+                <a:schemeClr val="accent1"/>
+              </a:effectRef>
+              <a:fontRef idx="minor">
+                <a:schemeClr val="lt1"/>
+              </a:fontRef>
+            </p:style>
+            <p:txBody>
+              <a:bodyPr rtlCol="0" anchor="ctr"/>
+              <a:lstStyle/>
+              <a:p>
+                <a:pPr algn="ctr"/>
+                <a:endParaRPr lang="pt-BR"/>
+              </a:p>
+            </p:txBody>
+          </p:sp>
+          <p:sp>
+            <p:nvSpPr>
+              <p:cNvPr id="23" name="Isosceles Triangle 42">
+                <a:extLst>
+                  <a:ext uri="{FF2B5EF4-FFF2-40B4-BE49-F238E27FC236}">
+                    <a16:creationId xmlns:a16="http://schemas.microsoft.com/office/drawing/2014/main" id="{C5AA97CB-4369-4B52-6A43-92DEFE0D32C8}"/>
+                  </a:ext>
+                </a:extLst>
+              </p:cNvPr>
+              <p:cNvSpPr/>
+              <p:nvPr/>
+            </p:nvSpPr>
+            <p:spPr>
+              <a:xfrm>
+                <a:off x="5821265" y="6059155"/>
+                <a:ext cx="133350" cy="165100"/>
+              </a:xfrm>
+              <a:prstGeom prst="triangle">
+                <a:avLst/>
+              </a:prstGeom>
+              <a:solidFill>
+                <a:srgbClr val="FF0000"/>
+              </a:solidFill>
+              <a:ln>
+                <a:solidFill>
+                  <a:srgbClr val="FF0000"/>
+                </a:solidFill>
+              </a:ln>
+            </p:spPr>
+            <p:style>
+              <a:lnRef idx="2">
+                <a:schemeClr val="accent1">
+                  <a:shade val="50000"/>
+                </a:schemeClr>
+              </a:lnRef>
+              <a:fillRef idx="1">
+                <a:schemeClr val="accent1"/>
+              </a:fillRef>
+              <a:effectRef idx="0">
+                <a:schemeClr val="accent1"/>
+              </a:effectRef>
+              <a:fontRef idx="minor">
+                <a:schemeClr val="lt1"/>
+              </a:fontRef>
+            </p:style>
+            <p:txBody>
+              <a:bodyPr rtlCol="0" anchor="ctr"/>
+              <a:lstStyle/>
+              <a:p>
+                <a:pPr algn="ctr"/>
+                <a:endParaRPr lang="pt-BR"/>
+              </a:p>
+            </p:txBody>
+          </p:sp>
+          <p:sp>
+            <p:nvSpPr>
+              <p:cNvPr id="24" name="Isosceles Triangle 43">
+                <a:extLst>
+                  <a:ext uri="{FF2B5EF4-FFF2-40B4-BE49-F238E27FC236}">
+                    <a16:creationId xmlns:a16="http://schemas.microsoft.com/office/drawing/2014/main" id="{E4E0F7AC-EB00-0736-9DDA-7742B2EAC1B3}"/>
+                  </a:ext>
+                </a:extLst>
+              </p:cNvPr>
+              <p:cNvSpPr/>
+              <p:nvPr/>
+            </p:nvSpPr>
+            <p:spPr>
+              <a:xfrm>
+                <a:off x="6407231" y="5826130"/>
+                <a:ext cx="133350" cy="165100"/>
+              </a:xfrm>
+              <a:prstGeom prst="triangle">
+                <a:avLst/>
+              </a:prstGeom>
+              <a:solidFill>
+                <a:srgbClr val="FF0000"/>
+              </a:solidFill>
+              <a:ln>
+                <a:solidFill>
+                  <a:srgbClr val="FF0000"/>
+                </a:solidFill>
+              </a:ln>
+            </p:spPr>
+            <p:style>
+              <a:lnRef idx="2">
+                <a:schemeClr val="accent1">
+                  <a:shade val="50000"/>
+                </a:schemeClr>
+              </a:lnRef>
+              <a:fillRef idx="1">
+                <a:schemeClr val="accent1"/>
+              </a:fillRef>
+              <a:effectRef idx="0">
+                <a:schemeClr val="accent1"/>
+              </a:effectRef>
+              <a:fontRef idx="minor">
+                <a:schemeClr val="lt1"/>
+              </a:fontRef>
+            </p:style>
+            <p:txBody>
+              <a:bodyPr rtlCol="0" anchor="ctr"/>
+              <a:lstStyle/>
+              <a:p>
+                <a:pPr algn="ctr"/>
+                <a:endParaRPr lang="pt-BR"/>
+              </a:p>
+            </p:txBody>
+          </p:sp>
+          <mc:AlternateContent xmlns:mc="http://schemas.openxmlformats.org/markup-compatibility/2006" xmlns:a14="http://schemas.microsoft.com/office/drawing/2010/main">
+            <mc:Choice Requires="a14">
+              <p:sp>
+                <p:nvSpPr>
+                  <p:cNvPr id="25" name="Rectangle 44">
+                    <a:extLst>
+                      <a:ext uri="{FF2B5EF4-FFF2-40B4-BE49-F238E27FC236}">
+                        <a16:creationId xmlns:a16="http://schemas.microsoft.com/office/drawing/2014/main" id="{DEC1F953-5F49-B375-68FE-5BD7F973A38E}"/>
+                      </a:ext>
+                    </a:extLst>
+                  </p:cNvPr>
+                  <p:cNvSpPr/>
+                  <p:nvPr/>
+                </p:nvSpPr>
+                <p:spPr>
+                  <a:xfrm>
+                    <a:off x="5969993" y="5138171"/>
+                    <a:ext cx="515205" cy="400110"/>
+                  </a:xfrm>
+                  <a:prstGeom prst="rect">
+                    <a:avLst/>
+                  </a:prstGeom>
+                </p:spPr>
+                <p:txBody>
+                  <a:bodyPr wrap="none">
+                    <a:spAutoFit/>
+                  </a:bodyPr>
+                  <a:lstStyle/>
+                  <a:p>
+                    <a:pPr/>
+                    <a14:m>
+                      <m:oMathPara xmlns:m="http://schemas.openxmlformats.org/officeDocument/2006/math">
+                        <m:oMathParaPr>
+                          <m:jc m:val="centerGroup"/>
+                        </m:oMathParaPr>
+                        <m:oMath xmlns:m="http://schemas.openxmlformats.org/officeDocument/2006/math">
+                          <m:sSub>
+                            <m:sSubPr>
+                              <m:ctrlPr>
+                                <a:rPr lang="pt-BR" sz="2000" i="1" smtClean="0">
+                                  <a:latin typeface="Cambria Math" panose="02040503050406030204" pitchFamily="18" charset="0"/>
+                                </a:rPr>
+                              </m:ctrlPr>
+                            </m:sSubPr>
+                            <m:e>
+                              <m:r>
+                                <a:rPr lang="pt-BR" sz="2000" i="1">
+                                  <a:latin typeface="Cambria Math" panose="02040503050406030204" pitchFamily="18" charset="0"/>
+                                </a:rPr>
+                                <m:t>𝑅</m:t>
+                              </m:r>
+                            </m:e>
+                            <m:sub>
+                              <m:r>
+                                <a:rPr lang="pt-BR" sz="2000" b="0" i="1" smtClean="0">
+                                  <a:latin typeface="Cambria Math" panose="02040503050406030204" pitchFamily="18" charset="0"/>
+                                </a:rPr>
+                                <m:t>1</m:t>
+                              </m:r>
+                            </m:sub>
+                          </m:sSub>
+                        </m:oMath>
+                      </m:oMathPara>
+                    </a14:m>
+                    <a:endParaRPr lang="pt-BR" sz="2000" dirty="0"/>
+                  </a:p>
+                </p:txBody>
+              </p:sp>
+            </mc:Choice>
+            <mc:Fallback xmlns="">
+              <p:sp>
+                <p:nvSpPr>
+                  <p:cNvPr id="56" name="Rectangle 55"/>
+                  <p:cNvSpPr>
+                    <a:spLocks noRot="1" noChangeAspect="1" noMove="1" noResize="1" noEditPoints="1" noAdjustHandles="1" noChangeArrowheads="1" noChangeShapeType="1" noTextEdit="1"/>
+                  </p:cNvSpPr>
+                  <p:nvPr/>
+                </p:nvSpPr>
+                <p:spPr>
+                  <a:xfrm>
+                    <a:off x="5969993" y="5138171"/>
+                    <a:ext cx="515205" cy="400110"/>
+                  </a:xfrm>
+                  <a:prstGeom prst="rect">
+                    <a:avLst/>
+                  </a:prstGeom>
+                  <a:blipFill rotWithShape="0">
+                    <a:blip r:embed="rId9"/>
+                    <a:stretch>
+                      <a:fillRect/>
+                    </a:stretch>
+                  </a:blipFill>
+                </p:spPr>
+                <p:txBody>
+                  <a:bodyPr/>
+                  <a:lstStyle/>
+                  <a:p>
+                    <a:r>
+                      <a:rPr lang="pt-BR">
+                        <a:noFill/>
+                      </a:rPr>
+                      <a:t> </a:t>
+                    </a:r>
+                  </a:p>
+                </p:txBody>
+              </p:sp>
+            </mc:Fallback>
+          </mc:AlternateContent>
+          <mc:AlternateContent xmlns:mc="http://schemas.openxmlformats.org/markup-compatibility/2006" xmlns:a14="http://schemas.microsoft.com/office/drawing/2010/main">
+            <mc:Choice Requires="a14">
+              <p:sp>
+                <p:nvSpPr>
+                  <p:cNvPr id="26" name="Rectangle 45">
+                    <a:extLst>
+                      <a:ext uri="{FF2B5EF4-FFF2-40B4-BE49-F238E27FC236}">
+                        <a16:creationId xmlns:a16="http://schemas.microsoft.com/office/drawing/2014/main" id="{F130004C-A2E8-640F-5D45-7A48B5B922C2}"/>
+                      </a:ext>
+                    </a:extLst>
+                  </p:cNvPr>
+                  <p:cNvSpPr/>
+                  <p:nvPr/>
+                </p:nvSpPr>
+                <p:spPr>
+                  <a:xfrm>
+                    <a:off x="6623704" y="5581283"/>
+                    <a:ext cx="521168" cy="400110"/>
+                  </a:xfrm>
+                  <a:prstGeom prst="rect">
+                    <a:avLst/>
+                  </a:prstGeom>
+                </p:spPr>
+                <p:txBody>
+                  <a:bodyPr wrap="none">
+                    <a:spAutoFit/>
+                  </a:bodyPr>
+                  <a:lstStyle/>
+                  <a:p>
+                    <a:pPr/>
+                    <a14:m>
+                      <m:oMathPara xmlns:m="http://schemas.openxmlformats.org/officeDocument/2006/math">
+                        <m:oMathParaPr>
+                          <m:jc m:val="centerGroup"/>
+                        </m:oMathParaPr>
+                        <m:oMath xmlns:m="http://schemas.openxmlformats.org/officeDocument/2006/math">
+                          <m:sSub>
+                            <m:sSubPr>
+                              <m:ctrlPr>
+                                <a:rPr lang="pt-BR" sz="2000" i="1" smtClean="0">
+                                  <a:latin typeface="Cambria Math" panose="02040503050406030204" pitchFamily="18" charset="0"/>
+                                </a:rPr>
+                              </m:ctrlPr>
+                            </m:sSubPr>
+                            <m:e>
+                              <m:r>
+                                <a:rPr lang="pt-BR" sz="2000" i="1">
+                                  <a:latin typeface="Cambria Math" panose="02040503050406030204" pitchFamily="18" charset="0"/>
+                                </a:rPr>
+                                <m:t>𝑅</m:t>
+                              </m:r>
+                            </m:e>
+                            <m:sub>
+                              <m:r>
+                                <a:rPr lang="pt-BR" sz="2000" b="0" i="1" smtClean="0">
+                                  <a:latin typeface="Cambria Math" panose="02040503050406030204" pitchFamily="18" charset="0"/>
+                                </a:rPr>
+                                <m:t>2</m:t>
+                              </m:r>
+                            </m:sub>
+                          </m:sSub>
+                        </m:oMath>
+                      </m:oMathPara>
+                    </a14:m>
+                    <a:endParaRPr lang="pt-BR" sz="2000" dirty="0"/>
+                  </a:p>
+                </p:txBody>
+              </p:sp>
+            </mc:Choice>
+            <mc:Fallback xmlns="">
+              <p:sp>
+                <p:nvSpPr>
+                  <p:cNvPr id="57" name="Rectangle 56"/>
+                  <p:cNvSpPr>
+                    <a:spLocks noRot="1" noChangeAspect="1" noMove="1" noResize="1" noEditPoints="1" noAdjustHandles="1" noChangeArrowheads="1" noChangeShapeType="1" noTextEdit="1"/>
+                  </p:cNvSpPr>
+                  <p:nvPr/>
+                </p:nvSpPr>
+                <p:spPr>
+                  <a:xfrm>
+                    <a:off x="6623704" y="5581283"/>
+                    <a:ext cx="521168" cy="400110"/>
+                  </a:xfrm>
+                  <a:prstGeom prst="rect">
+                    <a:avLst/>
+                  </a:prstGeom>
+                  <a:blipFill rotWithShape="0">
+                    <a:blip r:embed="rId10"/>
+                    <a:stretch>
+                      <a:fillRect/>
+                    </a:stretch>
+                  </a:blipFill>
+                </p:spPr>
+                <p:txBody>
+                  <a:bodyPr/>
+                  <a:lstStyle/>
+                  <a:p>
+                    <a:r>
+                      <a:rPr lang="pt-BR">
+                        <a:noFill/>
+                      </a:rPr>
+                      <a:t> </a:t>
+                    </a:r>
+                  </a:p>
+                </p:txBody>
+              </p:sp>
+            </mc:Fallback>
+          </mc:AlternateContent>
+          <mc:AlternateContent xmlns:mc="http://schemas.openxmlformats.org/markup-compatibility/2006" xmlns:a14="http://schemas.microsoft.com/office/drawing/2010/main">
+            <mc:Choice Requires="a14">
+              <p:sp>
+                <p:nvSpPr>
+                  <p:cNvPr id="27" name="TextBox 46">
+                    <a:extLst>
+                      <a:ext uri="{FF2B5EF4-FFF2-40B4-BE49-F238E27FC236}">
+                        <a16:creationId xmlns:a16="http://schemas.microsoft.com/office/drawing/2014/main" id="{DBFBC8E2-F31F-8067-7DED-F06AEFE726CB}"/>
+                      </a:ext>
+                    </a:extLst>
+                  </p:cNvPr>
+                  <p:cNvSpPr txBox="1"/>
+                  <p:nvPr/>
+                </p:nvSpPr>
+                <p:spPr>
+                  <a:xfrm>
+                    <a:off x="7285009" y="6244379"/>
+                    <a:ext cx="787400" cy="369332"/>
+                  </a:xfrm>
+                  <a:prstGeom prst="rect">
+                    <a:avLst/>
+                  </a:prstGeom>
+                  <a:noFill/>
+                </p:spPr>
+                <p:txBody>
+                  <a:bodyPr wrap="square" rtlCol="0">
+                    <a:spAutoFit/>
+                  </a:bodyPr>
+                  <a:lstStyle/>
+                  <a:p>
+                    <a:pPr/>
+                    <a14:m>
+                      <m:oMathPara xmlns:m="http://schemas.openxmlformats.org/officeDocument/2006/math">
+                        <m:oMathParaPr>
+                          <m:jc m:val="centerGroup"/>
+                        </m:oMathParaPr>
+                        <m:oMath xmlns:m="http://schemas.openxmlformats.org/officeDocument/2006/math">
+                          <m:sSub>
+                            <m:sSubPr>
+                              <m:ctrlPr>
+                                <a:rPr lang="pt-BR" i="1" smtClean="0">
+                                  <a:latin typeface="Cambria Math" panose="02040503050406030204" pitchFamily="18" charset="0"/>
+                                </a:rPr>
+                              </m:ctrlPr>
+                            </m:sSubPr>
+                            <m:e>
+                              <m:r>
+                                <a:rPr lang="pt-BR" b="0" i="1" smtClean="0">
+                                  <a:latin typeface="Cambria Math" panose="02040503050406030204" pitchFamily="18" charset="0"/>
+                                </a:rPr>
+                                <m:t>𝑥</m:t>
+                              </m:r>
+                            </m:e>
+                            <m:sub>
+                              <m:r>
+                                <a:rPr lang="pt-BR" b="0" i="1" smtClean="0">
+                                  <a:latin typeface="Cambria Math" panose="02040503050406030204" pitchFamily="18" charset="0"/>
+                                </a:rPr>
+                                <m:t>1</m:t>
+                              </m:r>
+                            </m:sub>
+                          </m:sSub>
+                        </m:oMath>
+                      </m:oMathPara>
+                    </a14:m>
+                    <a:endParaRPr lang="pt-BR" dirty="0"/>
+                  </a:p>
+                </p:txBody>
+              </p:sp>
+            </mc:Choice>
+            <mc:Fallback xmlns="">
+              <p:sp>
+                <p:nvSpPr>
+                  <p:cNvPr id="58" name="TextBox 57"/>
+                  <p:cNvSpPr txBox="1">
+                    <a:spLocks noRot="1" noChangeAspect="1" noMove="1" noResize="1" noEditPoints="1" noAdjustHandles="1" noChangeArrowheads="1" noChangeShapeType="1" noTextEdit="1"/>
+                  </p:cNvSpPr>
+                  <p:nvPr/>
+                </p:nvSpPr>
+                <p:spPr>
+                  <a:xfrm>
+                    <a:off x="7285009" y="6244379"/>
+                    <a:ext cx="787400" cy="369332"/>
+                  </a:xfrm>
+                  <a:prstGeom prst="rect">
+                    <a:avLst/>
+                  </a:prstGeom>
+                  <a:blipFill rotWithShape="0">
+                    <a:blip r:embed="rId11"/>
+                    <a:stretch>
+                      <a:fillRect/>
+                    </a:stretch>
+                  </a:blipFill>
+                </p:spPr>
+                <p:txBody>
+                  <a:bodyPr/>
+                  <a:lstStyle/>
+                  <a:p>
+                    <a:r>
+                      <a:rPr lang="pt-BR">
+                        <a:noFill/>
+                      </a:rPr>
+                      <a:t> </a:t>
+                    </a:r>
+                  </a:p>
+                </p:txBody>
+              </p:sp>
+            </mc:Fallback>
+          </mc:AlternateContent>
+          <p:sp>
+            <p:nvSpPr>
+              <p:cNvPr id="28" name="Oval 47">
+                <a:extLst>
+                  <a:ext uri="{FF2B5EF4-FFF2-40B4-BE49-F238E27FC236}">
+                    <a16:creationId xmlns:a16="http://schemas.microsoft.com/office/drawing/2014/main" id="{AB9B70FC-C5CD-63FA-1E67-4BB8B828256D}"/>
+                  </a:ext>
+                </a:extLst>
+              </p:cNvPr>
+              <p:cNvSpPr/>
+              <p:nvPr/>
+            </p:nvSpPr>
+            <p:spPr>
+              <a:xfrm>
+                <a:off x="5216257" y="4836350"/>
+                <a:ext cx="1329949" cy="1173774"/>
+              </a:xfrm>
+              <a:prstGeom prst="ellipse">
+                <a:avLst/>
+              </a:prstGeom>
+              <a:noFill/>
+              <a:ln>
+                <a:solidFill>
+                  <a:schemeClr val="tx1"/>
+                </a:solidFill>
+              </a:ln>
+            </p:spPr>
+            <p:style>
+              <a:lnRef idx="2">
+                <a:schemeClr val="accent1">
+                  <a:shade val="50000"/>
+                </a:schemeClr>
+              </a:lnRef>
+              <a:fillRef idx="1">
+                <a:schemeClr val="accent1"/>
+              </a:fillRef>
+              <a:effectRef idx="0">
+                <a:schemeClr val="accent1"/>
+              </a:effectRef>
+              <a:fontRef idx="minor">
+                <a:schemeClr val="lt1"/>
+              </a:fontRef>
+            </p:style>
+            <p:txBody>
+              <a:bodyPr rtlCol="0" anchor="ctr"/>
+              <a:lstStyle/>
+              <a:p>
+                <a:pPr algn="ctr"/>
+                <a:endParaRPr lang="pt-BR"/>
+              </a:p>
+            </p:txBody>
+          </p:sp>
+        </p:grpSp>
+        <p:sp>
+          <p:nvSpPr>
+            <p:cNvPr id="7" name="Rectangle 80">
+              <a:extLst>
+                <a:ext uri="{FF2B5EF4-FFF2-40B4-BE49-F238E27FC236}">
+                  <a16:creationId xmlns:a16="http://schemas.microsoft.com/office/drawing/2014/main" id="{A4BCE7A0-4816-5BE1-2049-66B7063723A6}"/>
+                </a:ext>
+              </a:extLst>
+            </p:cNvPr>
+            <p:cNvSpPr/>
+            <p:nvPr/>
+          </p:nvSpPr>
+          <p:spPr>
+            <a:xfrm>
+              <a:off x="6194081" y="1877251"/>
+              <a:ext cx="1869678" cy="307777"/>
+            </a:xfrm>
+            <a:prstGeom prst="rect">
+              <a:avLst/>
+            </a:prstGeom>
+          </p:spPr>
+          <p:txBody>
+            <a:bodyPr wrap="none">
+              <a:spAutoFit/>
+            </a:bodyPr>
+            <a:lstStyle/>
+            <a:p>
+              <a:pPr algn="ctr"/>
+              <a:r>
+                <a:rPr lang="pt-BR" sz="1400" dirty="0"/>
+                <a:t>classificação não-linear</a:t>
+              </a:r>
+            </a:p>
+          </p:txBody>
+        </p:sp>
+      </p:grpSp>
+      <p:grpSp>
+        <p:nvGrpSpPr>
+          <p:cNvPr id="29" name="Group 86">
             <a:extLst>
-              <a:ext uri="{28A0092B-C50C-407E-A947-70E740481C1C}">
-                <a14:useLocalDpi xmlns:a14="http://schemas.microsoft.com/office/drawing/2010/main" val="0"/>
+              <a:ext uri="{FF2B5EF4-FFF2-40B4-BE49-F238E27FC236}">
+                <a16:creationId xmlns:a16="http://schemas.microsoft.com/office/drawing/2014/main" id="{2B2E6C8E-494D-FA35-670F-0FF2F4ACC98D}"/>
               </a:ext>
             </a:extLst>
-          </a:blip>
-          <a:stretch>
-            <a:fillRect/>
-          </a:stretch>
-        </p:blipFill>
-        <p:spPr>
+          </p:cNvPr>
+          <p:cNvGrpSpPr/>
+          <p:nvPr/>
+        </p:nvGrpSpPr>
+        <p:grpSpPr>
           <a:xfrm>
-            <a:off x="266700" y="2543175"/>
-            <a:ext cx="5286375" cy="2609850"/>
+            <a:off x="1041061" y="4254758"/>
+            <a:ext cx="3922754" cy="2613547"/>
+            <a:chOff x="7939181" y="1705666"/>
+            <a:chExt cx="3844455" cy="2570483"/>
           </a:xfrm>
-          <a:prstGeom prst="rect">
-            <a:avLst/>
-          </a:prstGeom>
-        </p:spPr>
-      </p:pic>
+        </p:grpSpPr>
+        <p:grpSp>
+          <p:nvGrpSpPr>
+            <p:cNvPr id="30" name="Group 48">
+              <a:extLst>
+                <a:ext uri="{FF2B5EF4-FFF2-40B4-BE49-F238E27FC236}">
+                  <a16:creationId xmlns:a16="http://schemas.microsoft.com/office/drawing/2014/main" id="{115A8086-9E80-3AE0-4548-9B9EFAD893D0}"/>
+                </a:ext>
+              </a:extLst>
+            </p:cNvPr>
+            <p:cNvGrpSpPr/>
+            <p:nvPr/>
+          </p:nvGrpSpPr>
+          <p:grpSpPr>
+            <a:xfrm>
+              <a:off x="7939181" y="1705666"/>
+              <a:ext cx="3153000" cy="2398001"/>
+              <a:chOff x="8324943" y="4011478"/>
+              <a:chExt cx="3153000" cy="2398001"/>
+            </a:xfrm>
+          </p:grpSpPr>
+          <p:cxnSp>
+            <p:nvCxnSpPr>
+              <p:cNvPr id="33" name="Straight Arrow Connector 49">
+                <a:extLst>
+                  <a:ext uri="{FF2B5EF4-FFF2-40B4-BE49-F238E27FC236}">
+                    <a16:creationId xmlns:a16="http://schemas.microsoft.com/office/drawing/2014/main" id="{8B584338-3549-2D7E-A6F2-07A4D5784BCD}"/>
+                  </a:ext>
+                </a:extLst>
+              </p:cNvPr>
+              <p:cNvCxnSpPr/>
+              <p:nvPr/>
+            </p:nvCxnSpPr>
+            <p:spPr>
+              <a:xfrm flipV="1">
+                <a:off x="8718643" y="4400375"/>
+                <a:ext cx="0" cy="2009104"/>
+              </a:xfrm>
+              <a:prstGeom prst="straightConnector1">
+                <a:avLst/>
+              </a:prstGeom>
+              <a:ln w="28575">
+                <a:solidFill>
+                  <a:schemeClr val="tx1"/>
+                </a:solidFill>
+                <a:tailEnd type="triangle"/>
+              </a:ln>
+            </p:spPr>
+            <p:style>
+              <a:lnRef idx="1">
+                <a:schemeClr val="accent1"/>
+              </a:lnRef>
+              <a:fillRef idx="0">
+                <a:schemeClr val="accent1"/>
+              </a:fillRef>
+              <a:effectRef idx="0">
+                <a:schemeClr val="accent1"/>
+              </a:effectRef>
+              <a:fontRef idx="minor">
+                <a:schemeClr val="tx1"/>
+              </a:fontRef>
+            </p:style>
+          </p:cxnSp>
+          <p:cxnSp>
+            <p:nvCxnSpPr>
+              <p:cNvPr id="34" name="Straight Arrow Connector 50">
+                <a:extLst>
+                  <a:ext uri="{FF2B5EF4-FFF2-40B4-BE49-F238E27FC236}">
+                    <a16:creationId xmlns:a16="http://schemas.microsoft.com/office/drawing/2014/main" id="{0CDEDB72-3589-C20D-90D9-DE9CAAC7BDF5}"/>
+                  </a:ext>
+                </a:extLst>
+              </p:cNvPr>
+              <p:cNvCxnSpPr/>
+              <p:nvPr/>
+            </p:nvCxnSpPr>
+            <p:spPr>
+              <a:xfrm>
+                <a:off x="8705943" y="6409479"/>
+                <a:ext cx="2772000" cy="0"/>
+              </a:xfrm>
+              <a:prstGeom prst="straightConnector1">
+                <a:avLst/>
+              </a:prstGeom>
+              <a:ln w="28575">
+                <a:solidFill>
+                  <a:schemeClr val="tx1"/>
+                </a:solidFill>
+                <a:tailEnd type="triangle"/>
+              </a:ln>
+            </p:spPr>
+            <p:style>
+              <a:lnRef idx="1">
+                <a:schemeClr val="accent1"/>
+              </a:lnRef>
+              <a:fillRef idx="0">
+                <a:schemeClr val="accent1"/>
+              </a:fillRef>
+              <a:effectRef idx="0">
+                <a:schemeClr val="accent1"/>
+              </a:effectRef>
+              <a:fontRef idx="minor">
+                <a:schemeClr val="tx1"/>
+              </a:fontRef>
+            </p:style>
+          </p:cxnSp>
+          <p:sp>
+            <p:nvSpPr>
+              <p:cNvPr id="35" name="Oval 51">
+                <a:extLst>
+                  <a:ext uri="{FF2B5EF4-FFF2-40B4-BE49-F238E27FC236}">
+                    <a16:creationId xmlns:a16="http://schemas.microsoft.com/office/drawing/2014/main" id="{4631FB79-AB25-380B-EE6F-B32E8F86FD75}"/>
+                  </a:ext>
+                </a:extLst>
+              </p:cNvPr>
+              <p:cNvSpPr/>
+              <p:nvPr/>
+            </p:nvSpPr>
+            <p:spPr>
+              <a:xfrm>
+                <a:off x="9336470" y="5941725"/>
+                <a:ext cx="146765" cy="154547"/>
+              </a:xfrm>
+              <a:prstGeom prst="ellipse">
+                <a:avLst/>
+              </a:prstGeom>
+              <a:solidFill>
+                <a:schemeClr val="accent5"/>
+              </a:solidFill>
+              <a:ln>
+                <a:solidFill>
+                  <a:schemeClr val="accent5"/>
+                </a:solidFill>
+              </a:ln>
+            </p:spPr>
+            <p:style>
+              <a:lnRef idx="2">
+                <a:schemeClr val="accent1">
+                  <a:shade val="50000"/>
+                </a:schemeClr>
+              </a:lnRef>
+              <a:fillRef idx="1">
+                <a:schemeClr val="accent1"/>
+              </a:fillRef>
+              <a:effectRef idx="0">
+                <a:schemeClr val="accent1"/>
+              </a:effectRef>
+              <a:fontRef idx="minor">
+                <a:schemeClr val="lt1"/>
+              </a:fontRef>
+            </p:style>
+            <p:txBody>
+              <a:bodyPr rtlCol="0" anchor="ctr"/>
+              <a:lstStyle/>
+              <a:p>
+                <a:pPr algn="ctr"/>
+                <a:endParaRPr lang="pt-BR"/>
+              </a:p>
+            </p:txBody>
+          </p:sp>
+          <p:sp>
+            <p:nvSpPr>
+              <p:cNvPr id="36" name="Isosceles Triangle 52">
+                <a:extLst>
+                  <a:ext uri="{FF2B5EF4-FFF2-40B4-BE49-F238E27FC236}">
+                    <a16:creationId xmlns:a16="http://schemas.microsoft.com/office/drawing/2014/main" id="{D1138FB7-3228-B747-64A8-A2BFC2A2B115}"/>
+                  </a:ext>
+                </a:extLst>
+              </p:cNvPr>
+              <p:cNvSpPr/>
+              <p:nvPr/>
+            </p:nvSpPr>
+            <p:spPr>
+              <a:xfrm>
+                <a:off x="9713130" y="4494239"/>
+                <a:ext cx="133350" cy="165100"/>
+              </a:xfrm>
+              <a:prstGeom prst="triangle">
+                <a:avLst/>
+              </a:prstGeom>
+              <a:solidFill>
+                <a:srgbClr val="FF0000"/>
+              </a:solidFill>
+              <a:ln>
+                <a:solidFill>
+                  <a:srgbClr val="FF0000"/>
+                </a:solidFill>
+              </a:ln>
+            </p:spPr>
+            <p:style>
+              <a:lnRef idx="2">
+                <a:schemeClr val="accent1">
+                  <a:shade val="50000"/>
+                </a:schemeClr>
+              </a:lnRef>
+              <a:fillRef idx="1">
+                <a:schemeClr val="accent1"/>
+              </a:fillRef>
+              <a:effectRef idx="0">
+                <a:schemeClr val="accent1"/>
+              </a:effectRef>
+              <a:fontRef idx="minor">
+                <a:schemeClr val="lt1"/>
+              </a:fontRef>
+            </p:style>
+            <p:txBody>
+              <a:bodyPr rtlCol="0" anchor="ctr"/>
+              <a:lstStyle/>
+              <a:p>
+                <a:pPr algn="ctr"/>
+                <a:endParaRPr lang="pt-BR"/>
+              </a:p>
+            </p:txBody>
+          </p:sp>
+          <p:sp>
+            <p:nvSpPr>
+              <p:cNvPr id="37" name="Oval 53">
+                <a:extLst>
+                  <a:ext uri="{FF2B5EF4-FFF2-40B4-BE49-F238E27FC236}">
+                    <a16:creationId xmlns:a16="http://schemas.microsoft.com/office/drawing/2014/main" id="{4B32E762-C695-1A7A-DBDC-CA684FFA3C28}"/>
+                  </a:ext>
+                </a:extLst>
+              </p:cNvPr>
+              <p:cNvSpPr/>
+              <p:nvPr/>
+            </p:nvSpPr>
+            <p:spPr>
+              <a:xfrm>
+                <a:off x="9263087" y="5667601"/>
+                <a:ext cx="146765" cy="154547"/>
+              </a:xfrm>
+              <a:prstGeom prst="ellipse">
+                <a:avLst/>
+              </a:prstGeom>
+              <a:solidFill>
+                <a:schemeClr val="accent5"/>
+              </a:solidFill>
+              <a:ln>
+                <a:solidFill>
+                  <a:schemeClr val="accent5"/>
+                </a:solidFill>
+              </a:ln>
+            </p:spPr>
+            <p:style>
+              <a:lnRef idx="2">
+                <a:schemeClr val="accent1">
+                  <a:shade val="50000"/>
+                </a:schemeClr>
+              </a:lnRef>
+              <a:fillRef idx="1">
+                <a:schemeClr val="accent1"/>
+              </a:fillRef>
+              <a:effectRef idx="0">
+                <a:schemeClr val="accent1"/>
+              </a:effectRef>
+              <a:fontRef idx="minor">
+                <a:schemeClr val="lt1"/>
+              </a:fontRef>
+            </p:style>
+            <p:txBody>
+              <a:bodyPr rtlCol="0" anchor="ctr"/>
+              <a:lstStyle/>
+              <a:p>
+                <a:pPr algn="ctr"/>
+                <a:endParaRPr lang="pt-BR"/>
+              </a:p>
+            </p:txBody>
+          </p:sp>
+          <p:sp>
+            <p:nvSpPr>
+              <p:cNvPr id="38" name="Oval 54">
+                <a:extLst>
+                  <a:ext uri="{FF2B5EF4-FFF2-40B4-BE49-F238E27FC236}">
+                    <a16:creationId xmlns:a16="http://schemas.microsoft.com/office/drawing/2014/main" id="{237FCB9E-EDAF-5965-EC29-8BC31AB9955D}"/>
+                  </a:ext>
+                </a:extLst>
+              </p:cNvPr>
+              <p:cNvSpPr/>
+              <p:nvPr/>
+            </p:nvSpPr>
+            <p:spPr>
+              <a:xfrm>
+                <a:off x="9565292" y="5744874"/>
+                <a:ext cx="146765" cy="154547"/>
+              </a:xfrm>
+              <a:prstGeom prst="ellipse">
+                <a:avLst/>
+              </a:prstGeom>
+              <a:solidFill>
+                <a:schemeClr val="accent5"/>
+              </a:solidFill>
+              <a:ln>
+                <a:solidFill>
+                  <a:schemeClr val="accent5"/>
+                </a:solidFill>
+              </a:ln>
+            </p:spPr>
+            <p:style>
+              <a:lnRef idx="2">
+                <a:schemeClr val="accent1">
+                  <a:shade val="50000"/>
+                </a:schemeClr>
+              </a:lnRef>
+              <a:fillRef idx="1">
+                <a:schemeClr val="accent1"/>
+              </a:fillRef>
+              <a:effectRef idx="0">
+                <a:schemeClr val="accent1"/>
+              </a:effectRef>
+              <a:fontRef idx="minor">
+                <a:schemeClr val="lt1"/>
+              </a:fontRef>
+            </p:style>
+            <p:txBody>
+              <a:bodyPr rtlCol="0" anchor="ctr"/>
+              <a:lstStyle/>
+              <a:p>
+                <a:pPr algn="ctr"/>
+                <a:endParaRPr lang="pt-BR"/>
+              </a:p>
+            </p:txBody>
+          </p:sp>
+          <p:sp>
+            <p:nvSpPr>
+              <p:cNvPr id="39" name="Oval 55">
+                <a:extLst>
+                  <a:ext uri="{FF2B5EF4-FFF2-40B4-BE49-F238E27FC236}">
+                    <a16:creationId xmlns:a16="http://schemas.microsoft.com/office/drawing/2014/main" id="{B4B7D45F-6C94-C102-5C90-9F422E8759A3}"/>
+                  </a:ext>
+                </a:extLst>
+              </p:cNvPr>
+              <p:cNvSpPr/>
+              <p:nvPr/>
+            </p:nvSpPr>
+            <p:spPr>
+              <a:xfrm>
+                <a:off x="9785440" y="5933140"/>
+                <a:ext cx="146765" cy="154547"/>
+              </a:xfrm>
+              <a:prstGeom prst="ellipse">
+                <a:avLst/>
+              </a:prstGeom>
+              <a:solidFill>
+                <a:schemeClr val="accent5"/>
+              </a:solidFill>
+              <a:ln>
+                <a:solidFill>
+                  <a:schemeClr val="accent5"/>
+                </a:solidFill>
+              </a:ln>
+            </p:spPr>
+            <p:style>
+              <a:lnRef idx="2">
+                <a:schemeClr val="accent1">
+                  <a:shade val="50000"/>
+                </a:schemeClr>
+              </a:lnRef>
+              <a:fillRef idx="1">
+                <a:schemeClr val="accent1"/>
+              </a:fillRef>
+              <a:effectRef idx="0">
+                <a:schemeClr val="accent1"/>
+              </a:effectRef>
+              <a:fontRef idx="minor">
+                <a:schemeClr val="lt1"/>
+              </a:fontRef>
+            </p:style>
+            <p:txBody>
+              <a:bodyPr rtlCol="0" anchor="ctr"/>
+              <a:lstStyle/>
+              <a:p>
+                <a:pPr algn="ctr"/>
+                <a:endParaRPr lang="pt-BR"/>
+              </a:p>
+            </p:txBody>
+          </p:sp>
+          <p:sp>
+            <p:nvSpPr>
+              <p:cNvPr id="40" name="Oval 56">
+                <a:extLst>
+                  <a:ext uri="{FF2B5EF4-FFF2-40B4-BE49-F238E27FC236}">
+                    <a16:creationId xmlns:a16="http://schemas.microsoft.com/office/drawing/2014/main" id="{7991A3C6-816E-765A-69E0-8E87A4FA755E}"/>
+                  </a:ext>
+                </a:extLst>
+              </p:cNvPr>
+              <p:cNvSpPr/>
+              <p:nvPr/>
+            </p:nvSpPr>
+            <p:spPr>
+              <a:xfrm>
+                <a:off x="9586577" y="6058082"/>
+                <a:ext cx="146765" cy="154547"/>
+              </a:xfrm>
+              <a:prstGeom prst="ellipse">
+                <a:avLst/>
+              </a:prstGeom>
+              <a:solidFill>
+                <a:schemeClr val="accent5"/>
+              </a:solidFill>
+              <a:ln>
+                <a:solidFill>
+                  <a:schemeClr val="accent5"/>
+                </a:solidFill>
+              </a:ln>
+            </p:spPr>
+            <p:style>
+              <a:lnRef idx="2">
+                <a:schemeClr val="accent1">
+                  <a:shade val="50000"/>
+                </a:schemeClr>
+              </a:lnRef>
+              <a:fillRef idx="1">
+                <a:schemeClr val="accent1"/>
+              </a:fillRef>
+              <a:effectRef idx="0">
+                <a:schemeClr val="accent1"/>
+              </a:effectRef>
+              <a:fontRef idx="minor">
+                <a:schemeClr val="lt1"/>
+              </a:fontRef>
+            </p:style>
+            <p:txBody>
+              <a:bodyPr rtlCol="0" anchor="ctr"/>
+              <a:lstStyle/>
+              <a:p>
+                <a:pPr algn="ctr"/>
+                <a:endParaRPr lang="pt-BR"/>
+              </a:p>
+            </p:txBody>
+          </p:sp>
+          <p:sp>
+            <p:nvSpPr>
+              <p:cNvPr id="41" name="Oval 57">
+                <a:extLst>
+                  <a:ext uri="{FF2B5EF4-FFF2-40B4-BE49-F238E27FC236}">
+                    <a16:creationId xmlns:a16="http://schemas.microsoft.com/office/drawing/2014/main" id="{F018EB97-C142-BB9E-FB13-E7151CDEC4DD}"/>
+                  </a:ext>
+                </a:extLst>
+              </p:cNvPr>
+              <p:cNvSpPr/>
+              <p:nvPr/>
+            </p:nvSpPr>
+            <p:spPr>
+              <a:xfrm>
+                <a:off x="9421920" y="5414495"/>
+                <a:ext cx="152400" cy="154547"/>
+              </a:xfrm>
+              <a:prstGeom prst="ellipse">
+                <a:avLst/>
+              </a:prstGeom>
+              <a:solidFill>
+                <a:schemeClr val="accent5"/>
+              </a:solidFill>
+              <a:ln>
+                <a:solidFill>
+                  <a:schemeClr val="accent5"/>
+                </a:solidFill>
+              </a:ln>
+            </p:spPr>
+            <p:style>
+              <a:lnRef idx="2">
+                <a:schemeClr val="accent1">
+                  <a:shade val="50000"/>
+                </a:schemeClr>
+              </a:lnRef>
+              <a:fillRef idx="1">
+                <a:schemeClr val="accent1"/>
+              </a:fillRef>
+              <a:effectRef idx="0">
+                <a:schemeClr val="accent1"/>
+              </a:effectRef>
+              <a:fontRef idx="minor">
+                <a:schemeClr val="lt1"/>
+              </a:fontRef>
+            </p:style>
+            <p:txBody>
+              <a:bodyPr rtlCol="0" anchor="ctr"/>
+              <a:lstStyle/>
+              <a:p>
+                <a:pPr algn="ctr"/>
+                <a:endParaRPr lang="pt-BR"/>
+              </a:p>
+            </p:txBody>
+          </p:sp>
+          <p:sp>
+            <p:nvSpPr>
+              <p:cNvPr id="42" name="Oval 58">
+                <a:extLst>
+                  <a:ext uri="{FF2B5EF4-FFF2-40B4-BE49-F238E27FC236}">
+                    <a16:creationId xmlns:a16="http://schemas.microsoft.com/office/drawing/2014/main" id="{CBD8D1D2-96CE-8EA7-851C-B49237F09E2E}"/>
+                  </a:ext>
+                </a:extLst>
+              </p:cNvPr>
+              <p:cNvSpPr/>
+              <p:nvPr/>
+            </p:nvSpPr>
+            <p:spPr>
+              <a:xfrm>
+                <a:off x="9727435" y="5483183"/>
+                <a:ext cx="146765" cy="154547"/>
+              </a:xfrm>
+              <a:prstGeom prst="ellipse">
+                <a:avLst/>
+              </a:prstGeom>
+              <a:solidFill>
+                <a:schemeClr val="accent5"/>
+              </a:solidFill>
+              <a:ln>
+                <a:solidFill>
+                  <a:schemeClr val="accent5"/>
+                </a:solidFill>
+              </a:ln>
+            </p:spPr>
+            <p:style>
+              <a:lnRef idx="2">
+                <a:schemeClr val="accent1">
+                  <a:shade val="50000"/>
+                </a:schemeClr>
+              </a:lnRef>
+              <a:fillRef idx="1">
+                <a:schemeClr val="accent1"/>
+              </a:fillRef>
+              <a:effectRef idx="0">
+                <a:schemeClr val="accent1"/>
+              </a:effectRef>
+              <a:fontRef idx="minor">
+                <a:schemeClr val="lt1"/>
+              </a:fontRef>
+            </p:style>
+            <p:txBody>
+              <a:bodyPr rtlCol="0" anchor="ctr"/>
+              <a:lstStyle/>
+              <a:p>
+                <a:pPr algn="ctr"/>
+                <a:endParaRPr lang="pt-BR"/>
+              </a:p>
+            </p:txBody>
+          </p:sp>
+          <p:sp>
+            <p:nvSpPr>
+              <p:cNvPr id="43" name="Isosceles Triangle 59">
+                <a:extLst>
+                  <a:ext uri="{FF2B5EF4-FFF2-40B4-BE49-F238E27FC236}">
+                    <a16:creationId xmlns:a16="http://schemas.microsoft.com/office/drawing/2014/main" id="{31C8A814-58BE-2033-ACE8-4F5713DBE57C}"/>
+                  </a:ext>
+                </a:extLst>
+              </p:cNvPr>
+              <p:cNvSpPr/>
+              <p:nvPr/>
+            </p:nvSpPr>
+            <p:spPr>
+              <a:xfrm>
+                <a:off x="9865530" y="4646639"/>
+                <a:ext cx="133350" cy="165100"/>
+              </a:xfrm>
+              <a:prstGeom prst="triangle">
+                <a:avLst/>
+              </a:prstGeom>
+              <a:solidFill>
+                <a:srgbClr val="FF0000"/>
+              </a:solidFill>
+              <a:ln>
+                <a:solidFill>
+                  <a:srgbClr val="FF0000"/>
+                </a:solidFill>
+              </a:ln>
+            </p:spPr>
+            <p:style>
+              <a:lnRef idx="2">
+                <a:schemeClr val="accent1">
+                  <a:shade val="50000"/>
+                </a:schemeClr>
+              </a:lnRef>
+              <a:fillRef idx="1">
+                <a:schemeClr val="accent1"/>
+              </a:fillRef>
+              <a:effectRef idx="0">
+                <a:schemeClr val="accent1"/>
+              </a:effectRef>
+              <a:fontRef idx="minor">
+                <a:schemeClr val="lt1"/>
+              </a:fontRef>
+            </p:style>
+            <p:txBody>
+              <a:bodyPr rtlCol="0" anchor="ctr"/>
+              <a:lstStyle/>
+              <a:p>
+                <a:pPr algn="ctr"/>
+                <a:endParaRPr lang="pt-BR"/>
+              </a:p>
+            </p:txBody>
+          </p:sp>
+          <p:sp>
+            <p:nvSpPr>
+              <p:cNvPr id="44" name="Isosceles Triangle 60">
+                <a:extLst>
+                  <a:ext uri="{FF2B5EF4-FFF2-40B4-BE49-F238E27FC236}">
+                    <a16:creationId xmlns:a16="http://schemas.microsoft.com/office/drawing/2014/main" id="{494C18DE-20A3-6791-CE36-039C8D07557C}"/>
+                  </a:ext>
+                </a:extLst>
+              </p:cNvPr>
+              <p:cNvSpPr/>
+              <p:nvPr/>
+            </p:nvSpPr>
+            <p:spPr>
+              <a:xfrm>
+                <a:off x="9579780" y="4729189"/>
+                <a:ext cx="133350" cy="165100"/>
+              </a:xfrm>
+              <a:prstGeom prst="triangle">
+                <a:avLst/>
+              </a:prstGeom>
+              <a:solidFill>
+                <a:srgbClr val="FF0000"/>
+              </a:solidFill>
+              <a:ln>
+                <a:solidFill>
+                  <a:srgbClr val="FF0000"/>
+                </a:solidFill>
+              </a:ln>
+            </p:spPr>
+            <p:style>
+              <a:lnRef idx="2">
+                <a:schemeClr val="accent1">
+                  <a:shade val="50000"/>
+                </a:schemeClr>
+              </a:lnRef>
+              <a:fillRef idx="1">
+                <a:schemeClr val="accent1"/>
+              </a:fillRef>
+              <a:effectRef idx="0">
+                <a:schemeClr val="accent1"/>
+              </a:effectRef>
+              <a:fontRef idx="minor">
+                <a:schemeClr val="lt1"/>
+              </a:fontRef>
+            </p:style>
+            <p:txBody>
+              <a:bodyPr rtlCol="0" anchor="ctr"/>
+              <a:lstStyle/>
+              <a:p>
+                <a:pPr algn="ctr"/>
+                <a:endParaRPr lang="pt-BR"/>
+              </a:p>
+            </p:txBody>
+          </p:sp>
+          <p:sp>
+            <p:nvSpPr>
+              <p:cNvPr id="45" name="Isosceles Triangle 61">
+                <a:extLst>
+                  <a:ext uri="{FF2B5EF4-FFF2-40B4-BE49-F238E27FC236}">
+                    <a16:creationId xmlns:a16="http://schemas.microsoft.com/office/drawing/2014/main" id="{4F619BD9-2776-7003-26F1-3884556DD806}"/>
+                  </a:ext>
+                </a:extLst>
+              </p:cNvPr>
+              <p:cNvSpPr/>
+              <p:nvPr/>
+            </p:nvSpPr>
+            <p:spPr>
+              <a:xfrm>
+                <a:off x="9798855" y="4968342"/>
+                <a:ext cx="133350" cy="165100"/>
+              </a:xfrm>
+              <a:prstGeom prst="triangle">
+                <a:avLst/>
+              </a:prstGeom>
+              <a:solidFill>
+                <a:srgbClr val="FF0000"/>
+              </a:solidFill>
+              <a:ln>
+                <a:solidFill>
+                  <a:srgbClr val="FF0000"/>
+                </a:solidFill>
+              </a:ln>
+            </p:spPr>
+            <p:style>
+              <a:lnRef idx="2">
+                <a:schemeClr val="accent1">
+                  <a:shade val="50000"/>
+                </a:schemeClr>
+              </a:lnRef>
+              <a:fillRef idx="1">
+                <a:schemeClr val="accent1"/>
+              </a:fillRef>
+              <a:effectRef idx="0">
+                <a:schemeClr val="accent1"/>
+              </a:effectRef>
+              <a:fontRef idx="minor">
+                <a:schemeClr val="lt1"/>
+              </a:fontRef>
+            </p:style>
+            <p:txBody>
+              <a:bodyPr rtlCol="0" anchor="ctr"/>
+              <a:lstStyle/>
+              <a:p>
+                <a:pPr algn="ctr"/>
+                <a:endParaRPr lang="pt-BR"/>
+              </a:p>
+            </p:txBody>
+          </p:sp>
+          <p:sp>
+            <p:nvSpPr>
+              <p:cNvPr id="46" name="Isosceles Triangle 62">
+                <a:extLst>
+                  <a:ext uri="{FF2B5EF4-FFF2-40B4-BE49-F238E27FC236}">
+                    <a16:creationId xmlns:a16="http://schemas.microsoft.com/office/drawing/2014/main" id="{0E8136D7-DCB5-85D2-ADDD-9A284852D4BE}"/>
+                  </a:ext>
+                </a:extLst>
+              </p:cNvPr>
+              <p:cNvSpPr/>
+              <p:nvPr/>
+            </p:nvSpPr>
+            <p:spPr>
+              <a:xfrm>
+                <a:off x="9151286" y="4543966"/>
+                <a:ext cx="133350" cy="165100"/>
+              </a:xfrm>
+              <a:prstGeom prst="triangle">
+                <a:avLst/>
+              </a:prstGeom>
+              <a:solidFill>
+                <a:srgbClr val="FF0000"/>
+              </a:solidFill>
+              <a:ln>
+                <a:solidFill>
+                  <a:srgbClr val="FF0000"/>
+                </a:solidFill>
+              </a:ln>
+            </p:spPr>
+            <p:style>
+              <a:lnRef idx="2">
+                <a:schemeClr val="accent1">
+                  <a:shade val="50000"/>
+                </a:schemeClr>
+              </a:lnRef>
+              <a:fillRef idx="1">
+                <a:schemeClr val="accent1"/>
+              </a:fillRef>
+              <a:effectRef idx="0">
+                <a:schemeClr val="accent1"/>
+              </a:effectRef>
+              <a:fontRef idx="minor">
+                <a:schemeClr val="lt1"/>
+              </a:fontRef>
+            </p:style>
+            <p:txBody>
+              <a:bodyPr rtlCol="0" anchor="ctr"/>
+              <a:lstStyle/>
+              <a:p>
+                <a:pPr algn="ctr"/>
+                <a:endParaRPr lang="pt-BR"/>
+              </a:p>
+            </p:txBody>
+          </p:sp>
+          <p:sp>
+            <p:nvSpPr>
+              <p:cNvPr id="47" name="Isosceles Triangle 63">
+                <a:extLst>
+                  <a:ext uri="{FF2B5EF4-FFF2-40B4-BE49-F238E27FC236}">
+                    <a16:creationId xmlns:a16="http://schemas.microsoft.com/office/drawing/2014/main" id="{9058CA89-1645-2545-DD94-9AA8C8E79468}"/>
+                  </a:ext>
+                </a:extLst>
+              </p:cNvPr>
+              <p:cNvSpPr/>
+              <p:nvPr/>
+            </p:nvSpPr>
+            <p:spPr>
+              <a:xfrm>
+                <a:off x="9404217" y="4329139"/>
+                <a:ext cx="133350" cy="165100"/>
+              </a:xfrm>
+              <a:prstGeom prst="triangle">
+                <a:avLst/>
+              </a:prstGeom>
+              <a:solidFill>
+                <a:srgbClr val="FF0000"/>
+              </a:solidFill>
+              <a:ln>
+                <a:solidFill>
+                  <a:srgbClr val="FF0000"/>
+                </a:solidFill>
+              </a:ln>
+            </p:spPr>
+            <p:style>
+              <a:lnRef idx="2">
+                <a:schemeClr val="accent1">
+                  <a:shade val="50000"/>
+                </a:schemeClr>
+              </a:lnRef>
+              <a:fillRef idx="1">
+                <a:schemeClr val="accent1"/>
+              </a:fillRef>
+              <a:effectRef idx="0">
+                <a:schemeClr val="accent1"/>
+              </a:effectRef>
+              <a:fontRef idx="minor">
+                <a:schemeClr val="lt1"/>
+              </a:fontRef>
+            </p:style>
+            <p:txBody>
+              <a:bodyPr rtlCol="0" anchor="ctr"/>
+              <a:lstStyle/>
+              <a:p>
+                <a:pPr algn="ctr"/>
+                <a:endParaRPr lang="pt-BR"/>
+              </a:p>
+            </p:txBody>
+          </p:sp>
+          <p:sp>
+            <p:nvSpPr>
+              <p:cNvPr id="48" name="Isosceles Triangle 64">
+                <a:extLst>
+                  <a:ext uri="{FF2B5EF4-FFF2-40B4-BE49-F238E27FC236}">
+                    <a16:creationId xmlns:a16="http://schemas.microsoft.com/office/drawing/2014/main" id="{94E39B9E-96C4-9322-B794-826743EC39D5}"/>
+                  </a:ext>
+                </a:extLst>
+              </p:cNvPr>
+              <p:cNvSpPr/>
+              <p:nvPr/>
+            </p:nvSpPr>
+            <p:spPr>
+              <a:xfrm>
+                <a:off x="9317374" y="4803242"/>
+                <a:ext cx="133350" cy="165100"/>
+              </a:xfrm>
+              <a:prstGeom prst="triangle">
+                <a:avLst/>
+              </a:prstGeom>
+              <a:solidFill>
+                <a:srgbClr val="FF0000"/>
+              </a:solidFill>
+              <a:ln>
+                <a:solidFill>
+                  <a:srgbClr val="FF0000"/>
+                </a:solidFill>
+              </a:ln>
+            </p:spPr>
+            <p:style>
+              <a:lnRef idx="2">
+                <a:schemeClr val="accent1">
+                  <a:shade val="50000"/>
+                </a:schemeClr>
+              </a:lnRef>
+              <a:fillRef idx="1">
+                <a:schemeClr val="accent1"/>
+              </a:fillRef>
+              <a:effectRef idx="0">
+                <a:schemeClr val="accent1"/>
+              </a:effectRef>
+              <a:fontRef idx="minor">
+                <a:schemeClr val="lt1"/>
+              </a:fontRef>
+            </p:style>
+            <p:txBody>
+              <a:bodyPr rtlCol="0" anchor="ctr"/>
+              <a:lstStyle/>
+              <a:p>
+                <a:pPr algn="ctr"/>
+                <a:endParaRPr lang="pt-BR"/>
+              </a:p>
+            </p:txBody>
+          </p:sp>
+          <p:sp>
+            <p:nvSpPr>
+              <p:cNvPr id="49" name="Isosceles Triangle 65">
+                <a:extLst>
+                  <a:ext uri="{FF2B5EF4-FFF2-40B4-BE49-F238E27FC236}">
+                    <a16:creationId xmlns:a16="http://schemas.microsoft.com/office/drawing/2014/main" id="{C189B59D-2742-3BB1-C215-784AEC2DC14D}"/>
+                  </a:ext>
+                </a:extLst>
+              </p:cNvPr>
+              <p:cNvSpPr/>
+              <p:nvPr/>
+            </p:nvSpPr>
+            <p:spPr>
+              <a:xfrm>
+                <a:off x="10017930" y="4799039"/>
+                <a:ext cx="133350" cy="165100"/>
+              </a:xfrm>
+              <a:prstGeom prst="triangle">
+                <a:avLst/>
+              </a:prstGeom>
+              <a:solidFill>
+                <a:srgbClr val="FF0000"/>
+              </a:solidFill>
+              <a:ln>
+                <a:solidFill>
+                  <a:srgbClr val="FF0000"/>
+                </a:solidFill>
+              </a:ln>
+            </p:spPr>
+            <p:style>
+              <a:lnRef idx="2">
+                <a:schemeClr val="accent1">
+                  <a:shade val="50000"/>
+                </a:schemeClr>
+              </a:lnRef>
+              <a:fillRef idx="1">
+                <a:schemeClr val="accent1"/>
+              </a:fillRef>
+              <a:effectRef idx="0">
+                <a:schemeClr val="accent1"/>
+              </a:effectRef>
+              <a:fontRef idx="minor">
+                <a:schemeClr val="lt1"/>
+              </a:fontRef>
+            </p:style>
+            <p:txBody>
+              <a:bodyPr rtlCol="0" anchor="ctr"/>
+              <a:lstStyle/>
+              <a:p>
+                <a:pPr algn="ctr"/>
+                <a:endParaRPr lang="pt-BR"/>
+              </a:p>
+            </p:txBody>
+          </p:sp>
+          <mc:AlternateContent xmlns:mc="http://schemas.openxmlformats.org/markup-compatibility/2006" xmlns:a14="http://schemas.microsoft.com/office/drawing/2010/main">
+            <mc:Choice Requires="a14">
+              <p:sp>
+                <p:nvSpPr>
+                  <p:cNvPr id="50" name="Rectangle 66">
+                    <a:extLst>
+                      <a:ext uri="{FF2B5EF4-FFF2-40B4-BE49-F238E27FC236}">
+                        <a16:creationId xmlns:a16="http://schemas.microsoft.com/office/drawing/2014/main" id="{DF369D89-447B-68EC-877C-91A7B75D6D5D}"/>
+                      </a:ext>
+                    </a:extLst>
+                  </p:cNvPr>
+                  <p:cNvSpPr/>
+                  <p:nvPr/>
+                </p:nvSpPr>
+                <p:spPr>
+                  <a:xfrm>
+                    <a:off x="10126339" y="5950689"/>
+                    <a:ext cx="515205" cy="400110"/>
+                  </a:xfrm>
+                  <a:prstGeom prst="rect">
+                    <a:avLst/>
+                  </a:prstGeom>
+                </p:spPr>
+                <p:txBody>
+                  <a:bodyPr wrap="none">
+                    <a:spAutoFit/>
+                  </a:bodyPr>
+                  <a:lstStyle/>
+                  <a:p>
+                    <a:pPr/>
+                    <a14:m>
+                      <m:oMathPara xmlns:m="http://schemas.openxmlformats.org/officeDocument/2006/math">
+                        <m:oMathParaPr>
+                          <m:jc m:val="centerGroup"/>
+                        </m:oMathParaPr>
+                        <m:oMath xmlns:m="http://schemas.openxmlformats.org/officeDocument/2006/math">
+                          <m:sSub>
+                            <m:sSubPr>
+                              <m:ctrlPr>
+                                <a:rPr lang="pt-BR" sz="2000" i="1" smtClean="0">
+                                  <a:latin typeface="Cambria Math" panose="02040503050406030204" pitchFamily="18" charset="0"/>
+                                </a:rPr>
+                              </m:ctrlPr>
+                            </m:sSubPr>
+                            <m:e>
+                              <m:r>
+                                <a:rPr lang="pt-BR" sz="2000" i="1">
+                                  <a:latin typeface="Cambria Math" panose="02040503050406030204" pitchFamily="18" charset="0"/>
+                                </a:rPr>
+                                <m:t>𝑅</m:t>
+                              </m:r>
+                            </m:e>
+                            <m:sub>
+                              <m:r>
+                                <a:rPr lang="pt-BR" sz="2000" b="0" i="1" smtClean="0">
+                                  <a:latin typeface="Cambria Math" panose="02040503050406030204" pitchFamily="18" charset="0"/>
+                                </a:rPr>
+                                <m:t>1</m:t>
+                              </m:r>
+                            </m:sub>
+                          </m:sSub>
+                        </m:oMath>
+                      </m:oMathPara>
+                    </a14:m>
+                    <a:endParaRPr lang="pt-BR" sz="2000" dirty="0"/>
+                  </a:p>
+                </p:txBody>
+              </p:sp>
+            </mc:Choice>
+            <mc:Fallback xmlns="">
+              <p:sp>
+                <p:nvSpPr>
+                  <p:cNvPr id="79" name="Rectangle 78"/>
+                  <p:cNvSpPr>
+                    <a:spLocks noRot="1" noChangeAspect="1" noMove="1" noResize="1" noEditPoints="1" noAdjustHandles="1" noChangeArrowheads="1" noChangeShapeType="1" noTextEdit="1"/>
+                  </p:cNvSpPr>
+                  <p:nvPr/>
+                </p:nvSpPr>
+                <p:spPr>
+                  <a:xfrm>
+                    <a:off x="10126339" y="5950689"/>
+                    <a:ext cx="515205" cy="400110"/>
+                  </a:xfrm>
+                  <a:prstGeom prst="rect">
+                    <a:avLst/>
+                  </a:prstGeom>
+                  <a:blipFill rotWithShape="0">
+                    <a:blip r:embed="rId16"/>
+                    <a:stretch>
+                      <a:fillRect/>
+                    </a:stretch>
+                  </a:blipFill>
+                </p:spPr>
+                <p:txBody>
+                  <a:bodyPr/>
+                  <a:lstStyle/>
+                  <a:p>
+                    <a:r>
+                      <a:rPr lang="pt-BR">
+                        <a:noFill/>
+                      </a:rPr>
+                      <a:t> </a:t>
+                    </a:r>
+                  </a:p>
+                </p:txBody>
+              </p:sp>
+            </mc:Fallback>
+          </mc:AlternateContent>
+          <mc:AlternateContent xmlns:mc="http://schemas.openxmlformats.org/markup-compatibility/2006" xmlns:a14="http://schemas.microsoft.com/office/drawing/2010/main">
+            <mc:Choice Requires="a14">
+              <p:sp>
+                <p:nvSpPr>
+                  <p:cNvPr id="51" name="Rectangle 67">
+                    <a:extLst>
+                      <a:ext uri="{FF2B5EF4-FFF2-40B4-BE49-F238E27FC236}">
+                        <a16:creationId xmlns:a16="http://schemas.microsoft.com/office/drawing/2014/main" id="{21B90B2C-E2AC-A0A2-A382-4D739F23838D}"/>
+                      </a:ext>
+                    </a:extLst>
+                  </p:cNvPr>
+                  <p:cNvSpPr/>
+                  <p:nvPr/>
+                </p:nvSpPr>
+                <p:spPr>
+                  <a:xfrm>
+                    <a:off x="9506752" y="4074240"/>
+                    <a:ext cx="521168" cy="400110"/>
+                  </a:xfrm>
+                  <a:prstGeom prst="rect">
+                    <a:avLst/>
+                  </a:prstGeom>
+                </p:spPr>
+                <p:txBody>
+                  <a:bodyPr wrap="none">
+                    <a:spAutoFit/>
+                  </a:bodyPr>
+                  <a:lstStyle/>
+                  <a:p>
+                    <a:pPr/>
+                    <a14:m>
+                      <m:oMathPara xmlns:m="http://schemas.openxmlformats.org/officeDocument/2006/math">
+                        <m:oMathParaPr>
+                          <m:jc m:val="centerGroup"/>
+                        </m:oMathParaPr>
+                        <m:oMath xmlns:m="http://schemas.openxmlformats.org/officeDocument/2006/math">
+                          <m:sSub>
+                            <m:sSubPr>
+                              <m:ctrlPr>
+                                <a:rPr lang="pt-BR" sz="2000" i="1" smtClean="0">
+                                  <a:latin typeface="Cambria Math" panose="02040503050406030204" pitchFamily="18" charset="0"/>
+                                </a:rPr>
+                              </m:ctrlPr>
+                            </m:sSubPr>
+                            <m:e>
+                              <m:r>
+                                <a:rPr lang="pt-BR" sz="2000" i="1">
+                                  <a:latin typeface="Cambria Math" panose="02040503050406030204" pitchFamily="18" charset="0"/>
+                                </a:rPr>
+                                <m:t>𝑅</m:t>
+                              </m:r>
+                            </m:e>
+                            <m:sub>
+                              <m:r>
+                                <a:rPr lang="pt-BR" sz="2000" b="0" i="1" smtClean="0">
+                                  <a:latin typeface="Cambria Math" panose="02040503050406030204" pitchFamily="18" charset="0"/>
+                                </a:rPr>
+                                <m:t>2</m:t>
+                              </m:r>
+                            </m:sub>
+                          </m:sSub>
+                        </m:oMath>
+                      </m:oMathPara>
+                    </a14:m>
+                    <a:endParaRPr lang="pt-BR" sz="2000" dirty="0"/>
+                  </a:p>
+                </p:txBody>
+              </p:sp>
+            </mc:Choice>
+            <mc:Fallback xmlns="">
+              <p:sp>
+                <p:nvSpPr>
+                  <p:cNvPr id="68" name="Rectangle 67"/>
+                  <p:cNvSpPr>
+                    <a:spLocks noRot="1" noChangeAspect="1" noMove="1" noResize="1" noEditPoints="1" noAdjustHandles="1" noChangeArrowheads="1" noChangeShapeType="1" noTextEdit="1"/>
+                  </p:cNvSpPr>
+                  <p:nvPr/>
+                </p:nvSpPr>
+                <p:spPr>
+                  <a:xfrm>
+                    <a:off x="9506752" y="4074240"/>
+                    <a:ext cx="521168" cy="400110"/>
+                  </a:xfrm>
+                  <a:prstGeom prst="rect">
+                    <a:avLst/>
+                  </a:prstGeom>
+                  <a:blipFill rotWithShape="0">
+                    <a:blip r:embed="rId17"/>
+                    <a:stretch>
+                      <a:fillRect/>
+                    </a:stretch>
+                  </a:blipFill>
+                </p:spPr>
+                <p:txBody>
+                  <a:bodyPr/>
+                  <a:lstStyle/>
+                  <a:p>
+                    <a:r>
+                      <a:rPr lang="pt-BR">
+                        <a:noFill/>
+                      </a:rPr>
+                      <a:t> </a:t>
+                    </a:r>
+                  </a:p>
+                </p:txBody>
+              </p:sp>
+            </mc:Fallback>
+          </mc:AlternateContent>
+          <mc:AlternateContent xmlns:mc="http://schemas.openxmlformats.org/markup-compatibility/2006" xmlns:a14="http://schemas.microsoft.com/office/drawing/2010/main">
+            <mc:Choice Requires="a14">
+              <p:sp>
+                <p:nvSpPr>
+                  <p:cNvPr id="52" name="TextBox 68">
+                    <a:extLst>
+                      <a:ext uri="{FF2B5EF4-FFF2-40B4-BE49-F238E27FC236}">
+                        <a16:creationId xmlns:a16="http://schemas.microsoft.com/office/drawing/2014/main" id="{29E9D5FA-AEED-E1EB-E19F-18E66D7EE6DA}"/>
+                      </a:ext>
+                    </a:extLst>
+                  </p:cNvPr>
+                  <p:cNvSpPr txBox="1"/>
+                  <p:nvPr/>
+                </p:nvSpPr>
+                <p:spPr>
+                  <a:xfrm>
+                    <a:off x="8324943" y="4011478"/>
+                    <a:ext cx="787400" cy="369332"/>
+                  </a:xfrm>
+                  <a:prstGeom prst="rect">
+                    <a:avLst/>
+                  </a:prstGeom>
+                  <a:noFill/>
+                </p:spPr>
+                <p:txBody>
+                  <a:bodyPr wrap="square" rtlCol="0">
+                    <a:spAutoFit/>
+                  </a:bodyPr>
+                  <a:lstStyle/>
+                  <a:p>
+                    <a:pPr/>
+                    <a14:m>
+                      <m:oMathPara xmlns:m="http://schemas.openxmlformats.org/officeDocument/2006/math">
+                        <m:oMathParaPr>
+                          <m:jc m:val="centerGroup"/>
+                        </m:oMathParaPr>
+                        <m:oMath xmlns:m="http://schemas.openxmlformats.org/officeDocument/2006/math">
+                          <m:sSub>
+                            <m:sSubPr>
+                              <m:ctrlPr>
+                                <a:rPr lang="pt-BR" i="1" smtClean="0">
+                                  <a:latin typeface="Cambria Math" panose="02040503050406030204" pitchFamily="18" charset="0"/>
+                                </a:rPr>
+                              </m:ctrlPr>
+                            </m:sSubPr>
+                            <m:e>
+                              <m:r>
+                                <a:rPr lang="pt-BR" b="0" i="1" smtClean="0">
+                                  <a:latin typeface="Cambria Math" panose="02040503050406030204" pitchFamily="18" charset="0"/>
+                                </a:rPr>
+                                <m:t>𝑥</m:t>
+                              </m:r>
+                            </m:e>
+                            <m:sub>
+                              <m:r>
+                                <a:rPr lang="pt-BR" b="0" i="1" smtClean="0">
+                                  <a:latin typeface="Cambria Math" panose="02040503050406030204" pitchFamily="18" charset="0"/>
+                                </a:rPr>
+                                <m:t>2</m:t>
+                              </m:r>
+                            </m:sub>
+                          </m:sSub>
+                        </m:oMath>
+                      </m:oMathPara>
+                    </a14:m>
+                    <a:endParaRPr lang="pt-BR" dirty="0"/>
+                  </a:p>
+                </p:txBody>
+              </p:sp>
+            </mc:Choice>
+            <mc:Fallback xmlns="">
+              <p:sp>
+                <p:nvSpPr>
+                  <p:cNvPr id="81" name="TextBox 80"/>
+                  <p:cNvSpPr txBox="1">
+                    <a:spLocks noRot="1" noChangeAspect="1" noMove="1" noResize="1" noEditPoints="1" noAdjustHandles="1" noChangeArrowheads="1" noChangeShapeType="1" noTextEdit="1"/>
+                  </p:cNvSpPr>
+                  <p:nvPr/>
+                </p:nvSpPr>
+                <p:spPr>
+                  <a:xfrm>
+                    <a:off x="8324943" y="4011478"/>
+                    <a:ext cx="787400" cy="369332"/>
+                  </a:xfrm>
+                  <a:prstGeom prst="rect">
+                    <a:avLst/>
+                  </a:prstGeom>
+                  <a:blipFill rotWithShape="0">
+                    <a:blip r:embed="rId18"/>
+                    <a:stretch>
+                      <a:fillRect/>
+                    </a:stretch>
+                  </a:blipFill>
+                </p:spPr>
+                <p:txBody>
+                  <a:bodyPr/>
+                  <a:lstStyle/>
+                  <a:p>
+                    <a:r>
+                      <a:rPr lang="pt-BR">
+                        <a:noFill/>
+                      </a:rPr>
+                      <a:t> </a:t>
+                    </a:r>
+                  </a:p>
+                </p:txBody>
+              </p:sp>
+            </mc:Fallback>
+          </mc:AlternateContent>
+          <p:sp>
+            <p:nvSpPr>
+              <p:cNvPr id="53" name="Rectangle 69">
+                <a:extLst>
+                  <a:ext uri="{FF2B5EF4-FFF2-40B4-BE49-F238E27FC236}">
+                    <a16:creationId xmlns:a16="http://schemas.microsoft.com/office/drawing/2014/main" id="{0A5BEBD9-DBD5-C268-D1EE-C2AFFC927C5C}"/>
+                  </a:ext>
+                </a:extLst>
+              </p:cNvPr>
+              <p:cNvSpPr/>
+              <p:nvPr/>
+            </p:nvSpPr>
+            <p:spPr>
+              <a:xfrm>
+                <a:off x="10541339" y="5325892"/>
+                <a:ext cx="114300" cy="132277"/>
+              </a:xfrm>
+              <a:prstGeom prst="rect">
+                <a:avLst/>
+              </a:prstGeom>
+              <a:solidFill>
+                <a:srgbClr val="00B050"/>
+              </a:solidFill>
+              <a:ln>
+                <a:solidFill>
+                  <a:srgbClr val="00B050"/>
+                </a:solidFill>
+              </a:ln>
+            </p:spPr>
+            <p:style>
+              <a:lnRef idx="2">
+                <a:schemeClr val="accent1">
+                  <a:shade val="50000"/>
+                </a:schemeClr>
+              </a:lnRef>
+              <a:fillRef idx="1">
+                <a:schemeClr val="accent1"/>
+              </a:fillRef>
+              <a:effectRef idx="0">
+                <a:schemeClr val="accent1"/>
+              </a:effectRef>
+              <a:fontRef idx="minor">
+                <a:schemeClr val="lt1"/>
+              </a:fontRef>
+            </p:style>
+            <p:txBody>
+              <a:bodyPr rtlCol="0" anchor="ctr"/>
+              <a:lstStyle/>
+              <a:p>
+                <a:pPr algn="ctr"/>
+                <a:endParaRPr lang="pt-BR"/>
+              </a:p>
+            </p:txBody>
+          </p:sp>
+          <p:sp>
+            <p:nvSpPr>
+              <p:cNvPr id="54" name="Rectangle 70">
+                <a:extLst>
+                  <a:ext uri="{FF2B5EF4-FFF2-40B4-BE49-F238E27FC236}">
+                    <a16:creationId xmlns:a16="http://schemas.microsoft.com/office/drawing/2014/main" id="{8AD88B08-5F23-1E0A-143E-E87D108EACE9}"/>
+                  </a:ext>
+                </a:extLst>
+              </p:cNvPr>
+              <p:cNvSpPr/>
+              <p:nvPr/>
+            </p:nvSpPr>
+            <p:spPr>
+              <a:xfrm>
+                <a:off x="10693739" y="5478292"/>
+                <a:ext cx="114300" cy="132277"/>
+              </a:xfrm>
+              <a:prstGeom prst="rect">
+                <a:avLst/>
+              </a:prstGeom>
+              <a:solidFill>
+                <a:srgbClr val="00B050"/>
+              </a:solidFill>
+              <a:ln>
+                <a:solidFill>
+                  <a:srgbClr val="00B050"/>
+                </a:solidFill>
+              </a:ln>
+            </p:spPr>
+            <p:style>
+              <a:lnRef idx="2">
+                <a:schemeClr val="accent1">
+                  <a:shade val="50000"/>
+                </a:schemeClr>
+              </a:lnRef>
+              <a:fillRef idx="1">
+                <a:schemeClr val="accent1"/>
+              </a:fillRef>
+              <a:effectRef idx="0">
+                <a:schemeClr val="accent1"/>
+              </a:effectRef>
+              <a:fontRef idx="minor">
+                <a:schemeClr val="lt1"/>
+              </a:fontRef>
+            </p:style>
+            <p:txBody>
+              <a:bodyPr rtlCol="0" anchor="ctr"/>
+              <a:lstStyle/>
+              <a:p>
+                <a:pPr algn="ctr"/>
+                <a:endParaRPr lang="pt-BR"/>
+              </a:p>
+            </p:txBody>
+          </p:sp>
+          <p:sp>
+            <p:nvSpPr>
+              <p:cNvPr id="55" name="Rectangle 71">
+                <a:extLst>
+                  <a:ext uri="{FF2B5EF4-FFF2-40B4-BE49-F238E27FC236}">
+                    <a16:creationId xmlns:a16="http://schemas.microsoft.com/office/drawing/2014/main" id="{156E8B4F-4E4F-48C2-0744-52533C201355}"/>
+                  </a:ext>
+                </a:extLst>
+              </p:cNvPr>
+              <p:cNvSpPr/>
+              <p:nvPr/>
+            </p:nvSpPr>
+            <p:spPr>
+              <a:xfrm>
+                <a:off x="10776781" y="5174183"/>
+                <a:ext cx="114300" cy="132277"/>
+              </a:xfrm>
+              <a:prstGeom prst="rect">
+                <a:avLst/>
+              </a:prstGeom>
+              <a:solidFill>
+                <a:srgbClr val="00B050"/>
+              </a:solidFill>
+              <a:ln>
+                <a:solidFill>
+                  <a:srgbClr val="00B050"/>
+                </a:solidFill>
+              </a:ln>
+            </p:spPr>
+            <p:style>
+              <a:lnRef idx="2">
+                <a:schemeClr val="accent1">
+                  <a:shade val="50000"/>
+                </a:schemeClr>
+              </a:lnRef>
+              <a:fillRef idx="1">
+                <a:schemeClr val="accent1"/>
+              </a:fillRef>
+              <a:effectRef idx="0">
+                <a:schemeClr val="accent1"/>
+              </a:effectRef>
+              <a:fontRef idx="minor">
+                <a:schemeClr val="lt1"/>
+              </a:fontRef>
+            </p:style>
+            <p:txBody>
+              <a:bodyPr rtlCol="0" anchor="ctr"/>
+              <a:lstStyle/>
+              <a:p>
+                <a:pPr algn="ctr"/>
+                <a:endParaRPr lang="pt-BR"/>
+              </a:p>
+            </p:txBody>
+          </p:sp>
+          <p:sp>
+            <p:nvSpPr>
+              <p:cNvPr id="56" name="Rectangle 72">
+                <a:extLst>
+                  <a:ext uri="{FF2B5EF4-FFF2-40B4-BE49-F238E27FC236}">
+                    <a16:creationId xmlns:a16="http://schemas.microsoft.com/office/drawing/2014/main" id="{9E747B52-CE8C-58A0-11C5-C92E310D23C2}"/>
+                  </a:ext>
+                </a:extLst>
+              </p:cNvPr>
+              <p:cNvSpPr/>
+              <p:nvPr/>
+            </p:nvSpPr>
+            <p:spPr>
+              <a:xfrm>
+                <a:off x="10936469" y="5530946"/>
+                <a:ext cx="114300" cy="132277"/>
+              </a:xfrm>
+              <a:prstGeom prst="rect">
+                <a:avLst/>
+              </a:prstGeom>
+              <a:solidFill>
+                <a:srgbClr val="00B050"/>
+              </a:solidFill>
+              <a:ln>
+                <a:solidFill>
+                  <a:srgbClr val="00B050"/>
+                </a:solidFill>
+              </a:ln>
+            </p:spPr>
+            <p:style>
+              <a:lnRef idx="2">
+                <a:schemeClr val="accent1">
+                  <a:shade val="50000"/>
+                </a:schemeClr>
+              </a:lnRef>
+              <a:fillRef idx="1">
+                <a:schemeClr val="accent1"/>
+              </a:fillRef>
+              <a:effectRef idx="0">
+                <a:schemeClr val="accent1"/>
+              </a:effectRef>
+              <a:fontRef idx="minor">
+                <a:schemeClr val="lt1"/>
+              </a:fontRef>
+            </p:style>
+            <p:txBody>
+              <a:bodyPr rtlCol="0" anchor="ctr"/>
+              <a:lstStyle/>
+              <a:p>
+                <a:pPr algn="ctr"/>
+                <a:endParaRPr lang="pt-BR"/>
+              </a:p>
+            </p:txBody>
+          </p:sp>
+          <p:sp>
+            <p:nvSpPr>
+              <p:cNvPr id="57" name="Rectangle 73">
+                <a:extLst>
+                  <a:ext uri="{FF2B5EF4-FFF2-40B4-BE49-F238E27FC236}">
+                    <a16:creationId xmlns:a16="http://schemas.microsoft.com/office/drawing/2014/main" id="{F27A2FCD-5D5E-0BC2-39B0-7E128E985F36}"/>
+                  </a:ext>
+                </a:extLst>
+              </p:cNvPr>
+              <p:cNvSpPr/>
+              <p:nvPr/>
+            </p:nvSpPr>
+            <p:spPr>
+              <a:xfrm>
+                <a:off x="10998539" y="5300288"/>
+                <a:ext cx="114300" cy="132277"/>
+              </a:xfrm>
+              <a:prstGeom prst="rect">
+                <a:avLst/>
+              </a:prstGeom>
+              <a:solidFill>
+                <a:srgbClr val="00B050"/>
+              </a:solidFill>
+              <a:ln>
+                <a:solidFill>
+                  <a:srgbClr val="00B050"/>
+                </a:solidFill>
+              </a:ln>
+            </p:spPr>
+            <p:style>
+              <a:lnRef idx="2">
+                <a:schemeClr val="accent1">
+                  <a:shade val="50000"/>
+                </a:schemeClr>
+              </a:lnRef>
+              <a:fillRef idx="1">
+                <a:schemeClr val="accent1"/>
+              </a:fillRef>
+              <a:effectRef idx="0">
+                <a:schemeClr val="accent1"/>
+              </a:effectRef>
+              <a:fontRef idx="minor">
+                <a:schemeClr val="lt1"/>
+              </a:fontRef>
+            </p:style>
+            <p:txBody>
+              <a:bodyPr rtlCol="0" anchor="ctr"/>
+              <a:lstStyle/>
+              <a:p>
+                <a:pPr algn="ctr"/>
+                <a:endParaRPr lang="pt-BR"/>
+              </a:p>
+            </p:txBody>
+          </p:sp>
+          <p:sp>
+            <p:nvSpPr>
+              <p:cNvPr id="58" name="Rectangle 74">
+                <a:extLst>
+                  <a:ext uri="{FF2B5EF4-FFF2-40B4-BE49-F238E27FC236}">
+                    <a16:creationId xmlns:a16="http://schemas.microsoft.com/office/drawing/2014/main" id="{A50E4132-6EE5-D584-2804-9C08F916B7DC}"/>
+                  </a:ext>
+                </a:extLst>
+              </p:cNvPr>
+              <p:cNvSpPr/>
+              <p:nvPr/>
+            </p:nvSpPr>
+            <p:spPr>
+              <a:xfrm>
+                <a:off x="11179199" y="5515115"/>
+                <a:ext cx="114300" cy="132277"/>
+              </a:xfrm>
+              <a:prstGeom prst="rect">
+                <a:avLst/>
+              </a:prstGeom>
+              <a:solidFill>
+                <a:srgbClr val="00B050"/>
+              </a:solidFill>
+              <a:ln>
+                <a:solidFill>
+                  <a:srgbClr val="00B050"/>
+                </a:solidFill>
+              </a:ln>
+            </p:spPr>
+            <p:style>
+              <a:lnRef idx="2">
+                <a:schemeClr val="accent1">
+                  <a:shade val="50000"/>
+                </a:schemeClr>
+              </a:lnRef>
+              <a:fillRef idx="1">
+                <a:schemeClr val="accent1"/>
+              </a:fillRef>
+              <a:effectRef idx="0">
+                <a:schemeClr val="accent1"/>
+              </a:effectRef>
+              <a:fontRef idx="minor">
+                <a:schemeClr val="lt1"/>
+              </a:fontRef>
+            </p:style>
+            <p:txBody>
+              <a:bodyPr rtlCol="0" anchor="ctr"/>
+              <a:lstStyle/>
+              <a:p>
+                <a:pPr algn="ctr"/>
+                <a:endParaRPr lang="pt-BR"/>
+              </a:p>
+            </p:txBody>
+          </p:sp>
+          <p:sp>
+            <p:nvSpPr>
+              <p:cNvPr id="59" name="Rectangle 75">
+                <a:extLst>
+                  <a:ext uri="{FF2B5EF4-FFF2-40B4-BE49-F238E27FC236}">
+                    <a16:creationId xmlns:a16="http://schemas.microsoft.com/office/drawing/2014/main" id="{AEB60AC9-B5A6-4BD2-C82B-9ECF0C18773C}"/>
+                  </a:ext>
+                </a:extLst>
+              </p:cNvPr>
+              <p:cNvSpPr/>
+              <p:nvPr/>
+            </p:nvSpPr>
+            <p:spPr>
+              <a:xfrm>
+                <a:off x="11042698" y="5772606"/>
+                <a:ext cx="114300" cy="132277"/>
+              </a:xfrm>
+              <a:prstGeom prst="rect">
+                <a:avLst/>
+              </a:prstGeom>
+              <a:solidFill>
+                <a:srgbClr val="00B050"/>
+              </a:solidFill>
+              <a:ln>
+                <a:solidFill>
+                  <a:srgbClr val="00B050"/>
+                </a:solidFill>
+              </a:ln>
+            </p:spPr>
+            <p:style>
+              <a:lnRef idx="2">
+                <a:schemeClr val="accent1">
+                  <a:shade val="50000"/>
+                </a:schemeClr>
+              </a:lnRef>
+              <a:fillRef idx="1">
+                <a:schemeClr val="accent1"/>
+              </a:fillRef>
+              <a:effectRef idx="0">
+                <a:schemeClr val="accent1"/>
+              </a:effectRef>
+              <a:fontRef idx="minor">
+                <a:schemeClr val="lt1"/>
+              </a:fontRef>
+            </p:style>
+            <p:txBody>
+              <a:bodyPr rtlCol="0" anchor="ctr"/>
+              <a:lstStyle/>
+              <a:p>
+                <a:pPr algn="ctr"/>
+                <a:endParaRPr lang="pt-BR"/>
+              </a:p>
+            </p:txBody>
+          </p:sp>
+          <mc:AlternateContent xmlns:mc="http://schemas.openxmlformats.org/markup-compatibility/2006" xmlns:a14="http://schemas.microsoft.com/office/drawing/2010/main">
+            <mc:Choice Requires="a14">
+              <p:sp>
+                <p:nvSpPr>
+                  <p:cNvPr id="60" name="Rectangle 76">
+                    <a:extLst>
+                      <a:ext uri="{FF2B5EF4-FFF2-40B4-BE49-F238E27FC236}">
+                        <a16:creationId xmlns:a16="http://schemas.microsoft.com/office/drawing/2014/main" id="{67CB3F5A-C733-2E1D-382D-37ABD108C33F}"/>
+                      </a:ext>
+                    </a:extLst>
+                  </p:cNvPr>
+                  <p:cNvSpPr/>
+                  <p:nvPr/>
+                </p:nvSpPr>
+                <p:spPr>
+                  <a:xfrm>
+                    <a:off x="10918615" y="4718845"/>
+                    <a:ext cx="521168" cy="400110"/>
+                  </a:xfrm>
+                  <a:prstGeom prst="rect">
+                    <a:avLst/>
+                  </a:prstGeom>
+                </p:spPr>
+                <p:txBody>
+                  <a:bodyPr wrap="none">
+                    <a:spAutoFit/>
+                  </a:bodyPr>
+                  <a:lstStyle/>
+                  <a:p>
+                    <a:pPr/>
+                    <a14:m>
+                      <m:oMathPara xmlns:m="http://schemas.openxmlformats.org/officeDocument/2006/math">
+                        <m:oMathParaPr>
+                          <m:jc m:val="centerGroup"/>
+                        </m:oMathParaPr>
+                        <m:oMath xmlns:m="http://schemas.openxmlformats.org/officeDocument/2006/math">
+                          <m:sSub>
+                            <m:sSubPr>
+                              <m:ctrlPr>
+                                <a:rPr lang="pt-BR" sz="2000" i="1" smtClean="0">
+                                  <a:latin typeface="Cambria Math" panose="02040503050406030204" pitchFamily="18" charset="0"/>
+                                </a:rPr>
+                              </m:ctrlPr>
+                            </m:sSubPr>
+                            <m:e>
+                              <m:r>
+                                <a:rPr lang="pt-BR" sz="2000" i="1">
+                                  <a:latin typeface="Cambria Math" panose="02040503050406030204" pitchFamily="18" charset="0"/>
+                                </a:rPr>
+                                <m:t>𝑅</m:t>
+                              </m:r>
+                            </m:e>
+                            <m:sub>
+                              <m:r>
+                                <a:rPr lang="pt-BR" sz="2000" b="0" i="1" smtClean="0">
+                                  <a:latin typeface="Cambria Math" panose="02040503050406030204" pitchFamily="18" charset="0"/>
+                                </a:rPr>
+                                <m:t>3</m:t>
+                              </m:r>
+                            </m:sub>
+                          </m:sSub>
+                        </m:oMath>
+                      </m:oMathPara>
+                    </a14:m>
+                    <a:endParaRPr lang="pt-BR" sz="2000" dirty="0"/>
+                  </a:p>
+                </p:txBody>
+              </p:sp>
+            </mc:Choice>
+            <mc:Fallback xmlns="">
+              <p:sp>
+                <p:nvSpPr>
+                  <p:cNvPr id="89" name="Rectangle 88"/>
+                  <p:cNvSpPr>
+                    <a:spLocks noRot="1" noChangeAspect="1" noMove="1" noResize="1" noEditPoints="1" noAdjustHandles="1" noChangeArrowheads="1" noChangeShapeType="1" noTextEdit="1"/>
+                  </p:cNvSpPr>
+                  <p:nvPr/>
+                </p:nvSpPr>
+                <p:spPr>
+                  <a:xfrm>
+                    <a:off x="10918615" y="4718845"/>
+                    <a:ext cx="521168" cy="400110"/>
+                  </a:xfrm>
+                  <a:prstGeom prst="rect">
+                    <a:avLst/>
+                  </a:prstGeom>
+                  <a:blipFill rotWithShape="0">
+                    <a:blip r:embed="rId19"/>
+                    <a:stretch>
+                      <a:fillRect b="-1538"/>
+                    </a:stretch>
+                  </a:blipFill>
+                </p:spPr>
+                <p:txBody>
+                  <a:bodyPr/>
+                  <a:lstStyle/>
+                  <a:p>
+                    <a:r>
+                      <a:rPr lang="pt-BR">
+                        <a:noFill/>
+                      </a:rPr>
+                      <a:t> </a:t>
+                    </a:r>
+                  </a:p>
+                </p:txBody>
+              </p:sp>
+            </mc:Fallback>
+          </mc:AlternateContent>
+          <p:cxnSp>
+            <p:nvCxnSpPr>
+              <p:cNvPr id="61" name="Straight Connector 77">
+                <a:extLst>
+                  <a:ext uri="{FF2B5EF4-FFF2-40B4-BE49-F238E27FC236}">
+                    <a16:creationId xmlns:a16="http://schemas.microsoft.com/office/drawing/2014/main" id="{B78E1BFF-818D-CD5B-3D94-2F9A4F4D82FF}"/>
+                  </a:ext>
+                </a:extLst>
+              </p:cNvPr>
+              <p:cNvCxnSpPr/>
+              <p:nvPr/>
+            </p:nvCxnSpPr>
+            <p:spPr>
+              <a:xfrm>
+                <a:off x="8788081" y="4728656"/>
+                <a:ext cx="2432050" cy="1566841"/>
+              </a:xfrm>
+              <a:prstGeom prst="line">
+                <a:avLst/>
+              </a:prstGeom>
+              <a:ln w="12700">
+                <a:solidFill>
+                  <a:schemeClr val="tx1"/>
+                </a:solidFill>
+              </a:ln>
+            </p:spPr>
+            <p:style>
+              <a:lnRef idx="1">
+                <a:schemeClr val="accent1"/>
+              </a:lnRef>
+              <a:fillRef idx="0">
+                <a:schemeClr val="accent1"/>
+              </a:fillRef>
+              <a:effectRef idx="0">
+                <a:schemeClr val="accent1"/>
+              </a:effectRef>
+              <a:fontRef idx="minor">
+                <a:schemeClr val="tx1"/>
+              </a:fontRef>
+            </p:style>
+          </p:cxnSp>
+          <p:cxnSp>
+            <p:nvCxnSpPr>
+              <p:cNvPr id="62" name="Straight Connector 78">
+                <a:extLst>
+                  <a:ext uri="{FF2B5EF4-FFF2-40B4-BE49-F238E27FC236}">
+                    <a16:creationId xmlns:a16="http://schemas.microsoft.com/office/drawing/2014/main" id="{F2E3290A-DA56-2C1D-3ED4-64B224AF32DD}"/>
+                  </a:ext>
+                </a:extLst>
+              </p:cNvPr>
+              <p:cNvCxnSpPr/>
+              <p:nvPr/>
+            </p:nvCxnSpPr>
+            <p:spPr>
+              <a:xfrm flipV="1">
+                <a:off x="10020518" y="4646639"/>
+                <a:ext cx="621026" cy="847672"/>
+              </a:xfrm>
+              <a:prstGeom prst="line">
+                <a:avLst/>
+              </a:prstGeom>
+              <a:ln w="12700">
+                <a:solidFill>
+                  <a:schemeClr val="tx1"/>
+                </a:solidFill>
+              </a:ln>
+            </p:spPr>
+            <p:style>
+              <a:lnRef idx="1">
+                <a:schemeClr val="accent1"/>
+              </a:lnRef>
+              <a:fillRef idx="0">
+                <a:schemeClr val="accent1"/>
+              </a:fillRef>
+              <a:effectRef idx="0">
+                <a:schemeClr val="accent1"/>
+              </a:effectRef>
+              <a:fontRef idx="minor">
+                <a:schemeClr val="tx1"/>
+              </a:fontRef>
+            </p:style>
+          </p:cxnSp>
+        </p:grpSp>
+        <p:sp>
+          <p:nvSpPr>
+            <p:cNvPr id="31" name="Rectangle 82">
+              <a:extLst>
+                <a:ext uri="{FF2B5EF4-FFF2-40B4-BE49-F238E27FC236}">
+                  <a16:creationId xmlns:a16="http://schemas.microsoft.com/office/drawing/2014/main" id="{F7FFF212-533F-2F05-17E8-537300946149}"/>
+                </a:ext>
+              </a:extLst>
+            </p:cNvPr>
+            <p:cNvSpPr/>
+            <p:nvPr/>
+          </p:nvSpPr>
+          <p:spPr>
+            <a:xfrm>
+              <a:off x="9830560" y="1773129"/>
+              <a:ext cx="1953076" cy="514599"/>
+            </a:xfrm>
+            <a:prstGeom prst="rect">
+              <a:avLst/>
+            </a:prstGeom>
+          </p:spPr>
+          <p:txBody>
+            <a:bodyPr wrap="square">
+              <a:spAutoFit/>
+            </a:bodyPr>
+            <a:lstStyle/>
+            <a:p>
+              <a:pPr algn="ctr"/>
+              <a:r>
+                <a:rPr lang="pt-BR" sz="1400" dirty="0"/>
+                <a:t>classificação linear com 2 funções discriminantes</a:t>
+              </a:r>
+            </a:p>
+          </p:txBody>
+        </p:sp>
+        <mc:AlternateContent xmlns:mc="http://schemas.openxmlformats.org/markup-compatibility/2006" xmlns:a14="http://schemas.microsoft.com/office/drawing/2010/main">
+          <mc:Choice Requires="a14">
+            <p:sp>
+              <p:nvSpPr>
+                <p:cNvPr id="32" name="TextBox 83">
+                  <a:extLst>
+                    <a:ext uri="{FF2B5EF4-FFF2-40B4-BE49-F238E27FC236}">
+                      <a16:creationId xmlns:a16="http://schemas.microsoft.com/office/drawing/2014/main" id="{FE2B3682-E1D1-FA1C-D861-F3A6E4B57D6A}"/>
+                    </a:ext>
+                  </a:extLst>
+                </p:cNvPr>
+                <p:cNvSpPr txBox="1"/>
+                <p:nvPr/>
+              </p:nvSpPr>
+              <p:spPr>
+                <a:xfrm>
+                  <a:off x="10894980" y="3906817"/>
+                  <a:ext cx="787400" cy="369332"/>
+                </a:xfrm>
+                <a:prstGeom prst="rect">
+                  <a:avLst/>
+                </a:prstGeom>
+                <a:noFill/>
+              </p:spPr>
+              <p:txBody>
+                <a:bodyPr wrap="square" rtlCol="0">
+                  <a:spAutoFit/>
+                </a:bodyPr>
+                <a:lstStyle/>
+                <a:p>
+                  <a:pPr/>
+                  <a14:m>
+                    <m:oMathPara xmlns:m="http://schemas.openxmlformats.org/officeDocument/2006/math">
+                      <m:oMathParaPr>
+                        <m:jc m:val="centerGroup"/>
+                      </m:oMathParaPr>
+                      <m:oMath xmlns:m="http://schemas.openxmlformats.org/officeDocument/2006/math">
+                        <m:sSub>
+                          <m:sSubPr>
+                            <m:ctrlPr>
+                              <a:rPr lang="pt-BR" i="1" smtClean="0">
+                                <a:latin typeface="Cambria Math" panose="02040503050406030204" pitchFamily="18" charset="0"/>
+                              </a:rPr>
+                            </m:ctrlPr>
+                          </m:sSubPr>
+                          <m:e>
+                            <m:r>
+                              <a:rPr lang="pt-BR" b="0" i="1" smtClean="0">
+                                <a:latin typeface="Cambria Math" panose="02040503050406030204" pitchFamily="18" charset="0"/>
+                              </a:rPr>
+                              <m:t>𝑥</m:t>
+                            </m:r>
+                          </m:e>
+                          <m:sub>
+                            <m:r>
+                              <a:rPr lang="pt-BR" b="0" i="1" smtClean="0">
+                                <a:latin typeface="Cambria Math" panose="02040503050406030204" pitchFamily="18" charset="0"/>
+                              </a:rPr>
+                              <m:t>1</m:t>
+                            </m:r>
+                          </m:sub>
+                        </m:sSub>
+                      </m:oMath>
+                    </m:oMathPara>
+                  </a14:m>
+                  <a:endParaRPr lang="pt-BR" dirty="0"/>
+                </a:p>
+              </p:txBody>
+            </p:sp>
+          </mc:Choice>
+          <mc:Fallback xmlns="">
+            <p:sp>
+              <p:nvSpPr>
+                <p:cNvPr id="84" name="TextBox 83"/>
+                <p:cNvSpPr txBox="1">
+                  <a:spLocks noRot="1" noChangeAspect="1" noMove="1" noResize="1" noEditPoints="1" noAdjustHandles="1" noChangeArrowheads="1" noChangeShapeType="1" noTextEdit="1"/>
+                </p:cNvSpPr>
+                <p:nvPr/>
+              </p:nvSpPr>
+              <p:spPr>
+                <a:xfrm>
+                  <a:off x="10894980" y="3906817"/>
+                  <a:ext cx="787400" cy="369332"/>
+                </a:xfrm>
+                <a:prstGeom prst="rect">
+                  <a:avLst/>
+                </a:prstGeom>
+                <a:blipFill rotWithShape="0">
+                  <a:blip r:embed="rId20"/>
+                  <a:stretch>
+                    <a:fillRect/>
+                  </a:stretch>
+                </a:blipFill>
+              </p:spPr>
+              <p:txBody>
+                <a:bodyPr/>
+                <a:lstStyle/>
+                <a:p>
+                  <a:r>
+                    <a:rPr lang="pt-BR">
+                      <a:noFill/>
+                    </a:rPr>
+                    <a:t> </a:t>
+                  </a:r>
+                </a:p>
+              </p:txBody>
+            </p:sp>
+          </mc:Fallback>
+        </mc:AlternateContent>
+      </p:grpSp>
     </p:spTree>
     <p:extLst>
       <p:ext uri="{BB962C8B-B14F-4D97-AF65-F5344CB8AC3E}">
@@ -5560,25 +8956,154 @@
         </p:nvSpPr>
         <p:spPr>
           <a:xfrm>
-            <a:off x="5553075" y="1825624"/>
-            <a:ext cx="6543675" cy="5032375"/>
+            <a:off x="6272981" y="1825624"/>
+            <a:ext cx="5823769" cy="5032375"/>
           </a:xfrm>
         </p:spPr>
         <p:txBody>
           <a:bodyPr>
-            <a:normAutofit lnSpcReduction="10000"/>
+            <a:normAutofit/>
           </a:bodyPr>
           <a:lstStyle/>
           <a:p>
             <a:r>
               <a:rPr lang="pt-BR" dirty="0"/>
-              <a:t>Portanto, se quisermos projetar uma rede neural capaz de distinguir entre gatos e um cachorros, poderíamos ter um neurônio de saída representando gatos e outro representando cães.</a:t>
+              <a:t>Portanto, se quisermos projetar uma rede neural capaz de distinguir entre gatos e cachorros, poderíamos ter um neurônio de saída representando gatos e outro representando cães.</a:t>
             </a:r>
           </a:p>
           <a:p>
             <a:r>
               <a:rPr lang="pt-BR" dirty="0"/>
-              <a:t>Então, se uma imagem de um gato for passada para a rede, o neurônio que representa os gatos terá um alto valor de probabilidade e o que representa os cachorros terá um baixo valor de probabilidade.</a:t>
+              <a:t>Cada neurônio de saída irá apresentar a probabilidade de uma imagem de entrada pertencer a uma das classes.</a:t>
+            </a:r>
+          </a:p>
+        </p:txBody>
+      </p:sp>
+      <p:pic>
+        <p:nvPicPr>
+          <p:cNvPr id="77" name="Imagem 76">
+            <a:extLst>
+              <a:ext uri="{FF2B5EF4-FFF2-40B4-BE49-F238E27FC236}">
+                <a16:creationId xmlns:a16="http://schemas.microsoft.com/office/drawing/2014/main" id="{F7976FF7-28FE-1F9B-CA60-BDCAD6E678F4}"/>
+              </a:ext>
+            </a:extLst>
+          </p:cNvPr>
+          <p:cNvPicPr>
+            <a:picLocks noChangeAspect="1"/>
+          </p:cNvPicPr>
+          <p:nvPr/>
+        </p:nvPicPr>
+        <p:blipFill>
+          <a:blip r:embed="rId2">
+            <a:extLst>
+              <a:ext uri="{28A0092B-C50C-407E-A947-70E740481C1C}">
+                <a14:useLocalDpi xmlns:a14="http://schemas.microsoft.com/office/drawing/2010/main" val="0"/>
+              </a:ext>
+            </a:extLst>
+          </a:blip>
+          <a:stretch>
+            <a:fillRect/>
+          </a:stretch>
+        </p:blipFill>
+        <p:spPr>
+          <a:xfrm>
+            <a:off x="172679" y="2407950"/>
+            <a:ext cx="5917790" cy="2921576"/>
+          </a:xfrm>
+          <a:prstGeom prst="rect">
+            <a:avLst/>
+          </a:prstGeom>
+        </p:spPr>
+      </p:pic>
+    </p:spTree>
+    <p:extLst>
+      <p:ext uri="{BB962C8B-B14F-4D97-AF65-F5344CB8AC3E}">
+        <p14:creationId xmlns:p14="http://schemas.microsoft.com/office/powerpoint/2010/main" val="3645420227"/>
+      </p:ext>
+    </p:extLst>
+  </p:cSld>
+  <p:clrMapOvr>
+    <a:masterClrMapping/>
+  </p:clrMapOvr>
+</p:sld>
+</file>
+
+<file path=ppt/slides/slide12.xml><?xml version="1.0" encoding="utf-8"?>
+<p:sld xmlns:a="http://schemas.openxmlformats.org/drawingml/2006/main" xmlns:r="http://schemas.openxmlformats.org/officeDocument/2006/relationships" xmlns:p="http://schemas.openxmlformats.org/presentationml/2006/main">
+  <p:cSld>
+    <p:spTree>
+      <p:nvGrpSpPr>
+        <p:cNvPr id="1" name=""/>
+        <p:cNvGrpSpPr/>
+        <p:nvPr/>
+      </p:nvGrpSpPr>
+      <p:grpSpPr>
+        <a:xfrm>
+          <a:off x="0" y="0"/>
+          <a:ext cx="0" cy="0"/>
+          <a:chOff x="0" y="0"/>
+          <a:chExt cx="0" cy="0"/>
+        </a:xfrm>
+      </p:grpSpPr>
+      <p:sp>
+        <p:nvSpPr>
+          <p:cNvPr id="2" name="Título 1">
+            <a:extLst>
+              <a:ext uri="{FF2B5EF4-FFF2-40B4-BE49-F238E27FC236}">
+                <a16:creationId xmlns:a16="http://schemas.microsoft.com/office/drawing/2014/main" id="{71160E5B-8878-4931-6741-969E884FF4A1}"/>
+              </a:ext>
+            </a:extLst>
+          </p:cNvPr>
+          <p:cNvSpPr>
+            <a:spLocks noGrp="1"/>
+          </p:cNvSpPr>
+          <p:nvPr>
+            <p:ph type="title"/>
+          </p:nvPr>
+        </p:nvSpPr>
+        <p:spPr/>
+        <p:txBody>
+          <a:bodyPr/>
+          <a:lstStyle/>
+          <a:p>
+            <a:r>
+              <a:rPr lang="pt-BR" dirty="0"/>
+              <a:t>Classificação com redes neurais</a:t>
+            </a:r>
+          </a:p>
+        </p:txBody>
+      </p:sp>
+      <p:sp>
+        <p:nvSpPr>
+          <p:cNvPr id="3" name="Espaço Reservado para Conteúdo 2">
+            <a:extLst>
+              <a:ext uri="{FF2B5EF4-FFF2-40B4-BE49-F238E27FC236}">
+                <a16:creationId xmlns:a16="http://schemas.microsoft.com/office/drawing/2014/main" id="{99D4ED14-2D94-F17C-D565-C98F7C2C55E0}"/>
+              </a:ext>
+            </a:extLst>
+          </p:cNvPr>
+          <p:cNvSpPr>
+            <a:spLocks noGrp="1"/>
+          </p:cNvSpPr>
+          <p:nvPr>
+            <p:ph idx="1"/>
+          </p:nvPr>
+        </p:nvSpPr>
+        <p:spPr>
+          <a:xfrm>
+            <a:off x="5860027" y="1825624"/>
+            <a:ext cx="6236724" cy="5032375"/>
+          </a:xfrm>
+        </p:spPr>
+        <p:txBody>
+          <a:bodyPr>
+            <a:normAutofit/>
+          </a:bodyPr>
+          <a:lstStyle/>
+          <a:p>
+            <a:r>
+              <a:rPr lang="pt-BR" dirty="0"/>
+              <a:t>Então, se uma imagem de um gato for passada para a rede, o neurônio que representa os gatos terá um alto valor de probabilidade (teoricamente 1) e o que representa os cachorros terá um baixo valor de probabilidade (teoricamente 0).</a:t>
             </a:r>
           </a:p>
           <a:p>
@@ -5677,86 +9202,6 @@
 </p:sld>
 </file>
 
-<file path=ppt/slides/slide12.xml><?xml version="1.0" encoding="utf-8"?>
-<p:sld xmlns:a="http://schemas.openxmlformats.org/drawingml/2006/main" xmlns:r="http://schemas.openxmlformats.org/officeDocument/2006/relationships" xmlns:p="http://schemas.openxmlformats.org/presentationml/2006/main">
-  <p:cSld>
-    <p:spTree>
-      <p:nvGrpSpPr>
-        <p:cNvPr id="1" name=""/>
-        <p:cNvGrpSpPr/>
-        <p:nvPr/>
-      </p:nvGrpSpPr>
-      <p:grpSpPr>
-        <a:xfrm>
-          <a:off x="0" y="0"/>
-          <a:ext cx="0" cy="0"/>
-          <a:chOff x="0" y="0"/>
-          <a:chExt cx="0" cy="0"/>
-        </a:xfrm>
-      </p:grpSpPr>
-      <p:sp>
-        <p:nvSpPr>
-          <p:cNvPr id="2" name="Título 1">
-            <a:extLst>
-              <a:ext uri="{FF2B5EF4-FFF2-40B4-BE49-F238E27FC236}">
-                <a16:creationId xmlns:a16="http://schemas.microsoft.com/office/drawing/2014/main" id="{0332E1A5-3D55-B360-D90E-0CF1011D6522}"/>
-              </a:ext>
-            </a:extLst>
-          </p:cNvPr>
-          <p:cNvSpPr>
-            <a:spLocks noGrp="1"/>
-          </p:cNvSpPr>
-          <p:nvPr>
-            <p:ph type="title"/>
-          </p:nvPr>
-        </p:nvSpPr>
-        <p:spPr/>
-        <p:txBody>
-          <a:bodyPr/>
-          <a:lstStyle/>
-          <a:p>
-            <a:endParaRPr lang="pt-BR"/>
-          </a:p>
-        </p:txBody>
-      </p:sp>
-      <p:sp>
-        <p:nvSpPr>
-          <p:cNvPr id="3" name="Espaço Reservado para Conteúdo 2">
-            <a:extLst>
-              <a:ext uri="{FF2B5EF4-FFF2-40B4-BE49-F238E27FC236}">
-                <a16:creationId xmlns:a16="http://schemas.microsoft.com/office/drawing/2014/main" id="{48DAA581-3A7E-0B32-1ADD-2D93D56A4517}"/>
-              </a:ext>
-            </a:extLst>
-          </p:cNvPr>
-          <p:cNvSpPr>
-            <a:spLocks noGrp="1"/>
-          </p:cNvSpPr>
-          <p:nvPr>
-            <p:ph idx="1"/>
-          </p:nvPr>
-        </p:nvSpPr>
-        <p:spPr/>
-        <p:txBody>
-          <a:bodyPr/>
-          <a:lstStyle/>
-          <a:p>
-            <a:endParaRPr lang="pt-BR"/>
-          </a:p>
-        </p:txBody>
-      </p:sp>
-    </p:spTree>
-    <p:extLst>
-      <p:ext uri="{BB962C8B-B14F-4D97-AF65-F5344CB8AC3E}">
-        <p14:creationId xmlns:p14="http://schemas.microsoft.com/office/powerpoint/2010/main" val="3679811016"/>
-      </p:ext>
-    </p:extLst>
-  </p:cSld>
-  <p:clrMapOvr>
-    <a:masterClrMapping/>
-  </p:clrMapOvr>
-</p:sld>
-</file>
-
 <file path=ppt/slides/slide13.xml><?xml version="1.0" encoding="utf-8"?>
 <p:sld xmlns:a="http://schemas.openxmlformats.org/drawingml/2006/main" xmlns:r="http://schemas.openxmlformats.org/officeDocument/2006/relationships" xmlns:p="http://schemas.openxmlformats.org/presentationml/2006/main">
   <p:cSld>
@@ -5822,13 +9267,13 @@
             </p:nvSpPr>
             <p:spPr>
               <a:xfrm>
-                <a:off x="4629150" y="1825624"/>
-                <a:ext cx="7381876" cy="5032375"/>
+                <a:off x="4975123" y="1825624"/>
+                <a:ext cx="7035902" cy="5032375"/>
               </a:xfrm>
             </p:spPr>
             <p:txBody>
               <a:bodyPr>
-                <a:normAutofit lnSpcReduction="10000"/>
+                <a:normAutofit fontScale="92500" lnSpcReduction="10000"/>
               </a:bodyPr>
               <a:lstStyle/>
               <a:p>
@@ -5846,13 +9291,13 @@
                 </a:r>
                 <a:r>
                   <a:rPr lang="pt-BR" dirty="0"/>
-                  <a:t> cães e gatos fazendo com que o rótulo seja um vetor contendo a saída desejada do conjunto dos neurônios da camada de saída. </a:t>
+                  <a:t> cães e gatos fazendo com que o rótulo de uma imagem seja um vetor contendo a saída desejada de cada um dos neurônios da camada de saída. </a:t>
                 </a:r>
               </a:p>
               <a:p>
                 <a:r>
                   <a:rPr lang="pt-BR" dirty="0"/>
-                  <a:t>Portanto, se o primeiro neurônio da camada de saída representa um gato e o segundo um cachorro, podemos dizer que o rótulo (i.e., saída esperada) para imagens de gatos é dado pelo vetor </a:t>
+                  <a:t>Portanto, se o primeiro neurônio da camada de saída representa gatos e o segundo cães, podemos dizer que o rótulo (i.e., saída esperada) para imagens de gatos é dado pelo vetor </a:t>
                 </a:r>
                 <a14:m>
                   <m:oMath xmlns:m="http://schemas.openxmlformats.org/officeDocument/2006/math">
@@ -6047,13 +9492,13 @@
             </p:nvSpPr>
             <p:spPr>
               <a:xfrm>
-                <a:off x="4629150" y="1825624"/>
-                <a:ext cx="7381876" cy="5032375"/>
+                <a:off x="4975123" y="1825624"/>
+                <a:ext cx="7035902" cy="5032375"/>
               </a:xfrm>
               <a:blipFill>
                 <a:blip r:embed="rId2"/>
                 <a:stretch>
-                  <a:fillRect l="-1486" t="-2663" r="-2560" b="-1211"/>
+                  <a:fillRect l="-1300" t="-2421" r="-2080"/>
                 </a:stretch>
               </a:blipFill>
             </p:spPr>
@@ -6099,7 +9544,7 @@
         </p:blipFill>
         <p:spPr bwMode="auto">
           <a:xfrm>
-            <a:off x="838200" y="3091689"/>
+            <a:off x="1034846" y="3052361"/>
             <a:ext cx="939926" cy="905162"/>
           </a:xfrm>
           <a:prstGeom prst="rect">
@@ -6144,7 +9589,7 @@
         </p:blipFill>
         <p:spPr bwMode="auto">
           <a:xfrm>
-            <a:off x="838200" y="4185224"/>
+            <a:off x="1034846" y="4145896"/>
             <a:ext cx="939926" cy="996505"/>
           </a:xfrm>
           <a:prstGeom prst="rect">
@@ -6178,7 +9623,7 @@
             </p:nvSpPr>
             <p:spPr>
               <a:xfrm>
-                <a:off x="2419350" y="3221104"/>
+                <a:off x="2615996" y="3181776"/>
                 <a:ext cx="1257300" cy="461665"/>
               </a:xfrm>
               <a:prstGeom prst="rect">
@@ -6192,6 +9637,7 @@
               </a:bodyPr>
               <a:lstStyle/>
               <a:p>
+                <a:pPr/>
                 <a14:m>
                   <m:oMathPara xmlns:m="http://schemas.openxmlformats.org/officeDocument/2006/math">
                     <m:oMathParaPr>
@@ -6234,7 +9680,13 @@
                                   <a:rPr lang="pt-BR" sz="2400" b="0" i="1" smtClean="0">
                                     <a:latin typeface="Cambria Math" panose="02040503050406030204" pitchFamily="18" charset="0"/>
                                   </a:rPr>
-                                  <m:t>1,</m:t>
+                                  <m:t>1</m:t>
+                                </m:r>
+                                <m:r>
+                                  <a:rPr lang="pt-BR" sz="2400" b="0" i="1" smtClean="0">
+                                    <a:latin typeface="Cambria Math" panose="02040503050406030204" pitchFamily="18" charset="0"/>
+                                  </a:rPr>
+                                  <m:t>,</m:t>
                                 </m:r>
                               </m:e>
                               <m:e>
@@ -6274,7 +9726,7 @@
             </p:nvSpPr>
             <p:spPr>
               <a:xfrm>
-                <a:off x="2419350" y="3221104"/>
+                <a:off x="2615996" y="3181776"/>
                 <a:ext cx="1257300" cy="461665"/>
               </a:xfrm>
               <a:prstGeom prst="rect">
@@ -6318,7 +9770,7 @@
             </p:nvSpPr>
             <p:spPr>
               <a:xfrm>
-                <a:off x="2419350" y="4452643"/>
+                <a:off x="2615996" y="4413315"/>
                 <a:ext cx="1257300" cy="461665"/>
               </a:xfrm>
               <a:prstGeom prst="rect">
@@ -6332,6 +9784,7 @@
               </a:bodyPr>
               <a:lstStyle/>
               <a:p>
+                <a:pPr/>
                 <a14:m>
                   <m:oMathPara xmlns:m="http://schemas.openxmlformats.org/officeDocument/2006/math">
                     <m:oMathParaPr>
@@ -6374,7 +9827,13 @@
                                   <a:rPr lang="pt-BR" sz="2400" b="0" i="1" smtClean="0">
                                     <a:latin typeface="Cambria Math" panose="02040503050406030204" pitchFamily="18" charset="0"/>
                                   </a:rPr>
-                                  <m:t>0,</m:t>
+                                  <m:t>0</m:t>
+                                </m:r>
+                                <m:r>
+                                  <a:rPr lang="pt-BR" sz="2400" b="0" i="1" smtClean="0">
+                                    <a:latin typeface="Cambria Math" panose="02040503050406030204" pitchFamily="18" charset="0"/>
+                                  </a:rPr>
+                                  <m:t>,</m:t>
                                 </m:r>
                               </m:e>
                               <m:e>
@@ -6414,7 +9873,7 @@
             </p:nvSpPr>
             <p:spPr>
               <a:xfrm>
-                <a:off x="2419350" y="4452643"/>
+                <a:off x="2615996" y="4413315"/>
                 <a:ext cx="1257300" cy="461665"/>
               </a:xfrm>
               <a:prstGeom prst="rect">
@@ -6456,7 +9915,7 @@
         </p:nvSpPr>
         <p:spPr>
           <a:xfrm>
-            <a:off x="838200" y="2360571"/>
+            <a:off x="1034846" y="2321243"/>
             <a:ext cx="1066800" cy="646331"/>
           </a:xfrm>
           <a:prstGeom prst="rect">
@@ -6492,7 +9951,7 @@
         </p:nvSpPr>
         <p:spPr>
           <a:xfrm>
-            <a:off x="2514600" y="2471499"/>
+            <a:off x="2711246" y="2432171"/>
             <a:ext cx="1066800" cy="369332"/>
           </a:xfrm>
           <a:prstGeom prst="rect">
@@ -6549,6 +10008,980 @@
           <p:cNvPr id="2" name="Título 1">
             <a:extLst>
               <a:ext uri="{FF2B5EF4-FFF2-40B4-BE49-F238E27FC236}">
+                <a16:creationId xmlns:a16="http://schemas.microsoft.com/office/drawing/2014/main" id="{0332E1A5-3D55-B360-D90E-0CF1011D6522}"/>
+              </a:ext>
+            </a:extLst>
+          </p:cNvPr>
+          <p:cNvSpPr>
+            <a:spLocks noGrp="1"/>
+          </p:cNvSpPr>
+          <p:nvPr>
+            <p:ph type="title"/>
+          </p:nvPr>
+        </p:nvSpPr>
+        <p:spPr/>
+        <p:txBody>
+          <a:bodyPr/>
+          <a:lstStyle/>
+          <a:p>
+            <a:r>
+              <a:rPr lang="pt-BR" dirty="0"/>
+              <a:t>Classificação com redes neurais</a:t>
+            </a:r>
+          </a:p>
+        </p:txBody>
+      </p:sp>
+      <p:sp>
+        <p:nvSpPr>
+          <p:cNvPr id="3" name="Espaço Reservado para Conteúdo 2">
+            <a:extLst>
+              <a:ext uri="{FF2B5EF4-FFF2-40B4-BE49-F238E27FC236}">
+                <a16:creationId xmlns:a16="http://schemas.microsoft.com/office/drawing/2014/main" id="{48DAA581-3A7E-0B32-1ADD-2D93D56A4517}"/>
+              </a:ext>
+            </a:extLst>
+          </p:cNvPr>
+          <p:cNvSpPr>
+            <a:spLocks noGrp="1"/>
+          </p:cNvSpPr>
+          <p:nvPr>
+            <p:ph idx="1"/>
+          </p:nvPr>
+        </p:nvSpPr>
+        <p:spPr>
+          <a:xfrm>
+            <a:off x="953729" y="1825624"/>
+            <a:ext cx="10515600" cy="5032375"/>
+          </a:xfrm>
+        </p:spPr>
+        <p:txBody>
+          <a:bodyPr/>
+          <a:lstStyle/>
+          <a:p>
+            <a:r>
+              <a:rPr lang="pt-BR" dirty="0"/>
+              <a:t>E se quiséssemos usar uma rede neural para reconhecer dígitos escritos à mão?</a:t>
+            </a:r>
+          </a:p>
+          <a:p>
+            <a:r>
+              <a:rPr lang="pt-BR" dirty="0"/>
+              <a:t>Quantos neurônios seriam necessários na camada de saída?</a:t>
+            </a:r>
+          </a:p>
+          <a:p>
+            <a:r>
+              <a:rPr lang="pt-BR" dirty="0"/>
+              <a:t>Como seria a codificação </a:t>
+            </a:r>
+            <a:r>
+              <a:rPr lang="pt-BR" b="1" i="1" dirty="0" err="1"/>
+              <a:t>one</a:t>
+            </a:r>
+            <a:r>
+              <a:rPr lang="pt-BR" b="1" i="1" dirty="0"/>
+              <a:t>-hot </a:t>
+            </a:r>
+            <a:r>
+              <a:rPr lang="pt-BR" dirty="0"/>
+              <a:t>dos rótulos?</a:t>
+            </a:r>
+          </a:p>
+        </p:txBody>
+      </p:sp>
+    </p:spTree>
+    <p:extLst>
+      <p:ext uri="{BB962C8B-B14F-4D97-AF65-F5344CB8AC3E}">
+        <p14:creationId xmlns:p14="http://schemas.microsoft.com/office/powerpoint/2010/main" val="3679811016"/>
+      </p:ext>
+    </p:extLst>
+  </p:cSld>
+  <p:clrMapOvr>
+    <a:masterClrMapping/>
+  </p:clrMapOvr>
+</p:sld>
+</file>
+
+<file path=ppt/slides/slide15.xml><?xml version="1.0" encoding="utf-8"?>
+<p:sld xmlns:a="http://schemas.openxmlformats.org/drawingml/2006/main" xmlns:r="http://schemas.openxmlformats.org/officeDocument/2006/relationships" xmlns:p="http://schemas.openxmlformats.org/presentationml/2006/main">
+  <p:cSld>
+    <p:spTree>
+      <p:nvGrpSpPr>
+        <p:cNvPr id="1" name=""/>
+        <p:cNvGrpSpPr/>
+        <p:nvPr/>
+      </p:nvGrpSpPr>
+      <p:grpSpPr>
+        <a:xfrm>
+          <a:off x="0" y="0"/>
+          <a:ext cx="0" cy="0"/>
+          <a:chOff x="0" y="0"/>
+          <a:chExt cx="0" cy="0"/>
+        </a:xfrm>
+      </p:grpSpPr>
+      <p:sp>
+        <p:nvSpPr>
+          <p:cNvPr id="2" name="Título 1">
+            <a:extLst>
+              <a:ext uri="{FF2B5EF4-FFF2-40B4-BE49-F238E27FC236}">
+                <a16:creationId xmlns:a16="http://schemas.microsoft.com/office/drawing/2014/main" id="{0F6D3922-9733-83FC-7A57-82C153AFF0BA}"/>
+              </a:ext>
+            </a:extLst>
+          </p:cNvPr>
+          <p:cNvSpPr>
+            <a:spLocks noGrp="1"/>
+          </p:cNvSpPr>
+          <p:nvPr>
+            <p:ph type="title"/>
+          </p:nvPr>
+        </p:nvSpPr>
+        <p:spPr/>
+        <p:txBody>
+          <a:bodyPr/>
+          <a:lstStyle/>
+          <a:p>
+            <a:r>
+              <a:rPr lang="pt-BR" dirty="0"/>
+              <a:t>Classificação com redes neurais</a:t>
+            </a:r>
+          </a:p>
+        </p:txBody>
+      </p:sp>
+      <mc:AlternateContent xmlns:mc="http://schemas.openxmlformats.org/markup-compatibility/2006">
+        <mc:Choice xmlns:a14="http://schemas.microsoft.com/office/drawing/2010/main" Requires="a14">
+          <p:sp>
+            <p:nvSpPr>
+              <p:cNvPr id="3" name="Espaço Reservado para Conteúdo 2">
+                <a:extLst>
+                  <a:ext uri="{FF2B5EF4-FFF2-40B4-BE49-F238E27FC236}">
+                    <a16:creationId xmlns:a16="http://schemas.microsoft.com/office/drawing/2014/main" id="{AF857F59-880E-97EB-F879-5FE799FFB381}"/>
+                  </a:ext>
+                </a:extLst>
+              </p:cNvPr>
+              <p:cNvSpPr>
+                <a:spLocks noGrp="1"/>
+              </p:cNvSpPr>
+              <p:nvPr>
+                <p:ph idx="1"/>
+              </p:nvPr>
+            </p:nvSpPr>
+            <p:spPr>
+              <a:xfrm>
+                <a:off x="5751871" y="1825624"/>
+                <a:ext cx="6259154" cy="5032375"/>
+              </a:xfrm>
+            </p:spPr>
+            <p:txBody>
+              <a:bodyPr>
+                <a:normAutofit/>
+              </a:bodyPr>
+              <a:lstStyle/>
+              <a:p>
+                <a:r>
+                  <a:rPr lang="pt-BR" dirty="0"/>
+                  <a:t>Precisaríamos de 10 neurônios, 1 para cada um dos 10 possíveis dígitos (0 a 9).</a:t>
+                </a:r>
+              </a:p>
+              <a:p>
+                <a:r>
+                  <a:rPr lang="pt-BR" dirty="0"/>
+                  <a:t>O rótulo seria um vetor com 10 elementos.</a:t>
+                </a:r>
+              </a:p>
+              <a:p>
+                <a:r>
+                  <a:rPr lang="pt-BR" dirty="0"/>
+                  <a:t>Porém, apenas um dos elementos seria diferente de 0, aquele que identifica a qual dígito </a:t>
+                </a:r>
+                <a14:m>
+                  <m:oMath xmlns:m="http://schemas.openxmlformats.org/officeDocument/2006/math">
+                    <m:r>
+                      <a:rPr lang="pt-BR" b="1" i="1" smtClean="0">
+                        <a:latin typeface="Cambria Math" panose="02040503050406030204" pitchFamily="18" charset="0"/>
+                      </a:rPr>
+                      <m:t>𝒙</m:t>
+                    </m:r>
+                  </m:oMath>
+                </a14:m>
+                <a:r>
+                  <a:rPr lang="pt-BR" dirty="0"/>
+                  <a:t> pertence.</a:t>
+                </a:r>
+              </a:p>
+              <a:p>
+                <a:r>
+                  <a:rPr lang="pt-BR" dirty="0"/>
+                  <a:t>Vejamos na sequência um código que usa uma rede neural para reconhecer dígitos escritos à mão.</a:t>
+                </a:r>
+              </a:p>
+              <a:p>
+                <a:pPr marL="0" indent="0">
+                  <a:buNone/>
+                </a:pPr>
+                <a:endParaRPr lang="pt-BR" dirty="0"/>
+              </a:p>
+            </p:txBody>
+          </p:sp>
+        </mc:Choice>
+        <mc:Fallback>
+          <p:sp>
+            <p:nvSpPr>
+              <p:cNvPr id="3" name="Espaço Reservado para Conteúdo 2">
+                <a:extLst>
+                  <a:ext uri="{FF2B5EF4-FFF2-40B4-BE49-F238E27FC236}">
+                    <a16:creationId xmlns:a16="http://schemas.microsoft.com/office/drawing/2014/main" id="{AF857F59-880E-97EB-F879-5FE799FFB381}"/>
+                  </a:ext>
+                </a:extLst>
+              </p:cNvPr>
+              <p:cNvSpPr>
+                <a:spLocks noGrp="1" noRot="1" noChangeAspect="1" noMove="1" noResize="1" noEditPoints="1" noAdjustHandles="1" noChangeArrowheads="1" noChangeShapeType="1" noTextEdit="1"/>
+              </p:cNvSpPr>
+              <p:nvPr>
+                <p:ph idx="1"/>
+              </p:nvPr>
+            </p:nvSpPr>
+            <p:spPr>
+              <a:xfrm>
+                <a:off x="5751871" y="1825624"/>
+                <a:ext cx="6259154" cy="5032375"/>
+              </a:xfrm>
+              <a:blipFill>
+                <a:blip r:embed="rId2"/>
+                <a:stretch>
+                  <a:fillRect l="-1754" t="-1937" r="-585"/>
+                </a:stretch>
+              </a:blipFill>
+            </p:spPr>
+            <p:txBody>
+              <a:bodyPr/>
+              <a:lstStyle/>
+              <a:p>
+                <a:r>
+                  <a:rPr lang="pt-BR">
+                    <a:noFill/>
+                  </a:rPr>
+                  <a:t> </a:t>
+                </a:r>
+              </a:p>
+            </p:txBody>
+          </p:sp>
+        </mc:Fallback>
+      </mc:AlternateContent>
+      <mc:AlternateContent xmlns:mc="http://schemas.openxmlformats.org/markup-compatibility/2006">
+        <mc:Choice xmlns:a14="http://schemas.microsoft.com/office/drawing/2010/main" Requires="a14">
+          <p:sp>
+            <p:nvSpPr>
+              <p:cNvPr id="10" name="CaixaDeTexto 9">
+                <a:extLst>
+                  <a:ext uri="{FF2B5EF4-FFF2-40B4-BE49-F238E27FC236}">
+                    <a16:creationId xmlns:a16="http://schemas.microsoft.com/office/drawing/2014/main" id="{081AC0C9-BDE7-117D-EAA0-B22F49BEDC83}"/>
+                  </a:ext>
+                </a:extLst>
+              </p:cNvPr>
+              <p:cNvSpPr txBox="1"/>
+              <p:nvPr/>
+            </p:nvSpPr>
+            <p:spPr>
+              <a:xfrm>
+                <a:off x="993059" y="2022269"/>
+                <a:ext cx="4886632" cy="4401205"/>
+              </a:xfrm>
+              <a:prstGeom prst="rect">
+                <a:avLst/>
+              </a:prstGeom>
+              <a:noFill/>
+            </p:spPr>
+            <p:txBody>
+              <a:bodyPr wrap="square" rtlCol="0">
+                <a:spAutoFit/>
+              </a:bodyPr>
+              <a:lstStyle/>
+              <a:p>
+                <a:r>
+                  <a:rPr lang="pt-BR" sz="2800" dirty="0"/>
+                  <a:t>0 </a:t>
+                </a:r>
+                <a14:m>
+                  <m:oMath xmlns:m="http://schemas.openxmlformats.org/officeDocument/2006/math">
+                    <m:r>
+                      <a:rPr lang="pt-BR" sz="2800" i="1" smtClean="0">
+                        <a:latin typeface="Cambria Math" panose="02040503050406030204" pitchFamily="18" charset="0"/>
+                        <a:ea typeface="Cambria Math" panose="02040503050406030204" pitchFamily="18" charset="0"/>
+                      </a:rPr>
+                      <m:t>→</m:t>
+                    </m:r>
+                    <m:d>
+                      <m:dPr>
+                        <m:begChr m:val="["/>
+                        <m:endChr m:val="]"/>
+                        <m:ctrlPr>
+                          <a:rPr lang="pt-BR" sz="2800" i="1" smtClean="0">
+                            <a:latin typeface="Cambria Math" panose="02040503050406030204" pitchFamily="18" charset="0"/>
+                          </a:rPr>
+                        </m:ctrlPr>
+                      </m:dPr>
+                      <m:e>
+                        <m:r>
+                          <a:rPr lang="pt-BR" sz="2800" b="0" i="1" smtClean="0">
+                            <a:latin typeface="Cambria Math" panose="02040503050406030204" pitchFamily="18" charset="0"/>
+                          </a:rPr>
+                          <m:t>1, 0, 0, 0, 0, 0, 0, 0, 0, 0</m:t>
+                        </m:r>
+                      </m:e>
+                    </m:d>
+                  </m:oMath>
+                </a14:m>
+                <a:endParaRPr lang="pt-BR" sz="2800" dirty="0"/>
+              </a:p>
+              <a:p>
+                <a:r>
+                  <a:rPr lang="pt-BR" sz="2800" dirty="0"/>
+                  <a:t>1 </a:t>
+                </a:r>
+                <a14:m>
+                  <m:oMath xmlns:m="http://schemas.openxmlformats.org/officeDocument/2006/math">
+                    <m:r>
+                      <a:rPr lang="pt-BR" sz="2800" i="1">
+                        <a:latin typeface="Cambria Math" panose="02040503050406030204" pitchFamily="18" charset="0"/>
+                        <a:ea typeface="Cambria Math" panose="02040503050406030204" pitchFamily="18" charset="0"/>
+                      </a:rPr>
+                      <m:t>→</m:t>
+                    </m:r>
+                  </m:oMath>
+                </a14:m>
+                <a:r>
+                  <a:rPr lang="pt-BR" sz="2800" dirty="0"/>
+                  <a:t> </a:t>
+                </a:r>
+                <a14:m>
+                  <m:oMath xmlns:m="http://schemas.openxmlformats.org/officeDocument/2006/math">
+                    <m:d>
+                      <m:dPr>
+                        <m:begChr m:val="["/>
+                        <m:endChr m:val="]"/>
+                        <m:ctrlPr>
+                          <a:rPr lang="pt-BR" sz="2800" i="1" smtClean="0">
+                            <a:latin typeface="Cambria Math" panose="02040503050406030204" pitchFamily="18" charset="0"/>
+                          </a:rPr>
+                        </m:ctrlPr>
+                      </m:dPr>
+                      <m:e>
+                        <m:r>
+                          <a:rPr lang="pt-BR" sz="2800" b="0" i="1" smtClean="0">
+                            <a:latin typeface="Cambria Math" panose="02040503050406030204" pitchFamily="18" charset="0"/>
+                          </a:rPr>
+                          <m:t>0</m:t>
+                        </m:r>
+                        <m:r>
+                          <a:rPr lang="pt-BR" sz="2800" b="0" i="1" smtClean="0">
+                            <a:latin typeface="Cambria Math" panose="02040503050406030204" pitchFamily="18" charset="0"/>
+                          </a:rPr>
+                          <m:t>, </m:t>
+                        </m:r>
+                        <m:r>
+                          <a:rPr lang="pt-BR" sz="2800" b="0" i="1" smtClean="0">
+                            <a:latin typeface="Cambria Math" panose="02040503050406030204" pitchFamily="18" charset="0"/>
+                          </a:rPr>
+                          <m:t>1</m:t>
+                        </m:r>
+                        <m:r>
+                          <a:rPr lang="pt-BR" sz="2800" b="0" i="1" smtClean="0">
+                            <a:latin typeface="Cambria Math" panose="02040503050406030204" pitchFamily="18" charset="0"/>
+                          </a:rPr>
+                          <m:t>, 0, 0, 0, 0, 0, 0, 0, 0</m:t>
+                        </m:r>
+                      </m:e>
+                    </m:d>
+                  </m:oMath>
+                </a14:m>
+                <a:endParaRPr lang="pt-BR" sz="2800" dirty="0"/>
+              </a:p>
+              <a:p>
+                <a:r>
+                  <a:rPr lang="pt-BR" sz="2800" dirty="0"/>
+                  <a:t>2 </a:t>
+                </a:r>
+                <a14:m>
+                  <m:oMath xmlns:m="http://schemas.openxmlformats.org/officeDocument/2006/math">
+                    <m:r>
+                      <a:rPr lang="pt-BR" sz="2800" i="1">
+                        <a:latin typeface="Cambria Math" panose="02040503050406030204" pitchFamily="18" charset="0"/>
+                        <a:ea typeface="Cambria Math" panose="02040503050406030204" pitchFamily="18" charset="0"/>
+                      </a:rPr>
+                      <m:t>→</m:t>
+                    </m:r>
+                  </m:oMath>
+                </a14:m>
+                <a:r>
+                  <a:rPr lang="pt-BR" sz="2800" dirty="0"/>
+                  <a:t> </a:t>
+                </a:r>
+                <a14:m>
+                  <m:oMath xmlns:m="http://schemas.openxmlformats.org/officeDocument/2006/math">
+                    <m:d>
+                      <m:dPr>
+                        <m:begChr m:val="["/>
+                        <m:endChr m:val="]"/>
+                        <m:ctrlPr>
+                          <a:rPr lang="pt-BR" sz="2800" i="1" smtClean="0">
+                            <a:latin typeface="Cambria Math" panose="02040503050406030204" pitchFamily="18" charset="0"/>
+                          </a:rPr>
+                        </m:ctrlPr>
+                      </m:dPr>
+                      <m:e>
+                        <m:r>
+                          <a:rPr lang="pt-BR" sz="2800" b="0" i="1" smtClean="0">
+                            <a:latin typeface="Cambria Math" panose="02040503050406030204" pitchFamily="18" charset="0"/>
+                          </a:rPr>
+                          <m:t>0</m:t>
+                        </m:r>
+                        <m:r>
+                          <a:rPr lang="pt-BR" sz="2800" b="0" i="1" smtClean="0">
+                            <a:latin typeface="Cambria Math" panose="02040503050406030204" pitchFamily="18" charset="0"/>
+                          </a:rPr>
+                          <m:t>, 0, </m:t>
+                        </m:r>
+                        <m:r>
+                          <a:rPr lang="pt-BR" sz="2800" b="0" i="1" smtClean="0">
+                            <a:latin typeface="Cambria Math" panose="02040503050406030204" pitchFamily="18" charset="0"/>
+                          </a:rPr>
+                          <m:t>1</m:t>
+                        </m:r>
+                        <m:r>
+                          <a:rPr lang="pt-BR" sz="2800" b="0" i="1" smtClean="0">
+                            <a:latin typeface="Cambria Math" panose="02040503050406030204" pitchFamily="18" charset="0"/>
+                          </a:rPr>
+                          <m:t>, 0, 0, 0, 0, 0, 0, 0</m:t>
+                        </m:r>
+                      </m:e>
+                    </m:d>
+                  </m:oMath>
+                </a14:m>
+                <a:endParaRPr lang="pt-BR" sz="2800" dirty="0"/>
+              </a:p>
+              <a:p>
+                <a:r>
+                  <a:rPr lang="pt-BR" sz="2800" dirty="0"/>
+                  <a:t>3 </a:t>
+                </a:r>
+                <a14:m>
+                  <m:oMath xmlns:m="http://schemas.openxmlformats.org/officeDocument/2006/math">
+                    <m:r>
+                      <a:rPr lang="pt-BR" sz="2800" i="1">
+                        <a:latin typeface="Cambria Math" panose="02040503050406030204" pitchFamily="18" charset="0"/>
+                        <a:ea typeface="Cambria Math" panose="02040503050406030204" pitchFamily="18" charset="0"/>
+                      </a:rPr>
+                      <m:t>→</m:t>
+                    </m:r>
+                  </m:oMath>
+                </a14:m>
+                <a:r>
+                  <a:rPr lang="pt-BR" sz="2800" dirty="0"/>
+                  <a:t> </a:t>
+                </a:r>
+                <a14:m>
+                  <m:oMath xmlns:m="http://schemas.openxmlformats.org/officeDocument/2006/math">
+                    <m:d>
+                      <m:dPr>
+                        <m:begChr m:val="["/>
+                        <m:endChr m:val="]"/>
+                        <m:ctrlPr>
+                          <a:rPr lang="pt-BR" sz="2800" i="1" smtClean="0">
+                            <a:latin typeface="Cambria Math" panose="02040503050406030204" pitchFamily="18" charset="0"/>
+                          </a:rPr>
+                        </m:ctrlPr>
+                      </m:dPr>
+                      <m:e>
+                        <m:r>
+                          <a:rPr lang="pt-BR" sz="2800" b="0" i="1" smtClean="0">
+                            <a:latin typeface="Cambria Math" panose="02040503050406030204" pitchFamily="18" charset="0"/>
+                          </a:rPr>
+                          <m:t>0</m:t>
+                        </m:r>
+                        <m:r>
+                          <a:rPr lang="pt-BR" sz="2800" b="0" i="1" smtClean="0">
+                            <a:latin typeface="Cambria Math" panose="02040503050406030204" pitchFamily="18" charset="0"/>
+                          </a:rPr>
+                          <m:t>, 0, 0, </m:t>
+                        </m:r>
+                        <m:r>
+                          <a:rPr lang="pt-BR" sz="2800" b="0" i="1" smtClean="0">
+                            <a:latin typeface="Cambria Math" panose="02040503050406030204" pitchFamily="18" charset="0"/>
+                          </a:rPr>
+                          <m:t>1</m:t>
+                        </m:r>
+                        <m:r>
+                          <a:rPr lang="pt-BR" sz="2800" b="0" i="1" smtClean="0">
+                            <a:latin typeface="Cambria Math" panose="02040503050406030204" pitchFamily="18" charset="0"/>
+                          </a:rPr>
+                          <m:t>, 0, 0, 0, 0, 0, 0</m:t>
+                        </m:r>
+                      </m:e>
+                    </m:d>
+                  </m:oMath>
+                </a14:m>
+                <a:endParaRPr lang="pt-BR" sz="2800" dirty="0"/>
+              </a:p>
+              <a:p>
+                <a:r>
+                  <a:rPr lang="pt-BR" sz="2800" dirty="0"/>
+                  <a:t>4 </a:t>
+                </a:r>
+                <a14:m>
+                  <m:oMath xmlns:m="http://schemas.openxmlformats.org/officeDocument/2006/math">
+                    <m:r>
+                      <a:rPr lang="pt-BR" sz="2800" i="1">
+                        <a:latin typeface="Cambria Math" panose="02040503050406030204" pitchFamily="18" charset="0"/>
+                        <a:ea typeface="Cambria Math" panose="02040503050406030204" pitchFamily="18" charset="0"/>
+                      </a:rPr>
+                      <m:t>→</m:t>
+                    </m:r>
+                  </m:oMath>
+                </a14:m>
+                <a:r>
+                  <a:rPr lang="pt-BR" sz="2800" dirty="0"/>
+                  <a:t> </a:t>
+                </a:r>
+                <a14:m>
+                  <m:oMath xmlns:m="http://schemas.openxmlformats.org/officeDocument/2006/math">
+                    <m:d>
+                      <m:dPr>
+                        <m:begChr m:val="["/>
+                        <m:endChr m:val="]"/>
+                        <m:ctrlPr>
+                          <a:rPr lang="pt-BR" sz="2800" i="1" smtClean="0">
+                            <a:latin typeface="Cambria Math" panose="02040503050406030204" pitchFamily="18" charset="0"/>
+                          </a:rPr>
+                        </m:ctrlPr>
+                      </m:dPr>
+                      <m:e>
+                        <m:r>
+                          <a:rPr lang="pt-BR" sz="2800" b="0" i="1" smtClean="0">
+                            <a:latin typeface="Cambria Math" panose="02040503050406030204" pitchFamily="18" charset="0"/>
+                          </a:rPr>
+                          <m:t>0</m:t>
+                        </m:r>
+                        <m:r>
+                          <a:rPr lang="pt-BR" sz="2800" b="0" i="1" smtClean="0">
+                            <a:latin typeface="Cambria Math" panose="02040503050406030204" pitchFamily="18" charset="0"/>
+                          </a:rPr>
+                          <m:t>, 0, 0, 0, </m:t>
+                        </m:r>
+                        <m:r>
+                          <a:rPr lang="pt-BR" sz="2800" b="0" i="1" smtClean="0">
+                            <a:latin typeface="Cambria Math" panose="02040503050406030204" pitchFamily="18" charset="0"/>
+                          </a:rPr>
+                          <m:t>1</m:t>
+                        </m:r>
+                        <m:r>
+                          <a:rPr lang="pt-BR" sz="2800" b="0" i="1" smtClean="0">
+                            <a:latin typeface="Cambria Math" panose="02040503050406030204" pitchFamily="18" charset="0"/>
+                          </a:rPr>
+                          <m:t>, 0, 0, 0, 0, 0</m:t>
+                        </m:r>
+                      </m:e>
+                    </m:d>
+                  </m:oMath>
+                </a14:m>
+                <a:endParaRPr lang="pt-BR" sz="2800" dirty="0"/>
+              </a:p>
+              <a:p>
+                <a:r>
+                  <a:rPr lang="pt-BR" sz="2800" dirty="0"/>
+                  <a:t>5 </a:t>
+                </a:r>
+                <a14:m>
+                  <m:oMath xmlns:m="http://schemas.openxmlformats.org/officeDocument/2006/math">
+                    <m:r>
+                      <a:rPr lang="pt-BR" sz="2800" i="1">
+                        <a:latin typeface="Cambria Math" panose="02040503050406030204" pitchFamily="18" charset="0"/>
+                        <a:ea typeface="Cambria Math" panose="02040503050406030204" pitchFamily="18" charset="0"/>
+                      </a:rPr>
+                      <m:t>→</m:t>
+                    </m:r>
+                  </m:oMath>
+                </a14:m>
+                <a:r>
+                  <a:rPr lang="pt-BR" sz="2800" dirty="0"/>
+                  <a:t> </a:t>
+                </a:r>
+                <a14:m>
+                  <m:oMath xmlns:m="http://schemas.openxmlformats.org/officeDocument/2006/math">
+                    <m:d>
+                      <m:dPr>
+                        <m:begChr m:val="["/>
+                        <m:endChr m:val="]"/>
+                        <m:ctrlPr>
+                          <a:rPr lang="pt-BR" sz="2800" i="1" smtClean="0">
+                            <a:latin typeface="Cambria Math" panose="02040503050406030204" pitchFamily="18" charset="0"/>
+                          </a:rPr>
+                        </m:ctrlPr>
+                      </m:dPr>
+                      <m:e>
+                        <m:r>
+                          <a:rPr lang="pt-BR" sz="2800" b="0" i="1" smtClean="0">
+                            <a:latin typeface="Cambria Math" panose="02040503050406030204" pitchFamily="18" charset="0"/>
+                          </a:rPr>
+                          <m:t>0</m:t>
+                        </m:r>
+                        <m:r>
+                          <a:rPr lang="pt-BR" sz="2800" b="0" i="1" smtClean="0">
+                            <a:latin typeface="Cambria Math" panose="02040503050406030204" pitchFamily="18" charset="0"/>
+                          </a:rPr>
+                          <m:t>, 0, 0, 0, 0, </m:t>
+                        </m:r>
+                        <m:r>
+                          <a:rPr lang="pt-BR" sz="2800" b="0" i="1" smtClean="0">
+                            <a:latin typeface="Cambria Math" panose="02040503050406030204" pitchFamily="18" charset="0"/>
+                          </a:rPr>
+                          <m:t>1</m:t>
+                        </m:r>
+                        <m:r>
+                          <a:rPr lang="pt-BR" sz="2800" b="0" i="1" smtClean="0">
+                            <a:latin typeface="Cambria Math" panose="02040503050406030204" pitchFamily="18" charset="0"/>
+                          </a:rPr>
+                          <m:t>, 0, 0, 0, 0</m:t>
+                        </m:r>
+                      </m:e>
+                    </m:d>
+                  </m:oMath>
+                </a14:m>
+                <a:endParaRPr lang="pt-BR" sz="2800" dirty="0"/>
+              </a:p>
+              <a:p>
+                <a:r>
+                  <a:rPr lang="pt-BR" sz="2800" dirty="0"/>
+                  <a:t>6 </a:t>
+                </a:r>
+                <a14:m>
+                  <m:oMath xmlns:m="http://schemas.openxmlformats.org/officeDocument/2006/math">
+                    <m:r>
+                      <a:rPr lang="pt-BR" sz="2800" i="1">
+                        <a:latin typeface="Cambria Math" panose="02040503050406030204" pitchFamily="18" charset="0"/>
+                        <a:ea typeface="Cambria Math" panose="02040503050406030204" pitchFamily="18" charset="0"/>
+                      </a:rPr>
+                      <m:t>→</m:t>
+                    </m:r>
+                  </m:oMath>
+                </a14:m>
+                <a:r>
+                  <a:rPr lang="pt-BR" sz="2800" dirty="0"/>
+                  <a:t> </a:t>
+                </a:r>
+                <a14:m>
+                  <m:oMath xmlns:m="http://schemas.openxmlformats.org/officeDocument/2006/math">
+                    <m:d>
+                      <m:dPr>
+                        <m:begChr m:val="["/>
+                        <m:endChr m:val="]"/>
+                        <m:ctrlPr>
+                          <a:rPr lang="pt-BR" sz="2800" i="1" smtClean="0">
+                            <a:latin typeface="Cambria Math" panose="02040503050406030204" pitchFamily="18" charset="0"/>
+                          </a:rPr>
+                        </m:ctrlPr>
+                      </m:dPr>
+                      <m:e>
+                        <m:r>
+                          <a:rPr lang="pt-BR" sz="2800" b="0" i="1" smtClean="0">
+                            <a:latin typeface="Cambria Math" panose="02040503050406030204" pitchFamily="18" charset="0"/>
+                          </a:rPr>
+                          <m:t>0</m:t>
+                        </m:r>
+                        <m:r>
+                          <a:rPr lang="pt-BR" sz="2800" b="0" i="1" smtClean="0">
+                            <a:latin typeface="Cambria Math" panose="02040503050406030204" pitchFamily="18" charset="0"/>
+                          </a:rPr>
+                          <m:t>, 0, 0, 0, 0, 0, </m:t>
+                        </m:r>
+                        <m:r>
+                          <a:rPr lang="pt-BR" sz="2800" b="0" i="1" smtClean="0">
+                            <a:latin typeface="Cambria Math" panose="02040503050406030204" pitchFamily="18" charset="0"/>
+                          </a:rPr>
+                          <m:t>1</m:t>
+                        </m:r>
+                        <m:r>
+                          <a:rPr lang="pt-BR" sz="2800" b="0" i="1" smtClean="0">
+                            <a:latin typeface="Cambria Math" panose="02040503050406030204" pitchFamily="18" charset="0"/>
+                          </a:rPr>
+                          <m:t>, 0, 0, 0</m:t>
+                        </m:r>
+                      </m:e>
+                    </m:d>
+                  </m:oMath>
+                </a14:m>
+                <a:endParaRPr lang="pt-BR" sz="2800" dirty="0"/>
+              </a:p>
+              <a:p>
+                <a:r>
+                  <a:rPr lang="pt-BR" sz="2800" dirty="0"/>
+                  <a:t>7 </a:t>
+                </a:r>
+                <a14:m>
+                  <m:oMath xmlns:m="http://schemas.openxmlformats.org/officeDocument/2006/math">
+                    <m:r>
+                      <a:rPr lang="pt-BR" sz="2800" i="1">
+                        <a:latin typeface="Cambria Math" panose="02040503050406030204" pitchFamily="18" charset="0"/>
+                        <a:ea typeface="Cambria Math" panose="02040503050406030204" pitchFamily="18" charset="0"/>
+                      </a:rPr>
+                      <m:t>→</m:t>
+                    </m:r>
+                  </m:oMath>
+                </a14:m>
+                <a:r>
+                  <a:rPr lang="pt-BR" sz="2800" dirty="0"/>
+                  <a:t> </a:t>
+                </a:r>
+                <a14:m>
+                  <m:oMath xmlns:m="http://schemas.openxmlformats.org/officeDocument/2006/math">
+                    <m:d>
+                      <m:dPr>
+                        <m:begChr m:val="["/>
+                        <m:endChr m:val="]"/>
+                        <m:ctrlPr>
+                          <a:rPr lang="pt-BR" sz="2800" i="1" smtClean="0">
+                            <a:latin typeface="Cambria Math" panose="02040503050406030204" pitchFamily="18" charset="0"/>
+                          </a:rPr>
+                        </m:ctrlPr>
+                      </m:dPr>
+                      <m:e>
+                        <m:r>
+                          <a:rPr lang="pt-BR" sz="2800" b="0" i="1" smtClean="0">
+                            <a:latin typeface="Cambria Math" panose="02040503050406030204" pitchFamily="18" charset="0"/>
+                          </a:rPr>
+                          <m:t>0</m:t>
+                        </m:r>
+                        <m:r>
+                          <a:rPr lang="pt-BR" sz="2800" b="0" i="1" smtClean="0">
+                            <a:latin typeface="Cambria Math" panose="02040503050406030204" pitchFamily="18" charset="0"/>
+                          </a:rPr>
+                          <m:t>, 0, 0, 0, 0, 0, 0, </m:t>
+                        </m:r>
+                        <m:r>
+                          <a:rPr lang="pt-BR" sz="2800" b="0" i="1" smtClean="0">
+                            <a:latin typeface="Cambria Math" panose="02040503050406030204" pitchFamily="18" charset="0"/>
+                          </a:rPr>
+                          <m:t>1</m:t>
+                        </m:r>
+                        <m:r>
+                          <a:rPr lang="pt-BR" sz="2800" b="0" i="1" smtClean="0">
+                            <a:latin typeface="Cambria Math" panose="02040503050406030204" pitchFamily="18" charset="0"/>
+                          </a:rPr>
+                          <m:t>, 0, 0</m:t>
+                        </m:r>
+                      </m:e>
+                    </m:d>
+                  </m:oMath>
+                </a14:m>
+                <a:endParaRPr lang="pt-BR" sz="2800" dirty="0"/>
+              </a:p>
+              <a:p>
+                <a:r>
+                  <a:rPr lang="pt-BR" sz="2800" dirty="0"/>
+                  <a:t>8</a:t>
+                </a:r>
+                <a:r>
+                  <a:rPr lang="pt-BR" sz="2800" dirty="0">
+                    <a:ea typeface="Cambria Math" panose="02040503050406030204" pitchFamily="18" charset="0"/>
+                  </a:rPr>
+                  <a:t> </a:t>
+                </a:r>
+                <a14:m>
+                  <m:oMath xmlns:m="http://schemas.openxmlformats.org/officeDocument/2006/math">
+                    <m:r>
+                      <a:rPr lang="pt-BR" sz="2800" i="1">
+                        <a:latin typeface="Cambria Math" panose="02040503050406030204" pitchFamily="18" charset="0"/>
+                        <a:ea typeface="Cambria Math" panose="02040503050406030204" pitchFamily="18" charset="0"/>
+                      </a:rPr>
+                      <m:t>→</m:t>
+                    </m:r>
+                  </m:oMath>
+                </a14:m>
+                <a:r>
+                  <a:rPr lang="pt-BR" sz="2800" dirty="0"/>
+                  <a:t> </a:t>
+                </a:r>
+                <a14:m>
+                  <m:oMath xmlns:m="http://schemas.openxmlformats.org/officeDocument/2006/math">
+                    <m:d>
+                      <m:dPr>
+                        <m:begChr m:val="["/>
+                        <m:endChr m:val="]"/>
+                        <m:ctrlPr>
+                          <a:rPr lang="pt-BR" sz="2800" i="1" smtClean="0">
+                            <a:latin typeface="Cambria Math" panose="02040503050406030204" pitchFamily="18" charset="0"/>
+                          </a:rPr>
+                        </m:ctrlPr>
+                      </m:dPr>
+                      <m:e>
+                        <m:r>
+                          <a:rPr lang="pt-BR" sz="2800" b="0" i="1" smtClean="0">
+                            <a:latin typeface="Cambria Math" panose="02040503050406030204" pitchFamily="18" charset="0"/>
+                          </a:rPr>
+                          <m:t>0</m:t>
+                        </m:r>
+                        <m:r>
+                          <a:rPr lang="pt-BR" sz="2800" b="0" i="1" smtClean="0">
+                            <a:latin typeface="Cambria Math" panose="02040503050406030204" pitchFamily="18" charset="0"/>
+                          </a:rPr>
+                          <m:t>, 0, 0, 0, 0, 0, 0, 0, </m:t>
+                        </m:r>
+                        <m:r>
+                          <a:rPr lang="pt-BR" sz="2800" b="0" i="1" smtClean="0">
+                            <a:latin typeface="Cambria Math" panose="02040503050406030204" pitchFamily="18" charset="0"/>
+                          </a:rPr>
+                          <m:t>1</m:t>
+                        </m:r>
+                        <m:r>
+                          <a:rPr lang="pt-BR" sz="2800" b="0" i="1" smtClean="0">
+                            <a:latin typeface="Cambria Math" panose="02040503050406030204" pitchFamily="18" charset="0"/>
+                          </a:rPr>
+                          <m:t>, 0</m:t>
+                        </m:r>
+                      </m:e>
+                    </m:d>
+                  </m:oMath>
+                </a14:m>
+                <a:endParaRPr lang="pt-BR" sz="2800" dirty="0"/>
+              </a:p>
+              <a:p>
+                <a:r>
+                  <a:rPr lang="pt-BR" sz="2800" dirty="0"/>
+                  <a:t>9 </a:t>
+                </a:r>
+                <a14:m>
+                  <m:oMath xmlns:m="http://schemas.openxmlformats.org/officeDocument/2006/math">
+                    <m:r>
+                      <a:rPr lang="pt-BR" sz="2800" i="1">
+                        <a:latin typeface="Cambria Math" panose="02040503050406030204" pitchFamily="18" charset="0"/>
+                        <a:ea typeface="Cambria Math" panose="02040503050406030204" pitchFamily="18" charset="0"/>
+                      </a:rPr>
+                      <m:t>→</m:t>
+                    </m:r>
+                  </m:oMath>
+                </a14:m>
+                <a:r>
+                  <a:rPr lang="pt-BR" sz="2800" dirty="0"/>
+                  <a:t> </a:t>
+                </a:r>
+                <a14:m>
+                  <m:oMath xmlns:m="http://schemas.openxmlformats.org/officeDocument/2006/math">
+                    <m:d>
+                      <m:dPr>
+                        <m:begChr m:val="["/>
+                        <m:endChr m:val="]"/>
+                        <m:ctrlPr>
+                          <a:rPr lang="pt-BR" sz="2800" i="1" smtClean="0">
+                            <a:latin typeface="Cambria Math" panose="02040503050406030204" pitchFamily="18" charset="0"/>
+                          </a:rPr>
+                        </m:ctrlPr>
+                      </m:dPr>
+                      <m:e>
+                        <m:r>
+                          <a:rPr lang="pt-BR" sz="2800" b="0" i="1" smtClean="0">
+                            <a:latin typeface="Cambria Math" panose="02040503050406030204" pitchFamily="18" charset="0"/>
+                          </a:rPr>
+                          <m:t>0</m:t>
+                        </m:r>
+                        <m:r>
+                          <a:rPr lang="pt-BR" sz="2800" b="0" i="1" smtClean="0">
+                            <a:latin typeface="Cambria Math" panose="02040503050406030204" pitchFamily="18" charset="0"/>
+                          </a:rPr>
+                          <m:t>, 0, 0, 0, 0, 0, 0, 0, 0, </m:t>
+                        </m:r>
+                        <m:r>
+                          <a:rPr lang="pt-BR" sz="2800" b="0" i="1" smtClean="0">
+                            <a:latin typeface="Cambria Math" panose="02040503050406030204" pitchFamily="18" charset="0"/>
+                          </a:rPr>
+                          <m:t>1</m:t>
+                        </m:r>
+                      </m:e>
+                    </m:d>
+                  </m:oMath>
+                </a14:m>
+                <a:endParaRPr lang="pt-BR" sz="2800" dirty="0"/>
+              </a:p>
+            </p:txBody>
+          </p:sp>
+        </mc:Choice>
+        <mc:Fallback>
+          <p:sp>
+            <p:nvSpPr>
+              <p:cNvPr id="10" name="CaixaDeTexto 9">
+                <a:extLst>
+                  <a:ext uri="{FF2B5EF4-FFF2-40B4-BE49-F238E27FC236}">
+                    <a16:creationId xmlns:a16="http://schemas.microsoft.com/office/drawing/2014/main" id="{081AC0C9-BDE7-117D-EAA0-B22F49BEDC83}"/>
+                  </a:ext>
+                </a:extLst>
+              </p:cNvPr>
+              <p:cNvSpPr txBox="1">
+                <a:spLocks noRot="1" noChangeAspect="1" noMove="1" noResize="1" noEditPoints="1" noAdjustHandles="1" noChangeArrowheads="1" noChangeShapeType="1" noTextEdit="1"/>
+              </p:cNvSpPr>
+              <p:nvPr/>
+            </p:nvSpPr>
+            <p:spPr>
+              <a:xfrm>
+                <a:off x="993059" y="2022269"/>
+                <a:ext cx="4886632" cy="4401205"/>
+              </a:xfrm>
+              <a:prstGeom prst="rect">
+                <a:avLst/>
+              </a:prstGeom>
+              <a:blipFill>
+                <a:blip r:embed="rId3"/>
+                <a:stretch>
+                  <a:fillRect l="-2618" t="-1385" b="-3047"/>
+                </a:stretch>
+              </a:blipFill>
+            </p:spPr>
+            <p:txBody>
+              <a:bodyPr/>
+              <a:lstStyle/>
+              <a:p>
+                <a:r>
+                  <a:rPr lang="pt-BR">
+                    <a:noFill/>
+                  </a:rPr>
+                  <a:t> </a:t>
+                </a:r>
+              </a:p>
+            </p:txBody>
+          </p:sp>
+        </mc:Fallback>
+      </mc:AlternateContent>
+    </p:spTree>
+    <p:extLst>
+      <p:ext uri="{BB962C8B-B14F-4D97-AF65-F5344CB8AC3E}">
+        <p14:creationId xmlns:p14="http://schemas.microsoft.com/office/powerpoint/2010/main" val="1674235348"/>
+      </p:ext>
+    </p:extLst>
+  </p:cSld>
+  <p:clrMapOvr>
+    <a:masterClrMapping/>
+  </p:clrMapOvr>
+</p:sld>
+</file>
+
+<file path=ppt/slides/slide16.xml><?xml version="1.0" encoding="utf-8"?>
+<p:sld xmlns:a="http://schemas.openxmlformats.org/drawingml/2006/main" xmlns:r="http://schemas.openxmlformats.org/officeDocument/2006/relationships" xmlns:p="http://schemas.openxmlformats.org/presentationml/2006/main">
+  <p:cSld>
+    <p:spTree>
+      <p:nvGrpSpPr>
+        <p:cNvPr id="1" name=""/>
+        <p:cNvGrpSpPr/>
+        <p:nvPr/>
+      </p:nvGrpSpPr>
+      <p:grpSpPr>
+        <a:xfrm>
+          <a:off x="0" y="0"/>
+          <a:ext cx="0" cy="0"/>
+          <a:chOff x="0" y="0"/>
+          <a:chExt cx="0" cy="0"/>
+        </a:xfrm>
+      </p:grpSpPr>
+      <p:sp>
+        <p:nvSpPr>
+          <p:cNvPr id="2" name="Título 1">
+            <a:extLst>
+              <a:ext uri="{FF2B5EF4-FFF2-40B4-BE49-F238E27FC236}">
                 <a16:creationId xmlns:a16="http://schemas.microsoft.com/office/drawing/2014/main" id="{1BA99753-E363-68E3-E865-0BE95701ED72}"/>
               </a:ext>
             </a:extLst>
@@ -6565,7 +10998,10 @@
           <a:bodyPr/>
           <a:lstStyle/>
           <a:p>
-            <a:endParaRPr lang="pt-BR"/>
+            <a:r>
+              <a:rPr lang="pt-BR" dirty="0"/>
+              <a:t>A base de dados</a:t>
+            </a:r>
           </a:p>
         </p:txBody>
       </p:sp>
@@ -6585,11 +11021,1536 @@
             <p:ph idx="1"/>
           </p:nvPr>
         </p:nvSpPr>
-        <p:spPr/>
+        <p:spPr>
+          <a:xfrm>
+            <a:off x="838199" y="5280382"/>
+            <a:ext cx="10999839" cy="1577617"/>
+          </a:xfrm>
+        </p:spPr>
         <p:txBody>
           <a:bodyPr/>
           <a:lstStyle/>
           <a:p>
+            <a:r>
+              <a:rPr lang="pt-BR" dirty="0"/>
+              <a:t>A primeira coisa que precisamos fazer é baixar a base de dados.</a:t>
+            </a:r>
+          </a:p>
+        </p:txBody>
+      </p:sp>
+      <p:sp>
+        <p:nvSpPr>
+          <p:cNvPr id="5" name="CaixaDeTexto 4">
+            <a:extLst>
+              <a:ext uri="{FF2B5EF4-FFF2-40B4-BE49-F238E27FC236}">
+                <a16:creationId xmlns:a16="http://schemas.microsoft.com/office/drawing/2014/main" id="{DDCCC496-2E01-F0AB-DDF9-5DE8552CA9A4}"/>
+              </a:ext>
+            </a:extLst>
+          </p:cNvPr>
+          <p:cNvSpPr txBox="1"/>
+          <p:nvPr/>
+        </p:nvSpPr>
+        <p:spPr>
+          <a:xfrm>
+            <a:off x="2418736" y="1529305"/>
+            <a:ext cx="8305800" cy="3416320"/>
+          </a:xfrm>
+          <a:prstGeom prst="rect">
+            <a:avLst/>
+          </a:prstGeom>
+          <a:noFill/>
+        </p:spPr>
+        <p:txBody>
+          <a:bodyPr wrap="square">
+            <a:spAutoFit/>
+          </a:bodyPr>
+          <a:lstStyle/>
+          <a:p>
+            <a:r>
+              <a:rPr lang="pt-BR" sz="1800" b="1" dirty="0" err="1">
+                <a:solidFill>
+                  <a:srgbClr val="0000FF"/>
+                </a:solidFill>
+                <a:highlight>
+                  <a:srgbClr val="FFFFFF"/>
+                </a:highlight>
+              </a:rPr>
+              <a:t>import</a:t>
+            </a:r>
+            <a:r>
+              <a:rPr lang="pt-BR" sz="1800" b="0" dirty="0">
+                <a:solidFill>
+                  <a:srgbClr val="000000"/>
+                </a:solidFill>
+                <a:highlight>
+                  <a:srgbClr val="FFFFFF"/>
+                </a:highlight>
+              </a:rPr>
+              <a:t> </a:t>
+            </a:r>
+            <a:r>
+              <a:rPr lang="pt-BR" sz="1800" b="0" dirty="0" err="1">
+                <a:solidFill>
+                  <a:srgbClr val="000000"/>
+                </a:solidFill>
+                <a:highlight>
+                  <a:srgbClr val="FFFFFF"/>
+                </a:highlight>
+              </a:rPr>
+              <a:t>tensorflow</a:t>
+            </a:r>
+            <a:r>
+              <a:rPr lang="pt-BR" sz="1800" b="0" dirty="0">
+                <a:solidFill>
+                  <a:srgbClr val="000000"/>
+                </a:solidFill>
+                <a:highlight>
+                  <a:srgbClr val="FFFFFF"/>
+                </a:highlight>
+              </a:rPr>
+              <a:t> </a:t>
+            </a:r>
+            <a:r>
+              <a:rPr lang="pt-BR" sz="1800" b="1" dirty="0">
+                <a:solidFill>
+                  <a:srgbClr val="0000FF"/>
+                </a:solidFill>
+                <a:highlight>
+                  <a:srgbClr val="FFFFFF"/>
+                </a:highlight>
+              </a:rPr>
+              <a:t>as</a:t>
+            </a:r>
+            <a:r>
+              <a:rPr lang="pt-BR" sz="1800" b="0" dirty="0">
+                <a:solidFill>
+                  <a:srgbClr val="000000"/>
+                </a:solidFill>
+                <a:highlight>
+                  <a:srgbClr val="FFFFFF"/>
+                </a:highlight>
+              </a:rPr>
+              <a:t> tf</a:t>
+            </a:r>
+          </a:p>
+          <a:p>
+            <a:endParaRPr lang="pt-BR" sz="1800" b="0" dirty="0">
+              <a:solidFill>
+                <a:srgbClr val="000000"/>
+              </a:solidFill>
+              <a:highlight>
+                <a:srgbClr val="FFFFFF"/>
+              </a:highlight>
+            </a:endParaRPr>
+          </a:p>
+          <a:p>
+            <a:r>
+              <a:rPr lang="pt-BR" sz="1800" b="0" dirty="0">
+                <a:solidFill>
+                  <a:srgbClr val="000000"/>
+                </a:solidFill>
+                <a:highlight>
+                  <a:srgbClr val="FFFFFF"/>
+                </a:highlight>
+              </a:rPr>
+              <a:t>data </a:t>
+            </a:r>
+            <a:r>
+              <a:rPr lang="pt-BR" sz="1800" b="1" dirty="0">
+                <a:solidFill>
+                  <a:srgbClr val="000080"/>
+                </a:solidFill>
+                <a:highlight>
+                  <a:srgbClr val="FFFFFF"/>
+                </a:highlight>
+              </a:rPr>
+              <a:t>=</a:t>
+            </a:r>
+            <a:r>
+              <a:rPr lang="pt-BR" sz="1800" b="0" dirty="0">
+                <a:solidFill>
+                  <a:srgbClr val="000000"/>
+                </a:solidFill>
+                <a:highlight>
+                  <a:srgbClr val="FFFFFF"/>
+                </a:highlight>
+              </a:rPr>
+              <a:t> </a:t>
+            </a:r>
+            <a:r>
+              <a:rPr lang="pt-BR" sz="1800" b="0" dirty="0" err="1">
+                <a:solidFill>
+                  <a:srgbClr val="000000"/>
+                </a:solidFill>
+                <a:highlight>
+                  <a:srgbClr val="FFFFFF"/>
+                </a:highlight>
+              </a:rPr>
+              <a:t>tf</a:t>
+            </a:r>
+            <a:r>
+              <a:rPr lang="pt-BR" sz="1800" b="1" dirty="0" err="1">
+                <a:solidFill>
+                  <a:srgbClr val="000080"/>
+                </a:solidFill>
+                <a:highlight>
+                  <a:srgbClr val="FFFFFF"/>
+                </a:highlight>
+              </a:rPr>
+              <a:t>.</a:t>
+            </a:r>
+            <a:r>
+              <a:rPr lang="pt-BR" sz="1800" b="0" dirty="0" err="1">
+                <a:solidFill>
+                  <a:srgbClr val="000000"/>
+                </a:solidFill>
+                <a:highlight>
+                  <a:srgbClr val="FFFFFF"/>
+                </a:highlight>
+              </a:rPr>
+              <a:t>keras</a:t>
+            </a:r>
+            <a:r>
+              <a:rPr lang="pt-BR" sz="1800" b="1" dirty="0" err="1">
+                <a:solidFill>
+                  <a:srgbClr val="000080"/>
+                </a:solidFill>
+                <a:highlight>
+                  <a:srgbClr val="FFFFFF"/>
+                </a:highlight>
+              </a:rPr>
+              <a:t>.</a:t>
+            </a:r>
+            <a:r>
+              <a:rPr lang="pt-BR" sz="1800" b="0" dirty="0" err="1">
+                <a:solidFill>
+                  <a:srgbClr val="000000"/>
+                </a:solidFill>
+                <a:highlight>
+                  <a:srgbClr val="FFFFFF"/>
+                </a:highlight>
+              </a:rPr>
+              <a:t>datasets</a:t>
+            </a:r>
+            <a:r>
+              <a:rPr lang="pt-BR" sz="1800" b="1" dirty="0" err="1">
+                <a:solidFill>
+                  <a:srgbClr val="000080"/>
+                </a:solidFill>
+                <a:highlight>
+                  <a:srgbClr val="FFFFFF"/>
+                </a:highlight>
+              </a:rPr>
+              <a:t>.</a:t>
+            </a:r>
+            <a:r>
+              <a:rPr lang="pt-BR" sz="1800" b="0" dirty="0" err="1">
+                <a:solidFill>
+                  <a:srgbClr val="000000"/>
+                </a:solidFill>
+                <a:highlight>
+                  <a:srgbClr val="FFFFFF"/>
+                </a:highlight>
+              </a:rPr>
+              <a:t>mnist</a:t>
+            </a:r>
+            <a:endParaRPr lang="pt-BR" sz="1800" b="0" dirty="0">
+              <a:solidFill>
+                <a:srgbClr val="000000"/>
+              </a:solidFill>
+              <a:highlight>
+                <a:srgbClr val="FFFFFF"/>
+              </a:highlight>
+            </a:endParaRPr>
+          </a:p>
+          <a:p>
+            <a:r>
+              <a:rPr lang="pt-BR" sz="1800" b="1" dirty="0">
+                <a:solidFill>
+                  <a:srgbClr val="000080"/>
+                </a:solidFill>
+                <a:highlight>
+                  <a:srgbClr val="FFFFFF"/>
+                </a:highlight>
+              </a:rPr>
+              <a:t>(</a:t>
+            </a:r>
+            <a:r>
+              <a:rPr lang="pt-BR" sz="1800" b="0" dirty="0" err="1">
+                <a:solidFill>
+                  <a:srgbClr val="000000"/>
+                </a:solidFill>
+                <a:highlight>
+                  <a:srgbClr val="FFFFFF"/>
+                </a:highlight>
+              </a:rPr>
+              <a:t>training_images</a:t>
+            </a:r>
+            <a:r>
+              <a:rPr lang="pt-BR" sz="1800" b="1" dirty="0">
+                <a:solidFill>
+                  <a:srgbClr val="000080"/>
+                </a:solidFill>
+                <a:highlight>
+                  <a:srgbClr val="FFFFFF"/>
+                </a:highlight>
+              </a:rPr>
+              <a:t>,</a:t>
+            </a:r>
+            <a:r>
+              <a:rPr lang="pt-BR" sz="1800" b="0" dirty="0">
+                <a:solidFill>
+                  <a:srgbClr val="000000"/>
+                </a:solidFill>
+                <a:highlight>
+                  <a:srgbClr val="FFFFFF"/>
+                </a:highlight>
+              </a:rPr>
+              <a:t> </a:t>
+            </a:r>
+            <a:r>
+              <a:rPr lang="pt-BR" sz="1800" b="0" dirty="0" err="1">
+                <a:solidFill>
+                  <a:srgbClr val="000000"/>
+                </a:solidFill>
+                <a:highlight>
+                  <a:srgbClr val="FFFFFF"/>
+                </a:highlight>
+              </a:rPr>
+              <a:t>training_labels</a:t>
+            </a:r>
+            <a:r>
+              <a:rPr lang="pt-BR" sz="1800" b="1" dirty="0">
+                <a:solidFill>
+                  <a:srgbClr val="000080"/>
+                </a:solidFill>
+                <a:highlight>
+                  <a:srgbClr val="FFFFFF"/>
+                </a:highlight>
+              </a:rPr>
+              <a:t>),</a:t>
+            </a:r>
+            <a:r>
+              <a:rPr lang="pt-BR" sz="1800" b="0" dirty="0">
+                <a:solidFill>
+                  <a:srgbClr val="000000"/>
+                </a:solidFill>
+                <a:highlight>
+                  <a:srgbClr val="FFFFFF"/>
+                </a:highlight>
+              </a:rPr>
+              <a:t> </a:t>
+            </a:r>
+            <a:r>
+              <a:rPr lang="pt-BR" sz="1800" b="1" dirty="0">
+                <a:solidFill>
+                  <a:srgbClr val="000080"/>
+                </a:solidFill>
+                <a:highlight>
+                  <a:srgbClr val="FFFFFF"/>
+                </a:highlight>
+              </a:rPr>
+              <a:t>(</a:t>
+            </a:r>
+            <a:r>
+              <a:rPr lang="pt-BR" sz="1800" b="0" dirty="0" err="1">
+                <a:solidFill>
+                  <a:srgbClr val="000000"/>
+                </a:solidFill>
+                <a:highlight>
+                  <a:srgbClr val="FFFFFF"/>
+                </a:highlight>
+              </a:rPr>
+              <a:t>val_images</a:t>
+            </a:r>
+            <a:r>
+              <a:rPr lang="pt-BR" sz="1800" b="1" dirty="0">
+                <a:solidFill>
+                  <a:srgbClr val="000080"/>
+                </a:solidFill>
+                <a:highlight>
+                  <a:srgbClr val="FFFFFF"/>
+                </a:highlight>
+              </a:rPr>
+              <a:t>,</a:t>
+            </a:r>
+            <a:r>
+              <a:rPr lang="pt-BR" sz="1800" b="0" dirty="0">
+                <a:solidFill>
+                  <a:srgbClr val="000000"/>
+                </a:solidFill>
+                <a:highlight>
+                  <a:srgbClr val="FFFFFF"/>
+                </a:highlight>
+              </a:rPr>
+              <a:t> </a:t>
+            </a:r>
+            <a:r>
+              <a:rPr lang="pt-BR" sz="1800" b="0" dirty="0" err="1">
+                <a:solidFill>
+                  <a:srgbClr val="000000"/>
+                </a:solidFill>
+                <a:highlight>
+                  <a:srgbClr val="FFFFFF"/>
+                </a:highlight>
+              </a:rPr>
+              <a:t>val_labels</a:t>
+            </a:r>
+            <a:r>
+              <a:rPr lang="pt-BR" sz="1800" b="1" dirty="0">
+                <a:solidFill>
+                  <a:srgbClr val="000080"/>
+                </a:solidFill>
+                <a:highlight>
+                  <a:srgbClr val="FFFFFF"/>
+                </a:highlight>
+              </a:rPr>
+              <a:t>)</a:t>
+            </a:r>
+            <a:r>
+              <a:rPr lang="pt-BR" sz="1800" b="0" dirty="0">
+                <a:solidFill>
+                  <a:srgbClr val="000000"/>
+                </a:solidFill>
+                <a:highlight>
+                  <a:srgbClr val="FFFFFF"/>
+                </a:highlight>
+              </a:rPr>
+              <a:t> </a:t>
+            </a:r>
+            <a:r>
+              <a:rPr lang="pt-BR" sz="1800" b="1" dirty="0">
+                <a:solidFill>
+                  <a:srgbClr val="000080"/>
+                </a:solidFill>
+                <a:highlight>
+                  <a:srgbClr val="FFFFFF"/>
+                </a:highlight>
+              </a:rPr>
+              <a:t>=</a:t>
+            </a:r>
+            <a:r>
+              <a:rPr lang="pt-BR" sz="1800" b="0" dirty="0">
+                <a:solidFill>
+                  <a:srgbClr val="000000"/>
+                </a:solidFill>
+                <a:highlight>
+                  <a:srgbClr val="FFFFFF"/>
+                </a:highlight>
+              </a:rPr>
+              <a:t> </a:t>
+            </a:r>
+            <a:r>
+              <a:rPr lang="pt-BR" sz="1800" b="0" dirty="0" err="1">
+                <a:solidFill>
+                  <a:srgbClr val="000000"/>
+                </a:solidFill>
+                <a:highlight>
+                  <a:srgbClr val="FFFFFF"/>
+                </a:highlight>
+              </a:rPr>
+              <a:t>data</a:t>
+            </a:r>
+            <a:r>
+              <a:rPr lang="pt-BR" sz="1800" b="1" dirty="0" err="1">
+                <a:solidFill>
+                  <a:srgbClr val="000080"/>
+                </a:solidFill>
+                <a:highlight>
+                  <a:srgbClr val="FFFFFF"/>
+                </a:highlight>
+              </a:rPr>
+              <a:t>.</a:t>
+            </a:r>
+            <a:r>
+              <a:rPr lang="pt-BR" sz="1800" b="0" dirty="0" err="1">
+                <a:solidFill>
+                  <a:srgbClr val="000000"/>
+                </a:solidFill>
+                <a:highlight>
+                  <a:srgbClr val="FFFFFF"/>
+                </a:highlight>
+              </a:rPr>
+              <a:t>load_data</a:t>
+            </a:r>
+            <a:r>
+              <a:rPr lang="pt-BR" sz="1800" b="1" dirty="0">
+                <a:solidFill>
+                  <a:srgbClr val="000080"/>
+                </a:solidFill>
+                <a:highlight>
+                  <a:srgbClr val="FFFFFF"/>
+                </a:highlight>
+              </a:rPr>
+              <a:t>()</a:t>
+            </a:r>
+            <a:endParaRPr lang="pt-BR" sz="1800" b="0" dirty="0">
+              <a:solidFill>
+                <a:srgbClr val="000000"/>
+              </a:solidFill>
+              <a:highlight>
+                <a:srgbClr val="FFFFFF"/>
+              </a:highlight>
+            </a:endParaRPr>
+          </a:p>
+          <a:p>
+            <a:endParaRPr lang="pt-BR" sz="1800" b="0" dirty="0">
+              <a:solidFill>
+                <a:srgbClr val="000000"/>
+              </a:solidFill>
+              <a:highlight>
+                <a:srgbClr val="FFFFFF"/>
+              </a:highlight>
+            </a:endParaRPr>
+          </a:p>
+          <a:p>
+            <a:r>
+              <a:rPr lang="pt-BR" sz="1800" b="0" dirty="0" err="1">
+                <a:solidFill>
+                  <a:srgbClr val="000000"/>
+                </a:solidFill>
+                <a:highlight>
+                  <a:srgbClr val="FFFFFF"/>
+                </a:highlight>
+              </a:rPr>
+              <a:t>training_images</a:t>
+            </a:r>
+            <a:r>
+              <a:rPr lang="pt-BR" sz="1800" b="0" dirty="0">
+                <a:solidFill>
+                  <a:srgbClr val="000000"/>
+                </a:solidFill>
+                <a:highlight>
+                  <a:srgbClr val="FFFFFF"/>
+                </a:highlight>
+              </a:rPr>
+              <a:t>  </a:t>
+            </a:r>
+            <a:r>
+              <a:rPr lang="pt-BR" sz="1800" b="1" dirty="0">
+                <a:solidFill>
+                  <a:srgbClr val="000080"/>
+                </a:solidFill>
+                <a:highlight>
+                  <a:srgbClr val="FFFFFF"/>
+                </a:highlight>
+              </a:rPr>
+              <a:t>=</a:t>
+            </a:r>
+            <a:r>
+              <a:rPr lang="pt-BR" sz="1800" b="0" dirty="0">
+                <a:solidFill>
+                  <a:srgbClr val="000000"/>
+                </a:solidFill>
+                <a:highlight>
+                  <a:srgbClr val="FFFFFF"/>
+                </a:highlight>
+              </a:rPr>
+              <a:t> </a:t>
+            </a:r>
+            <a:r>
+              <a:rPr lang="pt-BR" sz="1800" b="0" dirty="0" err="1">
+                <a:solidFill>
+                  <a:srgbClr val="000000"/>
+                </a:solidFill>
+                <a:highlight>
+                  <a:srgbClr val="FFFFFF"/>
+                </a:highlight>
+              </a:rPr>
+              <a:t>training_images</a:t>
+            </a:r>
+            <a:r>
+              <a:rPr lang="pt-BR" sz="1800" b="0" dirty="0">
+                <a:solidFill>
+                  <a:srgbClr val="000000"/>
+                </a:solidFill>
+                <a:highlight>
+                  <a:srgbClr val="FFFFFF"/>
+                </a:highlight>
+              </a:rPr>
+              <a:t> </a:t>
+            </a:r>
+            <a:r>
+              <a:rPr lang="pt-BR" sz="1800" b="1" dirty="0">
+                <a:solidFill>
+                  <a:srgbClr val="000080"/>
+                </a:solidFill>
+                <a:highlight>
+                  <a:srgbClr val="FFFFFF"/>
+                </a:highlight>
+              </a:rPr>
+              <a:t>/</a:t>
+            </a:r>
+            <a:r>
+              <a:rPr lang="pt-BR" sz="1800" b="0" dirty="0">
+                <a:solidFill>
+                  <a:srgbClr val="000000"/>
+                </a:solidFill>
+                <a:highlight>
+                  <a:srgbClr val="FFFFFF"/>
+                </a:highlight>
+              </a:rPr>
+              <a:t> </a:t>
+            </a:r>
+            <a:r>
+              <a:rPr lang="pt-BR" sz="1800" b="0" dirty="0">
+                <a:solidFill>
+                  <a:srgbClr val="FF0000"/>
+                </a:solidFill>
+                <a:highlight>
+                  <a:srgbClr val="FFFFFF"/>
+                </a:highlight>
+              </a:rPr>
+              <a:t>255.0</a:t>
+            </a:r>
+            <a:endParaRPr lang="pt-BR" sz="1800" b="0" dirty="0">
+              <a:solidFill>
+                <a:srgbClr val="000000"/>
+              </a:solidFill>
+              <a:highlight>
+                <a:srgbClr val="FFFFFF"/>
+              </a:highlight>
+            </a:endParaRPr>
+          </a:p>
+          <a:p>
+            <a:r>
+              <a:rPr lang="fr-FR" sz="1800" b="0" dirty="0" err="1">
+                <a:solidFill>
+                  <a:srgbClr val="000000"/>
+                </a:solidFill>
+                <a:highlight>
+                  <a:srgbClr val="FFFFFF"/>
+                </a:highlight>
+              </a:rPr>
+              <a:t>val_images</a:t>
+            </a:r>
+            <a:r>
+              <a:rPr lang="fr-FR" sz="1800" b="0" dirty="0">
+                <a:solidFill>
+                  <a:srgbClr val="000000"/>
+                </a:solidFill>
+                <a:highlight>
+                  <a:srgbClr val="FFFFFF"/>
+                </a:highlight>
+              </a:rPr>
+              <a:t> </a:t>
+            </a:r>
+            <a:r>
+              <a:rPr lang="fr-FR" sz="1800" b="1" dirty="0">
+                <a:solidFill>
+                  <a:srgbClr val="000080"/>
+                </a:solidFill>
+                <a:highlight>
+                  <a:srgbClr val="FFFFFF"/>
+                </a:highlight>
+              </a:rPr>
+              <a:t>=</a:t>
+            </a:r>
+            <a:r>
+              <a:rPr lang="fr-FR" sz="1800" b="0" dirty="0">
+                <a:solidFill>
+                  <a:srgbClr val="000000"/>
+                </a:solidFill>
+                <a:highlight>
+                  <a:srgbClr val="FFFFFF"/>
+                </a:highlight>
+              </a:rPr>
+              <a:t> </a:t>
+            </a:r>
+            <a:r>
+              <a:rPr lang="fr-FR" sz="1800" b="0" dirty="0" err="1">
+                <a:solidFill>
+                  <a:srgbClr val="000000"/>
+                </a:solidFill>
+                <a:highlight>
+                  <a:srgbClr val="FFFFFF"/>
+                </a:highlight>
+              </a:rPr>
+              <a:t>val_images</a:t>
+            </a:r>
+            <a:r>
+              <a:rPr lang="fr-FR" sz="1800" b="0" dirty="0">
+                <a:solidFill>
+                  <a:srgbClr val="000000"/>
+                </a:solidFill>
+                <a:highlight>
+                  <a:srgbClr val="FFFFFF"/>
+                </a:highlight>
+              </a:rPr>
+              <a:t> </a:t>
+            </a:r>
+            <a:r>
+              <a:rPr lang="fr-FR" sz="1800" b="1" dirty="0">
+                <a:solidFill>
+                  <a:srgbClr val="000080"/>
+                </a:solidFill>
+                <a:highlight>
+                  <a:srgbClr val="FFFFFF"/>
+                </a:highlight>
+              </a:rPr>
+              <a:t>/</a:t>
+            </a:r>
+            <a:r>
+              <a:rPr lang="fr-FR" sz="1800" b="0" dirty="0">
+                <a:solidFill>
+                  <a:srgbClr val="000000"/>
+                </a:solidFill>
+                <a:highlight>
+                  <a:srgbClr val="FFFFFF"/>
+                </a:highlight>
+              </a:rPr>
+              <a:t> </a:t>
+            </a:r>
+            <a:r>
+              <a:rPr lang="fr-FR" sz="1800" b="0" dirty="0">
+                <a:solidFill>
+                  <a:srgbClr val="FF0000"/>
+                </a:solidFill>
+                <a:highlight>
+                  <a:srgbClr val="FFFFFF"/>
+                </a:highlight>
+              </a:rPr>
+              <a:t>255.0</a:t>
+            </a:r>
+            <a:endParaRPr lang="fr-FR" sz="1800" b="0" dirty="0">
+              <a:solidFill>
+                <a:srgbClr val="000000"/>
+              </a:solidFill>
+              <a:highlight>
+                <a:srgbClr val="FFFFFF"/>
+              </a:highlight>
+            </a:endParaRPr>
+          </a:p>
+          <a:p>
+            <a:endParaRPr lang="pt-BR" sz="1800" b="0" dirty="0">
+              <a:solidFill>
+                <a:srgbClr val="000000"/>
+              </a:solidFill>
+              <a:highlight>
+                <a:srgbClr val="FFFFFF"/>
+              </a:highlight>
+            </a:endParaRPr>
+          </a:p>
+          <a:p>
+            <a:r>
+              <a:rPr lang="pt-BR" sz="1800" b="0" dirty="0">
+                <a:solidFill>
+                  <a:srgbClr val="000000"/>
+                </a:solidFill>
+                <a:highlight>
+                  <a:srgbClr val="FFFFFF"/>
+                </a:highlight>
+              </a:rPr>
+              <a:t>model </a:t>
+            </a:r>
+            <a:r>
+              <a:rPr lang="pt-BR" sz="1800" b="1" dirty="0">
+                <a:solidFill>
+                  <a:srgbClr val="000080"/>
+                </a:solidFill>
+                <a:highlight>
+                  <a:srgbClr val="FFFFFF"/>
+                </a:highlight>
+              </a:rPr>
+              <a:t>=</a:t>
+            </a:r>
+            <a:r>
+              <a:rPr lang="pt-BR" sz="1800" b="0" dirty="0">
+                <a:solidFill>
+                  <a:srgbClr val="000000"/>
+                </a:solidFill>
+                <a:highlight>
+                  <a:srgbClr val="FFFFFF"/>
+                </a:highlight>
+              </a:rPr>
+              <a:t> </a:t>
+            </a:r>
+            <a:r>
+              <a:rPr lang="pt-BR" sz="1800" b="0" dirty="0" err="1">
+                <a:solidFill>
+                  <a:srgbClr val="000000"/>
+                </a:solidFill>
+                <a:highlight>
+                  <a:srgbClr val="FFFFFF"/>
+                </a:highlight>
+              </a:rPr>
+              <a:t>tf</a:t>
+            </a:r>
+            <a:r>
+              <a:rPr lang="pt-BR" sz="1800" b="1" dirty="0" err="1">
+                <a:solidFill>
+                  <a:srgbClr val="000080"/>
+                </a:solidFill>
+                <a:highlight>
+                  <a:srgbClr val="FFFFFF"/>
+                </a:highlight>
+              </a:rPr>
+              <a:t>.</a:t>
+            </a:r>
+            <a:r>
+              <a:rPr lang="pt-BR" sz="1800" b="0" dirty="0" err="1">
+                <a:solidFill>
+                  <a:srgbClr val="000000"/>
+                </a:solidFill>
+                <a:highlight>
+                  <a:srgbClr val="FFFFFF"/>
+                </a:highlight>
+              </a:rPr>
+              <a:t>keras</a:t>
+            </a:r>
+            <a:r>
+              <a:rPr lang="pt-BR" sz="1800" b="1" dirty="0" err="1">
+                <a:solidFill>
+                  <a:srgbClr val="000080"/>
+                </a:solidFill>
+                <a:highlight>
+                  <a:srgbClr val="FFFFFF"/>
+                </a:highlight>
+              </a:rPr>
+              <a:t>.</a:t>
+            </a:r>
+            <a:r>
+              <a:rPr lang="pt-BR" sz="1800" b="0" dirty="0" err="1">
+                <a:solidFill>
+                  <a:srgbClr val="000000"/>
+                </a:solidFill>
+                <a:highlight>
+                  <a:srgbClr val="FFFFFF"/>
+                </a:highlight>
+              </a:rPr>
+              <a:t>models</a:t>
+            </a:r>
+            <a:r>
+              <a:rPr lang="pt-BR" sz="1800" b="1" dirty="0" err="1">
+                <a:solidFill>
+                  <a:srgbClr val="000080"/>
+                </a:solidFill>
+                <a:highlight>
+                  <a:srgbClr val="FFFFFF"/>
+                </a:highlight>
+              </a:rPr>
+              <a:t>.</a:t>
+            </a:r>
+            <a:r>
+              <a:rPr lang="pt-BR" sz="1800" b="0" dirty="0" err="1">
+                <a:solidFill>
+                  <a:srgbClr val="000000"/>
+                </a:solidFill>
+                <a:highlight>
+                  <a:srgbClr val="FFFFFF"/>
+                </a:highlight>
+              </a:rPr>
+              <a:t>Sequential</a:t>
+            </a:r>
+            <a:r>
+              <a:rPr lang="pt-BR" sz="1800" b="1" dirty="0">
+                <a:solidFill>
+                  <a:srgbClr val="000080"/>
+                </a:solidFill>
+                <a:highlight>
+                  <a:srgbClr val="FFFFFF"/>
+                </a:highlight>
+              </a:rPr>
+              <a:t>(</a:t>
+            </a:r>
+            <a:endParaRPr lang="pt-BR" sz="1800" b="0" dirty="0">
+              <a:solidFill>
+                <a:srgbClr val="000000"/>
+              </a:solidFill>
+              <a:highlight>
+                <a:srgbClr val="FFFFFF"/>
+              </a:highlight>
+            </a:endParaRPr>
+          </a:p>
+          <a:p>
+            <a:r>
+              <a:rPr lang="pt-BR" sz="1800" b="0" dirty="0">
+                <a:solidFill>
+                  <a:srgbClr val="000000"/>
+                </a:solidFill>
+                <a:highlight>
+                  <a:srgbClr val="FFFFFF"/>
+                </a:highlight>
+              </a:rPr>
+              <a:t>    </a:t>
+            </a:r>
+            <a:r>
+              <a:rPr lang="pt-BR" sz="1800" b="1" dirty="0">
+                <a:solidFill>
+                  <a:srgbClr val="000080"/>
+                </a:solidFill>
+                <a:highlight>
+                  <a:srgbClr val="FFFFFF"/>
+                </a:highlight>
+              </a:rPr>
+              <a:t>[</a:t>
+            </a:r>
+            <a:r>
+              <a:rPr lang="pt-BR" sz="1800" b="0" dirty="0" err="1">
+                <a:solidFill>
+                  <a:srgbClr val="000000"/>
+                </a:solidFill>
+                <a:highlight>
+                  <a:srgbClr val="FFFFFF"/>
+                </a:highlight>
+              </a:rPr>
+              <a:t>tf</a:t>
+            </a:r>
+            <a:r>
+              <a:rPr lang="pt-BR" sz="1800" b="1" dirty="0" err="1">
+                <a:solidFill>
+                  <a:srgbClr val="000080"/>
+                </a:solidFill>
+                <a:highlight>
+                  <a:srgbClr val="FFFFFF"/>
+                </a:highlight>
+              </a:rPr>
+              <a:t>.</a:t>
+            </a:r>
+            <a:r>
+              <a:rPr lang="pt-BR" sz="1800" b="0" dirty="0" err="1">
+                <a:solidFill>
+                  <a:srgbClr val="000000"/>
+                </a:solidFill>
+                <a:highlight>
+                  <a:srgbClr val="FFFFFF"/>
+                </a:highlight>
+              </a:rPr>
+              <a:t>keras</a:t>
+            </a:r>
+            <a:r>
+              <a:rPr lang="pt-BR" sz="1800" b="1" dirty="0" err="1">
+                <a:solidFill>
+                  <a:srgbClr val="000080"/>
+                </a:solidFill>
+                <a:highlight>
+                  <a:srgbClr val="FFFFFF"/>
+                </a:highlight>
+              </a:rPr>
+              <a:t>.</a:t>
+            </a:r>
+            <a:r>
+              <a:rPr lang="pt-BR" sz="1800" b="0" dirty="0" err="1">
+                <a:solidFill>
+                  <a:srgbClr val="000000"/>
+                </a:solidFill>
+                <a:highlight>
+                  <a:srgbClr val="FFFFFF"/>
+                </a:highlight>
+              </a:rPr>
+              <a:t>layers</a:t>
+            </a:r>
+            <a:r>
+              <a:rPr lang="pt-BR" sz="1800" b="1" dirty="0" err="1">
+                <a:solidFill>
+                  <a:srgbClr val="000080"/>
+                </a:solidFill>
+                <a:highlight>
+                  <a:srgbClr val="FFFFFF"/>
+                </a:highlight>
+              </a:rPr>
+              <a:t>.</a:t>
+            </a:r>
+            <a:r>
+              <a:rPr lang="pt-BR" sz="1800" b="0" dirty="0" err="1">
+                <a:solidFill>
+                  <a:srgbClr val="000000"/>
+                </a:solidFill>
+                <a:highlight>
+                  <a:srgbClr val="FFFFFF"/>
+                </a:highlight>
+              </a:rPr>
+              <a:t>Flatten</a:t>
+            </a:r>
+            <a:r>
+              <a:rPr lang="pt-BR" sz="1800" b="1" dirty="0">
+                <a:solidFill>
+                  <a:srgbClr val="000080"/>
+                </a:solidFill>
+                <a:highlight>
+                  <a:srgbClr val="FFFFFF"/>
+                </a:highlight>
+              </a:rPr>
+              <a:t>(</a:t>
+            </a:r>
+            <a:r>
+              <a:rPr lang="pt-BR" sz="1800" b="0" dirty="0" err="1">
+                <a:solidFill>
+                  <a:srgbClr val="000000"/>
+                </a:solidFill>
+                <a:highlight>
+                  <a:srgbClr val="FFFFFF"/>
+                </a:highlight>
+              </a:rPr>
+              <a:t>input_shape</a:t>
+            </a:r>
+            <a:r>
+              <a:rPr lang="pt-BR" sz="1800" b="1" dirty="0">
+                <a:solidFill>
+                  <a:srgbClr val="000080"/>
+                </a:solidFill>
+                <a:highlight>
+                  <a:srgbClr val="FFFFFF"/>
+                </a:highlight>
+              </a:rPr>
+              <a:t>=(</a:t>
+            </a:r>
+            <a:r>
+              <a:rPr lang="pt-BR" sz="1800" b="0" dirty="0">
+                <a:solidFill>
+                  <a:srgbClr val="FF0000"/>
+                </a:solidFill>
+                <a:highlight>
+                  <a:srgbClr val="FFFFFF"/>
+                </a:highlight>
+              </a:rPr>
+              <a:t>28</a:t>
+            </a:r>
+            <a:r>
+              <a:rPr lang="pt-BR" sz="1800" b="1" dirty="0">
+                <a:solidFill>
+                  <a:srgbClr val="000080"/>
+                </a:solidFill>
+                <a:highlight>
+                  <a:srgbClr val="FFFFFF"/>
+                </a:highlight>
+              </a:rPr>
+              <a:t>,</a:t>
+            </a:r>
+            <a:r>
+              <a:rPr lang="pt-BR" sz="1800" b="0" dirty="0">
+                <a:solidFill>
+                  <a:srgbClr val="FF0000"/>
+                </a:solidFill>
+                <a:highlight>
+                  <a:srgbClr val="FFFFFF"/>
+                </a:highlight>
+              </a:rPr>
+              <a:t>28</a:t>
+            </a:r>
+            <a:r>
+              <a:rPr lang="pt-BR" sz="1800" b="1" dirty="0">
+                <a:solidFill>
+                  <a:srgbClr val="000080"/>
+                </a:solidFill>
+                <a:highlight>
+                  <a:srgbClr val="FFFFFF"/>
+                </a:highlight>
+              </a:rPr>
+              <a:t>)),</a:t>
+            </a:r>
+            <a:endParaRPr lang="pt-BR" sz="1800" b="0" dirty="0">
+              <a:solidFill>
+                <a:srgbClr val="000000"/>
+              </a:solidFill>
+              <a:highlight>
+                <a:srgbClr val="FFFFFF"/>
+              </a:highlight>
+            </a:endParaRPr>
+          </a:p>
+          <a:p>
+            <a:r>
+              <a:rPr lang="pt-BR" sz="1800" b="0" dirty="0">
+                <a:solidFill>
+                  <a:srgbClr val="000000"/>
+                </a:solidFill>
+                <a:highlight>
+                  <a:srgbClr val="FFFFFF"/>
+                </a:highlight>
+              </a:rPr>
+              <a:t>     </a:t>
+            </a:r>
+            <a:r>
+              <a:rPr lang="pt-BR" sz="1800" b="0" dirty="0" err="1">
+                <a:solidFill>
+                  <a:srgbClr val="000000"/>
+                </a:solidFill>
+                <a:highlight>
+                  <a:srgbClr val="FFFFFF"/>
+                </a:highlight>
+              </a:rPr>
+              <a:t>tf</a:t>
+            </a:r>
+            <a:r>
+              <a:rPr lang="pt-BR" sz="1800" b="1" dirty="0" err="1">
+                <a:solidFill>
+                  <a:srgbClr val="000080"/>
+                </a:solidFill>
+                <a:highlight>
+                  <a:srgbClr val="FFFFFF"/>
+                </a:highlight>
+              </a:rPr>
+              <a:t>.</a:t>
+            </a:r>
+            <a:r>
+              <a:rPr lang="pt-BR" sz="1800" b="0" dirty="0" err="1">
+                <a:solidFill>
+                  <a:srgbClr val="000000"/>
+                </a:solidFill>
+                <a:highlight>
+                  <a:srgbClr val="FFFFFF"/>
+                </a:highlight>
+              </a:rPr>
+              <a:t>keras</a:t>
+            </a:r>
+            <a:r>
+              <a:rPr lang="pt-BR" sz="1800" b="1" dirty="0" err="1">
+                <a:solidFill>
+                  <a:srgbClr val="000080"/>
+                </a:solidFill>
+                <a:highlight>
+                  <a:srgbClr val="FFFFFF"/>
+                </a:highlight>
+              </a:rPr>
+              <a:t>.</a:t>
+            </a:r>
+            <a:r>
+              <a:rPr lang="pt-BR" sz="1800" b="0" dirty="0" err="1">
+                <a:solidFill>
+                  <a:srgbClr val="000000"/>
+                </a:solidFill>
+                <a:highlight>
+                  <a:srgbClr val="FFFFFF"/>
+                </a:highlight>
+              </a:rPr>
+              <a:t>layers</a:t>
+            </a:r>
+            <a:r>
+              <a:rPr lang="pt-BR" sz="1800" b="1" dirty="0" err="1">
+                <a:solidFill>
+                  <a:srgbClr val="000080"/>
+                </a:solidFill>
+                <a:highlight>
+                  <a:srgbClr val="FFFFFF"/>
+                </a:highlight>
+              </a:rPr>
+              <a:t>.</a:t>
+            </a:r>
+            <a:r>
+              <a:rPr lang="pt-BR" sz="1800" b="0" dirty="0" err="1">
+                <a:solidFill>
+                  <a:srgbClr val="000000"/>
+                </a:solidFill>
+                <a:highlight>
+                  <a:srgbClr val="FFFFFF"/>
+                </a:highlight>
+              </a:rPr>
+              <a:t>Dense</a:t>
+            </a:r>
+            <a:r>
+              <a:rPr lang="pt-BR" sz="1800" b="1" dirty="0">
+                <a:solidFill>
+                  <a:srgbClr val="000080"/>
+                </a:solidFill>
+                <a:highlight>
+                  <a:srgbClr val="FFFFFF"/>
+                </a:highlight>
+              </a:rPr>
+              <a:t>(</a:t>
+            </a:r>
+            <a:r>
+              <a:rPr lang="pt-BR" sz="1800" b="0" dirty="0">
+                <a:solidFill>
+                  <a:srgbClr val="FF0000"/>
+                </a:solidFill>
+                <a:highlight>
+                  <a:srgbClr val="FFFFFF"/>
+                </a:highlight>
+              </a:rPr>
+              <a:t>20</a:t>
+            </a:r>
+            <a:r>
+              <a:rPr lang="pt-BR" sz="1800" b="1" dirty="0">
+                <a:solidFill>
+                  <a:srgbClr val="000080"/>
+                </a:solidFill>
+                <a:highlight>
+                  <a:srgbClr val="FFFFFF"/>
+                </a:highlight>
+              </a:rPr>
+              <a:t>,</a:t>
+            </a:r>
+            <a:r>
+              <a:rPr lang="pt-BR" sz="1800" b="0" dirty="0">
+                <a:solidFill>
+                  <a:srgbClr val="000000"/>
+                </a:solidFill>
+                <a:highlight>
+                  <a:srgbClr val="FFFFFF"/>
+                </a:highlight>
+              </a:rPr>
+              <a:t> </a:t>
+            </a:r>
+            <a:r>
+              <a:rPr lang="pt-BR" sz="1800" b="0" dirty="0" err="1">
+                <a:solidFill>
+                  <a:srgbClr val="000000"/>
+                </a:solidFill>
+                <a:highlight>
+                  <a:srgbClr val="FFFFFF"/>
+                </a:highlight>
+              </a:rPr>
+              <a:t>activation</a:t>
+            </a:r>
+            <a:r>
+              <a:rPr lang="pt-BR" sz="1800" b="1" dirty="0">
+                <a:solidFill>
+                  <a:srgbClr val="000080"/>
+                </a:solidFill>
+                <a:highlight>
+                  <a:srgbClr val="FFFFFF"/>
+                </a:highlight>
+              </a:rPr>
+              <a:t>=</a:t>
+            </a:r>
+            <a:r>
+              <a:rPr lang="pt-BR" sz="1800" b="0" dirty="0" err="1">
+                <a:solidFill>
+                  <a:srgbClr val="000000"/>
+                </a:solidFill>
+                <a:highlight>
+                  <a:srgbClr val="FFFFFF"/>
+                </a:highlight>
+              </a:rPr>
+              <a:t>tf</a:t>
+            </a:r>
+            <a:r>
+              <a:rPr lang="pt-BR" sz="1800" b="1" dirty="0" err="1">
+                <a:solidFill>
+                  <a:srgbClr val="000080"/>
+                </a:solidFill>
+                <a:highlight>
+                  <a:srgbClr val="FFFFFF"/>
+                </a:highlight>
+              </a:rPr>
+              <a:t>.</a:t>
+            </a:r>
+            <a:r>
+              <a:rPr lang="pt-BR" sz="1800" b="0" dirty="0" err="1">
+                <a:solidFill>
+                  <a:srgbClr val="000000"/>
+                </a:solidFill>
+                <a:highlight>
+                  <a:srgbClr val="FFFFFF"/>
+                </a:highlight>
+              </a:rPr>
+              <a:t>nn</a:t>
+            </a:r>
+            <a:r>
+              <a:rPr lang="pt-BR" sz="1800" b="1" dirty="0" err="1">
+                <a:solidFill>
+                  <a:srgbClr val="000080"/>
+                </a:solidFill>
+                <a:highlight>
+                  <a:srgbClr val="FFFFFF"/>
+                </a:highlight>
+              </a:rPr>
+              <a:t>.</a:t>
+            </a:r>
+            <a:r>
+              <a:rPr lang="pt-BR" sz="1800" b="0" dirty="0" err="1">
+                <a:solidFill>
+                  <a:srgbClr val="000000"/>
+                </a:solidFill>
+                <a:highlight>
+                  <a:srgbClr val="FFFFFF"/>
+                </a:highlight>
+              </a:rPr>
+              <a:t>relu</a:t>
+            </a:r>
+            <a:r>
+              <a:rPr lang="pt-BR" sz="1800" b="1" dirty="0">
+                <a:solidFill>
+                  <a:srgbClr val="000080"/>
+                </a:solidFill>
+                <a:highlight>
+                  <a:srgbClr val="FFFFFF"/>
+                </a:highlight>
+              </a:rPr>
+              <a:t>),</a:t>
+            </a:r>
+            <a:endParaRPr lang="pt-BR" sz="1800" b="0" dirty="0">
+              <a:solidFill>
+                <a:srgbClr val="000000"/>
+              </a:solidFill>
+              <a:highlight>
+                <a:srgbClr val="FFFFFF"/>
+              </a:highlight>
+            </a:endParaRPr>
+          </a:p>
+          <a:p>
+            <a:r>
+              <a:rPr lang="pt-BR" sz="1800" b="0" dirty="0">
+                <a:solidFill>
+                  <a:srgbClr val="000000"/>
+                </a:solidFill>
+                <a:highlight>
+                  <a:srgbClr val="FFFFFF"/>
+                </a:highlight>
+              </a:rPr>
+              <a:t>     </a:t>
+            </a:r>
+            <a:r>
+              <a:rPr lang="pt-BR" sz="1800" b="0" dirty="0" err="1">
+                <a:solidFill>
+                  <a:srgbClr val="000000"/>
+                </a:solidFill>
+                <a:highlight>
+                  <a:srgbClr val="FFFFFF"/>
+                </a:highlight>
+              </a:rPr>
+              <a:t>tf</a:t>
+            </a:r>
+            <a:r>
+              <a:rPr lang="pt-BR" sz="1800" b="1" dirty="0" err="1">
+                <a:solidFill>
+                  <a:srgbClr val="000080"/>
+                </a:solidFill>
+                <a:highlight>
+                  <a:srgbClr val="FFFFFF"/>
+                </a:highlight>
+              </a:rPr>
+              <a:t>.</a:t>
+            </a:r>
+            <a:r>
+              <a:rPr lang="pt-BR" sz="1800" b="0" dirty="0" err="1">
+                <a:solidFill>
+                  <a:srgbClr val="000000"/>
+                </a:solidFill>
+                <a:highlight>
+                  <a:srgbClr val="FFFFFF"/>
+                </a:highlight>
+              </a:rPr>
+              <a:t>keras</a:t>
+            </a:r>
+            <a:r>
+              <a:rPr lang="pt-BR" sz="1800" b="1" dirty="0" err="1">
+                <a:solidFill>
+                  <a:srgbClr val="000080"/>
+                </a:solidFill>
+                <a:highlight>
+                  <a:srgbClr val="FFFFFF"/>
+                </a:highlight>
+              </a:rPr>
+              <a:t>.</a:t>
+            </a:r>
+            <a:r>
+              <a:rPr lang="pt-BR" sz="1800" b="0" dirty="0" err="1">
+                <a:solidFill>
+                  <a:srgbClr val="000000"/>
+                </a:solidFill>
+                <a:highlight>
+                  <a:srgbClr val="FFFFFF"/>
+                </a:highlight>
+              </a:rPr>
+              <a:t>layers</a:t>
+            </a:r>
+            <a:r>
+              <a:rPr lang="pt-BR" sz="1800" b="1" dirty="0" err="1">
+                <a:solidFill>
+                  <a:srgbClr val="000080"/>
+                </a:solidFill>
+                <a:highlight>
+                  <a:srgbClr val="FFFFFF"/>
+                </a:highlight>
+              </a:rPr>
+              <a:t>.</a:t>
+            </a:r>
+            <a:r>
+              <a:rPr lang="pt-BR" sz="1800" b="0" dirty="0" err="1">
+                <a:solidFill>
+                  <a:srgbClr val="000000"/>
+                </a:solidFill>
+                <a:highlight>
+                  <a:srgbClr val="FFFFFF"/>
+                </a:highlight>
+              </a:rPr>
+              <a:t>Dense</a:t>
+            </a:r>
+            <a:r>
+              <a:rPr lang="pt-BR" sz="1800" b="1" dirty="0">
+                <a:solidFill>
+                  <a:srgbClr val="000080"/>
+                </a:solidFill>
+                <a:highlight>
+                  <a:srgbClr val="FFFFFF"/>
+                </a:highlight>
+              </a:rPr>
+              <a:t>(</a:t>
+            </a:r>
+            <a:r>
+              <a:rPr lang="pt-BR" sz="1800" b="0" dirty="0">
+                <a:solidFill>
+                  <a:srgbClr val="FF0000"/>
+                </a:solidFill>
+                <a:highlight>
+                  <a:srgbClr val="FFFFFF"/>
+                </a:highlight>
+              </a:rPr>
+              <a:t>10</a:t>
+            </a:r>
+            <a:r>
+              <a:rPr lang="pt-BR" sz="1800" b="1" dirty="0">
+                <a:solidFill>
+                  <a:srgbClr val="000080"/>
+                </a:solidFill>
+                <a:highlight>
+                  <a:srgbClr val="FFFFFF"/>
+                </a:highlight>
+              </a:rPr>
+              <a:t>,</a:t>
+            </a:r>
+            <a:r>
+              <a:rPr lang="pt-BR" sz="1800" b="0" dirty="0">
+                <a:solidFill>
+                  <a:srgbClr val="000000"/>
+                </a:solidFill>
+                <a:highlight>
+                  <a:srgbClr val="FFFFFF"/>
+                </a:highlight>
+              </a:rPr>
+              <a:t> </a:t>
+            </a:r>
+            <a:r>
+              <a:rPr lang="pt-BR" sz="1800" b="0" dirty="0" err="1">
+                <a:solidFill>
+                  <a:srgbClr val="000000"/>
+                </a:solidFill>
+                <a:highlight>
+                  <a:srgbClr val="FFFFFF"/>
+                </a:highlight>
+              </a:rPr>
+              <a:t>activation</a:t>
+            </a:r>
+            <a:r>
+              <a:rPr lang="pt-BR" sz="1800" b="1" dirty="0">
+                <a:solidFill>
+                  <a:srgbClr val="000080"/>
+                </a:solidFill>
+                <a:highlight>
+                  <a:srgbClr val="FFFFFF"/>
+                </a:highlight>
+              </a:rPr>
+              <a:t>=</a:t>
+            </a:r>
+            <a:r>
+              <a:rPr lang="pt-BR" sz="1800" b="0" dirty="0" err="1">
+                <a:solidFill>
+                  <a:srgbClr val="000000"/>
+                </a:solidFill>
+                <a:highlight>
+                  <a:srgbClr val="FFFFFF"/>
+                </a:highlight>
+              </a:rPr>
+              <a:t>tf</a:t>
+            </a:r>
+            <a:r>
+              <a:rPr lang="pt-BR" sz="1800" b="1" dirty="0" err="1">
+                <a:solidFill>
+                  <a:srgbClr val="000080"/>
+                </a:solidFill>
+                <a:highlight>
+                  <a:srgbClr val="FFFFFF"/>
+                </a:highlight>
+              </a:rPr>
+              <a:t>.</a:t>
+            </a:r>
+            <a:r>
+              <a:rPr lang="pt-BR" sz="1800" b="0" dirty="0" err="1">
+                <a:solidFill>
+                  <a:srgbClr val="000000"/>
+                </a:solidFill>
+                <a:highlight>
+                  <a:srgbClr val="FFFFFF"/>
+                </a:highlight>
+              </a:rPr>
+              <a:t>nn</a:t>
+            </a:r>
+            <a:r>
+              <a:rPr lang="pt-BR" sz="1800" b="1" dirty="0" err="1">
+                <a:solidFill>
+                  <a:srgbClr val="000080"/>
+                </a:solidFill>
+                <a:highlight>
+                  <a:srgbClr val="FFFFFF"/>
+                </a:highlight>
+              </a:rPr>
+              <a:t>.</a:t>
+            </a:r>
+            <a:r>
+              <a:rPr lang="pt-BR" sz="1800" b="0" dirty="0" err="1">
+                <a:solidFill>
+                  <a:srgbClr val="000000"/>
+                </a:solidFill>
+                <a:highlight>
+                  <a:srgbClr val="FFFFFF"/>
+                </a:highlight>
+              </a:rPr>
+              <a:t>softmax</a:t>
+            </a:r>
+            <a:r>
+              <a:rPr lang="pt-BR" sz="1800" b="1" dirty="0">
+                <a:solidFill>
+                  <a:srgbClr val="000080"/>
+                </a:solidFill>
+                <a:highlight>
+                  <a:srgbClr val="FFFFFF"/>
+                </a:highlight>
+              </a:rPr>
+              <a:t>)])</a:t>
+            </a:r>
+            <a:endParaRPr lang="pt-BR" dirty="0"/>
+          </a:p>
+        </p:txBody>
+      </p:sp>
+      <p:sp>
+        <p:nvSpPr>
+          <p:cNvPr id="6" name="Retângulo 5">
+            <a:extLst>
+              <a:ext uri="{FF2B5EF4-FFF2-40B4-BE49-F238E27FC236}">
+                <a16:creationId xmlns:a16="http://schemas.microsoft.com/office/drawing/2014/main" id="{D52111A1-9BA5-D60B-C3FC-BC2B1FEA1EA1}"/>
+              </a:ext>
+            </a:extLst>
+          </p:cNvPr>
+          <p:cNvSpPr/>
+          <p:nvPr/>
+        </p:nvSpPr>
+        <p:spPr>
+          <a:xfrm>
+            <a:off x="2418736" y="2064775"/>
+            <a:ext cx="7374194" cy="678425"/>
+          </a:xfrm>
+          <a:prstGeom prst="rect">
+            <a:avLst/>
+          </a:prstGeom>
+          <a:noFill/>
+          <a:ln w="28575">
+            <a:solidFill>
+              <a:srgbClr val="FF0000"/>
+            </a:solidFill>
+          </a:ln>
+        </p:spPr>
+        <p:style>
+          <a:lnRef idx="2">
+            <a:schemeClr val="accent1">
+              <a:shade val="15000"/>
+            </a:schemeClr>
+          </a:lnRef>
+          <a:fillRef idx="1">
+            <a:schemeClr val="accent1"/>
+          </a:fillRef>
+          <a:effectRef idx="0">
+            <a:schemeClr val="accent1"/>
+          </a:effectRef>
+          <a:fontRef idx="minor">
+            <a:schemeClr val="lt1"/>
+          </a:fontRef>
+        </p:style>
+        <p:txBody>
+          <a:bodyPr rtlCol="0" anchor="ctr"/>
+          <a:lstStyle/>
+          <a:p>
+            <a:pPr algn="ctr"/>
             <a:endParaRPr lang="pt-BR"/>
           </a:p>
         </p:txBody>
@@ -6607,7 +12568,7 @@
 </p:sld>
 </file>
 
-<file path=ppt/slides/slide15.xml><?xml version="1.0" encoding="utf-8"?>
+<file path=ppt/slides/slide17.xml><?xml version="1.0" encoding="utf-8"?>
 <p:sld xmlns:a="http://schemas.openxmlformats.org/drawingml/2006/main" xmlns:r="http://schemas.openxmlformats.org/officeDocument/2006/relationships" xmlns:p="http://schemas.openxmlformats.org/presentationml/2006/main">
   <p:cSld>
     <p:spTree>
@@ -7023,7 +12984,7 @@
 </p:sld>
 </file>
 
-<file path=ppt/slides/slide16.xml><?xml version="1.0" encoding="utf-8"?>
+<file path=ppt/slides/slide18.xml><?xml version="1.0" encoding="utf-8"?>
 <p:sld xmlns:a="http://schemas.openxmlformats.org/drawingml/2006/main" xmlns:r="http://schemas.openxmlformats.org/officeDocument/2006/relationships" xmlns:p="http://schemas.openxmlformats.org/presentationml/2006/main">
   <p:cSld>
     <p:spTree>
@@ -7127,7 +13088,7 @@
 </p:sld>
 </file>
 
-<file path=ppt/slides/slide17.xml><?xml version="1.0" encoding="utf-8"?>
+<file path=ppt/slides/slide19.xml><?xml version="1.0" encoding="utf-8"?>
 <p:sld xmlns:a="http://schemas.openxmlformats.org/drawingml/2006/main" xmlns:r="http://schemas.openxmlformats.org/officeDocument/2006/relationships" xmlns:p="http://schemas.openxmlformats.org/presentationml/2006/main">
   <p:cSld>
     <p:spTree>
@@ -7213,7 +13174,390 @@
 </p:sld>
 </file>
 
-<file path=ppt/slides/slide18.xml><?xml version="1.0" encoding="utf-8"?>
+<file path=ppt/slides/slide2.xml><?xml version="1.0" encoding="utf-8"?>
+<p:sld xmlns:a="http://schemas.openxmlformats.org/drawingml/2006/main" xmlns:r="http://schemas.openxmlformats.org/officeDocument/2006/relationships" xmlns:p="http://schemas.openxmlformats.org/presentationml/2006/main">
+  <p:cSld>
+    <p:spTree>
+      <p:nvGrpSpPr>
+        <p:cNvPr id="1" name=""/>
+        <p:cNvGrpSpPr/>
+        <p:nvPr/>
+      </p:nvGrpSpPr>
+      <p:grpSpPr>
+        <a:xfrm>
+          <a:off x="0" y="0"/>
+          <a:ext cx="0" cy="0"/>
+          <a:chOff x="0" y="0"/>
+          <a:chExt cx="0" cy="0"/>
+        </a:xfrm>
+      </p:grpSpPr>
+      <p:sp>
+        <p:nvSpPr>
+          <p:cNvPr id="2" name="Título 1">
+            <a:extLst>
+              <a:ext uri="{FF2B5EF4-FFF2-40B4-BE49-F238E27FC236}">
+                <a16:creationId xmlns:a16="http://schemas.microsoft.com/office/drawing/2014/main" id="{EECB3FED-5D1A-7084-5333-A3B2FA75F608}"/>
+              </a:ext>
+            </a:extLst>
+          </p:cNvPr>
+          <p:cNvSpPr>
+            <a:spLocks noGrp="1"/>
+          </p:cNvSpPr>
+          <p:nvPr>
+            <p:ph type="title"/>
+          </p:nvPr>
+        </p:nvSpPr>
+        <p:spPr/>
+        <p:txBody>
+          <a:bodyPr/>
+          <a:lstStyle/>
+          <a:p>
+            <a:r>
+              <a:rPr lang="pt-BR" dirty="0"/>
+              <a:t>O que vamos ver?</a:t>
+            </a:r>
+          </a:p>
+        </p:txBody>
+      </p:sp>
+      <mc:AlternateContent xmlns:mc="http://schemas.openxmlformats.org/markup-compatibility/2006" xmlns:a14="http://schemas.microsoft.com/office/drawing/2010/main">
+        <mc:Choice Requires="a14">
+          <p:sp>
+            <p:nvSpPr>
+              <p:cNvPr id="3" name="Espaço Reservado para Conteúdo 2">
+                <a:extLst>
+                  <a:ext uri="{FF2B5EF4-FFF2-40B4-BE49-F238E27FC236}">
+                    <a16:creationId xmlns:a16="http://schemas.microsoft.com/office/drawing/2014/main" id="{25FE7774-7186-A846-D8DE-518B2CBF4EBD}"/>
+                  </a:ext>
+                </a:extLst>
+              </p:cNvPr>
+              <p:cNvSpPr>
+                <a:spLocks noGrp="1"/>
+              </p:cNvSpPr>
+              <p:nvPr>
+                <p:ph idx="1"/>
+              </p:nvPr>
+            </p:nvSpPr>
+            <p:spPr>
+              <a:xfrm>
+                <a:off x="838200" y="1825624"/>
+                <a:ext cx="11035938" cy="5032376"/>
+              </a:xfrm>
+            </p:spPr>
+            <p:txBody>
+              <a:bodyPr>
+                <a:normAutofit/>
+              </a:bodyPr>
+              <a:lstStyle/>
+              <a:p>
+                <a:r>
+                  <a:rPr lang="pt-BR" dirty="0"/>
+                  <a:t>Anteriormente, vimos como os computadores aprendem através do ajuste dos parâmetros (i.e., dos pesos) de um modelo de ML a relação entre as entradas, </a:t>
+                </a:r>
+                <a14:m>
+                  <m:oMath xmlns:m="http://schemas.openxmlformats.org/officeDocument/2006/math">
+                    <m:r>
+                      <a:rPr lang="pt-BR" b="1" i="1" smtClean="0">
+                        <a:latin typeface="Cambria Math" panose="02040503050406030204" pitchFamily="18" charset="0"/>
+                      </a:rPr>
+                      <m:t>𝒙</m:t>
+                    </m:r>
+                  </m:oMath>
+                </a14:m>
+                <a:r>
+                  <a:rPr lang="pt-BR" dirty="0"/>
+                  <a:t>, e a saída esperada, </a:t>
+                </a:r>
+                <a14:m>
+                  <m:oMath xmlns:m="http://schemas.openxmlformats.org/officeDocument/2006/math">
+                    <m:r>
+                      <a:rPr lang="pt-BR" b="0" i="1" smtClean="0">
+                        <a:latin typeface="Cambria Math" panose="02040503050406030204" pitchFamily="18" charset="0"/>
+                      </a:rPr>
+                      <m:t>𝑦</m:t>
+                    </m:r>
+                  </m:oMath>
+                </a14:m>
+                <a:r>
+                  <a:rPr lang="pt-BR" dirty="0"/>
+                  <a:t>.</a:t>
+                </a:r>
+              </a:p>
+              <a:p>
+                <a:r>
+                  <a:rPr lang="pt-BR" dirty="0"/>
+                  <a:t>Ou seja eles encontram um mapeamento (uma função) ente </a:t>
+                </a:r>
+                <a14:m>
+                  <m:oMath xmlns:m="http://schemas.openxmlformats.org/officeDocument/2006/math">
+                    <m:r>
+                      <a:rPr lang="pt-BR" b="1" i="1" smtClean="0">
+                        <a:latin typeface="Cambria Math" panose="02040503050406030204" pitchFamily="18" charset="0"/>
+                      </a:rPr>
+                      <m:t>𝒙</m:t>
+                    </m:r>
+                  </m:oMath>
+                </a14:m>
+                <a:r>
+                  <a:rPr lang="pt-BR" dirty="0"/>
+                  <a:t> e </a:t>
+                </a:r>
+                <a14:m>
+                  <m:oMath xmlns:m="http://schemas.openxmlformats.org/officeDocument/2006/math">
+                    <m:r>
+                      <a:rPr lang="pt-BR" i="1">
+                        <a:latin typeface="Cambria Math" panose="02040503050406030204" pitchFamily="18" charset="0"/>
+                      </a:rPr>
+                      <m:t>𝑦</m:t>
+                    </m:r>
+                  </m:oMath>
+                </a14:m>
+                <a:r>
+                  <a:rPr lang="pt-BR" dirty="0"/>
+                  <a:t>.</a:t>
+                </a:r>
+              </a:p>
+              <a:p>
+                <a:r>
+                  <a:rPr lang="pt-BR" dirty="0"/>
+                  <a:t>Quando os valores de </a:t>
+                </a:r>
+                <a14:m>
+                  <m:oMath xmlns:m="http://schemas.openxmlformats.org/officeDocument/2006/math">
+                    <m:r>
+                      <a:rPr lang="pt-BR" b="1" i="1" smtClean="0">
+                        <a:latin typeface="Cambria Math" panose="02040503050406030204" pitchFamily="18" charset="0"/>
+                      </a:rPr>
+                      <m:t>𝒙</m:t>
+                    </m:r>
+                  </m:oMath>
+                </a14:m>
+                <a:r>
+                  <a:rPr lang="pt-BR" dirty="0"/>
+                  <a:t> são mapeados em valores contínuos, </a:t>
+                </a:r>
+                <a14:m>
+                  <m:oMath xmlns:m="http://schemas.openxmlformats.org/officeDocument/2006/math">
+                    <m:r>
+                      <a:rPr lang="pt-BR" b="0" i="1" smtClean="0">
+                        <a:latin typeface="Cambria Math" panose="02040503050406030204" pitchFamily="18" charset="0"/>
+                      </a:rPr>
+                      <m:t>𝑦</m:t>
+                    </m:r>
+                    <m:r>
+                      <a:rPr lang="pt-BR" b="0" i="1" smtClean="0">
+                        <a:latin typeface="Cambria Math" panose="02040503050406030204" pitchFamily="18" charset="0"/>
+                        <a:ea typeface="Cambria Math" panose="02040503050406030204" pitchFamily="18" charset="0"/>
+                      </a:rPr>
+                      <m:t>∈</m:t>
+                    </m:r>
+                    <m:r>
+                      <a:rPr lang="pt-BR" b="0" i="1" smtClean="0">
+                        <a:latin typeface="Cambria Math" panose="02040503050406030204" pitchFamily="18" charset="0"/>
+                        <a:ea typeface="Cambria Math" panose="02040503050406030204" pitchFamily="18" charset="0"/>
+                      </a:rPr>
+                      <m:t>ℝ</m:t>
+                    </m:r>
+                  </m:oMath>
+                </a14:m>
+                <a:r>
+                  <a:rPr lang="pt-BR" dirty="0"/>
+                  <a:t>, chamados o problema de </a:t>
+                </a:r>
+                <a:r>
+                  <a:rPr lang="pt-BR" b="1" i="1" dirty="0"/>
+                  <a:t>regressão</a:t>
+                </a:r>
+                <a:r>
+                  <a:rPr lang="pt-BR" dirty="0"/>
+                  <a:t>.</a:t>
+                </a:r>
+              </a:p>
+              <a:p>
+                <a:r>
+                  <a:rPr lang="pt-BR" dirty="0"/>
+                  <a:t>Neste tópico, veremos um outro problema de mapeamento, mas desta vez, os valores de </a:t>
+                </a:r>
+                <a14:m>
+                  <m:oMath xmlns:m="http://schemas.openxmlformats.org/officeDocument/2006/math">
+                    <m:r>
+                      <a:rPr lang="pt-BR" b="1" i="1" smtClean="0">
+                        <a:latin typeface="Cambria Math" panose="02040503050406030204" pitchFamily="18" charset="0"/>
+                      </a:rPr>
+                      <m:t>𝒙</m:t>
+                    </m:r>
+                  </m:oMath>
+                </a14:m>
+                <a:r>
+                  <a:rPr lang="pt-BR" dirty="0"/>
+                  <a:t> são mapeados em valores de um conjunto finito e discreto de valores, </a:t>
+                </a:r>
+                <a14:m>
+                  <m:oMath xmlns:m="http://schemas.openxmlformats.org/officeDocument/2006/math">
+                    <m:r>
+                      <a:rPr lang="pt-BR" i="1">
+                        <a:latin typeface="Cambria Math" panose="02040503050406030204" pitchFamily="18" charset="0"/>
+                      </a:rPr>
+                      <m:t>𝑦</m:t>
+                    </m:r>
+                    <m:r>
+                      <a:rPr lang="pt-BR" b="0" i="1" smtClean="0">
+                        <a:latin typeface="Cambria Math" panose="02040503050406030204" pitchFamily="18" charset="0"/>
+                      </a:rPr>
+                      <m:t>=</m:t>
+                    </m:r>
+                    <m:d>
+                      <m:dPr>
+                        <m:begChr m:val="{"/>
+                        <m:endChr m:val="}"/>
+                        <m:ctrlPr>
+                          <a:rPr lang="pt-BR" b="0" i="1" smtClean="0">
+                            <a:latin typeface="Cambria Math" panose="02040503050406030204" pitchFamily="18" charset="0"/>
+                          </a:rPr>
+                        </m:ctrlPr>
+                      </m:dPr>
+                      <m:e>
+                        <m:r>
+                          <a:rPr lang="pt-BR" b="0" i="1" smtClean="0">
+                            <a:latin typeface="Cambria Math" panose="02040503050406030204" pitchFamily="18" charset="0"/>
+                          </a:rPr>
+                          <m:t>0, 1, …, </m:t>
+                        </m:r>
+                        <m:r>
+                          <a:rPr lang="pt-BR" b="0" i="1" smtClean="0">
+                            <a:latin typeface="Cambria Math" panose="02040503050406030204" pitchFamily="18" charset="0"/>
+                          </a:rPr>
+                          <m:t>𝑄</m:t>
+                        </m:r>
+                        <m:r>
+                          <a:rPr lang="pt-BR" b="0" i="1" smtClean="0">
+                            <a:latin typeface="Cambria Math" panose="02040503050406030204" pitchFamily="18" charset="0"/>
+                          </a:rPr>
+                          <m:t>−1</m:t>
+                        </m:r>
+                      </m:e>
+                    </m:d>
+                    <m:r>
+                      <a:rPr lang="pt-BR" b="0" i="1" smtClean="0">
+                        <a:latin typeface="Cambria Math" panose="02040503050406030204" pitchFamily="18" charset="0"/>
+                      </a:rPr>
+                      <m:t>,</m:t>
+                    </m:r>
+                    <m:r>
+                      <a:rPr lang="pt-BR" b="0" i="1" smtClean="0">
+                        <a:latin typeface="Cambria Math" panose="02040503050406030204" pitchFamily="18" charset="0"/>
+                      </a:rPr>
+                      <m:t>𝑦</m:t>
+                    </m:r>
+                    <m:r>
+                      <a:rPr lang="pt-BR" i="1" smtClean="0">
+                        <a:latin typeface="Cambria Math" panose="02040503050406030204" pitchFamily="18" charset="0"/>
+                        <a:ea typeface="Cambria Math" panose="02040503050406030204" pitchFamily="18" charset="0"/>
+                      </a:rPr>
+                      <m:t>⊂</m:t>
+                    </m:r>
+                    <m:r>
+                      <a:rPr lang="pt-BR" i="1" smtClean="0">
+                        <a:latin typeface="Cambria Math" panose="02040503050406030204" pitchFamily="18" charset="0"/>
+                        <a:ea typeface="Cambria Math" panose="02040503050406030204" pitchFamily="18" charset="0"/>
+                      </a:rPr>
+                      <m:t>ℕ</m:t>
+                    </m:r>
+                  </m:oMath>
+                </a14:m>
+                <a:r>
+                  <a:rPr lang="pt-BR" dirty="0"/>
+                  <a:t>, onde </a:t>
+                </a:r>
+                <a14:m>
+                  <m:oMath xmlns:m="http://schemas.openxmlformats.org/officeDocument/2006/math">
+                    <m:r>
+                      <a:rPr lang="pt-BR" i="1">
+                        <a:latin typeface="Cambria Math" panose="02040503050406030204" pitchFamily="18" charset="0"/>
+                      </a:rPr>
+                      <m:t>𝑄</m:t>
+                    </m:r>
+                  </m:oMath>
+                </a14:m>
+                <a:r>
+                  <a:rPr lang="pt-BR" dirty="0"/>
+                  <a:t> define o número de valores de saída.</a:t>
+                </a:r>
+              </a:p>
+              <a:p>
+                <a:r>
+                  <a:rPr lang="pt-BR" dirty="0"/>
+                  <a:t>Esse problema é chamado de </a:t>
+                </a:r>
+                <a:r>
+                  <a:rPr lang="pt-BR" b="1" i="1" dirty="0"/>
+                  <a:t>classificação</a:t>
+                </a:r>
+                <a:r>
+                  <a:rPr lang="pt-BR" dirty="0"/>
+                  <a:t>.</a:t>
+                </a:r>
+              </a:p>
+            </p:txBody>
+          </p:sp>
+        </mc:Choice>
+        <mc:Fallback xmlns="">
+          <p:sp>
+            <p:nvSpPr>
+              <p:cNvPr id="3" name="Espaço Reservado para Conteúdo 2">
+                <a:extLst>
+                  <a:ext uri="{FF2B5EF4-FFF2-40B4-BE49-F238E27FC236}">
+                    <a16:creationId xmlns:a16="http://schemas.microsoft.com/office/drawing/2014/main" id="{25FE7774-7186-A846-D8DE-518B2CBF4EBD}"/>
+                  </a:ext>
+                </a:extLst>
+              </p:cNvPr>
+              <p:cNvSpPr>
+                <a:spLocks noGrp="1" noRot="1" noChangeAspect="1" noMove="1" noResize="1" noEditPoints="1" noAdjustHandles="1" noChangeArrowheads="1" noChangeShapeType="1" noTextEdit="1"/>
+              </p:cNvSpPr>
+              <p:nvPr>
+                <p:ph idx="1"/>
+              </p:nvPr>
+            </p:nvSpPr>
+            <p:spPr>
+              <a:xfrm>
+                <a:off x="838200" y="1825624"/>
+                <a:ext cx="11035938" cy="5032376"/>
+              </a:xfrm>
+              <a:blipFill>
+                <a:blip r:embed="rId3"/>
+                <a:stretch>
+                  <a:fillRect l="-994" t="-1937" r="-1547"/>
+                </a:stretch>
+              </a:blipFill>
+            </p:spPr>
+            <p:txBody>
+              <a:bodyPr/>
+              <a:lstStyle/>
+              <a:p>
+                <a:r>
+                  <a:rPr lang="pt-BR">
+                    <a:noFill/>
+                  </a:rPr>
+                  <a:t> </a:t>
+                </a:r>
+              </a:p>
+            </p:txBody>
+          </p:sp>
+        </mc:Fallback>
+      </mc:AlternateContent>
+    </p:spTree>
+    <p:extLst>
+      <p:ext uri="{BB962C8B-B14F-4D97-AF65-F5344CB8AC3E}">
+        <p14:creationId xmlns:p14="http://schemas.microsoft.com/office/powerpoint/2010/main" val="529739951"/>
+      </p:ext>
+    </p:extLst>
+  </p:cSld>
+  <p:clrMapOvr>
+    <a:masterClrMapping/>
+  </p:clrMapOvr>
+</p:sld>
+</file>
+
+<file path=ppt/slides/slide20.xml><?xml version="1.0" encoding="utf-8"?>
 <p:sld xmlns:a="http://schemas.openxmlformats.org/drawingml/2006/main" xmlns:r="http://schemas.openxmlformats.org/officeDocument/2006/relationships" xmlns:p="http://schemas.openxmlformats.org/presentationml/2006/main">
   <p:cSld>
     <p:spTree>
@@ -7299,7 +13643,7 @@
 </p:sld>
 </file>
 
-<file path=ppt/slides/slide19.xml><?xml version="1.0" encoding="utf-8"?>
+<file path=ppt/slides/slide21.xml><?xml version="1.0" encoding="utf-8"?>
 <p:sld xmlns:a="http://schemas.openxmlformats.org/drawingml/2006/main" xmlns:r="http://schemas.openxmlformats.org/officeDocument/2006/relationships" xmlns:p="http://schemas.openxmlformats.org/presentationml/2006/main">
   <p:cSld>
     <p:spTree>
@@ -11450,390 +17794,7 @@
 </p:sld>
 </file>
 
-<file path=ppt/slides/slide2.xml><?xml version="1.0" encoding="utf-8"?>
-<p:sld xmlns:a="http://schemas.openxmlformats.org/drawingml/2006/main" xmlns:r="http://schemas.openxmlformats.org/officeDocument/2006/relationships" xmlns:p="http://schemas.openxmlformats.org/presentationml/2006/main">
-  <p:cSld>
-    <p:spTree>
-      <p:nvGrpSpPr>
-        <p:cNvPr id="1" name=""/>
-        <p:cNvGrpSpPr/>
-        <p:nvPr/>
-      </p:nvGrpSpPr>
-      <p:grpSpPr>
-        <a:xfrm>
-          <a:off x="0" y="0"/>
-          <a:ext cx="0" cy="0"/>
-          <a:chOff x="0" y="0"/>
-          <a:chExt cx="0" cy="0"/>
-        </a:xfrm>
-      </p:grpSpPr>
-      <p:sp>
-        <p:nvSpPr>
-          <p:cNvPr id="2" name="Título 1">
-            <a:extLst>
-              <a:ext uri="{FF2B5EF4-FFF2-40B4-BE49-F238E27FC236}">
-                <a16:creationId xmlns:a16="http://schemas.microsoft.com/office/drawing/2014/main" id="{EECB3FED-5D1A-7084-5333-A3B2FA75F608}"/>
-              </a:ext>
-            </a:extLst>
-          </p:cNvPr>
-          <p:cNvSpPr>
-            <a:spLocks noGrp="1"/>
-          </p:cNvSpPr>
-          <p:nvPr>
-            <p:ph type="title"/>
-          </p:nvPr>
-        </p:nvSpPr>
-        <p:spPr/>
-        <p:txBody>
-          <a:bodyPr/>
-          <a:lstStyle/>
-          <a:p>
-            <a:r>
-              <a:rPr lang="pt-BR" dirty="0"/>
-              <a:t>O que vamos ver?</a:t>
-            </a:r>
-          </a:p>
-        </p:txBody>
-      </p:sp>
-      <mc:AlternateContent xmlns:mc="http://schemas.openxmlformats.org/markup-compatibility/2006" xmlns:a14="http://schemas.microsoft.com/office/drawing/2010/main">
-        <mc:Choice Requires="a14">
-          <p:sp>
-            <p:nvSpPr>
-              <p:cNvPr id="3" name="Espaço Reservado para Conteúdo 2">
-                <a:extLst>
-                  <a:ext uri="{FF2B5EF4-FFF2-40B4-BE49-F238E27FC236}">
-                    <a16:creationId xmlns:a16="http://schemas.microsoft.com/office/drawing/2014/main" id="{25FE7774-7186-A846-D8DE-518B2CBF4EBD}"/>
-                  </a:ext>
-                </a:extLst>
-              </p:cNvPr>
-              <p:cNvSpPr>
-                <a:spLocks noGrp="1"/>
-              </p:cNvSpPr>
-              <p:nvPr>
-                <p:ph idx="1"/>
-              </p:nvPr>
-            </p:nvSpPr>
-            <p:spPr>
-              <a:xfrm>
-                <a:off x="838200" y="1825624"/>
-                <a:ext cx="11035938" cy="5032376"/>
-              </a:xfrm>
-            </p:spPr>
-            <p:txBody>
-              <a:bodyPr>
-                <a:normAutofit/>
-              </a:bodyPr>
-              <a:lstStyle/>
-              <a:p>
-                <a:r>
-                  <a:rPr lang="pt-BR" dirty="0"/>
-                  <a:t>Anteriormente, vimos como os computadores aprendem através do ajuste dos parâmetros (i.e., dos pesos) de um modelo de ML a relação entre as entradas, </a:t>
-                </a:r>
-                <a14:m>
-                  <m:oMath xmlns:m="http://schemas.openxmlformats.org/officeDocument/2006/math">
-                    <m:r>
-                      <a:rPr lang="pt-BR" b="1" i="1" smtClean="0">
-                        <a:latin typeface="Cambria Math" panose="02040503050406030204" pitchFamily="18" charset="0"/>
-                      </a:rPr>
-                      <m:t>𝒙</m:t>
-                    </m:r>
-                  </m:oMath>
-                </a14:m>
-                <a:r>
-                  <a:rPr lang="pt-BR" dirty="0"/>
-                  <a:t>, e a saída esperada, </a:t>
-                </a:r>
-                <a14:m>
-                  <m:oMath xmlns:m="http://schemas.openxmlformats.org/officeDocument/2006/math">
-                    <m:r>
-                      <a:rPr lang="pt-BR" b="0" i="1" smtClean="0">
-                        <a:latin typeface="Cambria Math" panose="02040503050406030204" pitchFamily="18" charset="0"/>
-                      </a:rPr>
-                      <m:t>𝑦</m:t>
-                    </m:r>
-                  </m:oMath>
-                </a14:m>
-                <a:r>
-                  <a:rPr lang="pt-BR" dirty="0"/>
-                  <a:t>.</a:t>
-                </a:r>
-              </a:p>
-              <a:p>
-                <a:r>
-                  <a:rPr lang="pt-BR" dirty="0"/>
-                  <a:t>Ou seja eles encontram um mapeamento (uma função) ente </a:t>
-                </a:r>
-                <a14:m>
-                  <m:oMath xmlns:m="http://schemas.openxmlformats.org/officeDocument/2006/math">
-                    <m:r>
-                      <a:rPr lang="pt-BR" b="1" i="1" smtClean="0">
-                        <a:latin typeface="Cambria Math" panose="02040503050406030204" pitchFamily="18" charset="0"/>
-                      </a:rPr>
-                      <m:t>𝒙</m:t>
-                    </m:r>
-                  </m:oMath>
-                </a14:m>
-                <a:r>
-                  <a:rPr lang="pt-BR" dirty="0"/>
-                  <a:t> e </a:t>
-                </a:r>
-                <a14:m>
-                  <m:oMath xmlns:m="http://schemas.openxmlformats.org/officeDocument/2006/math">
-                    <m:r>
-                      <a:rPr lang="pt-BR" i="1">
-                        <a:latin typeface="Cambria Math" panose="02040503050406030204" pitchFamily="18" charset="0"/>
-                      </a:rPr>
-                      <m:t>𝑦</m:t>
-                    </m:r>
-                  </m:oMath>
-                </a14:m>
-                <a:r>
-                  <a:rPr lang="pt-BR" dirty="0"/>
-                  <a:t>.</a:t>
-                </a:r>
-              </a:p>
-              <a:p>
-                <a:r>
-                  <a:rPr lang="pt-BR" dirty="0"/>
-                  <a:t>Quando os valores de </a:t>
-                </a:r>
-                <a14:m>
-                  <m:oMath xmlns:m="http://schemas.openxmlformats.org/officeDocument/2006/math">
-                    <m:r>
-                      <a:rPr lang="pt-BR" b="1" i="1" smtClean="0">
-                        <a:latin typeface="Cambria Math" panose="02040503050406030204" pitchFamily="18" charset="0"/>
-                      </a:rPr>
-                      <m:t>𝒙</m:t>
-                    </m:r>
-                  </m:oMath>
-                </a14:m>
-                <a:r>
-                  <a:rPr lang="pt-BR" dirty="0"/>
-                  <a:t> são mapeados em valores contínuos, </a:t>
-                </a:r>
-                <a14:m>
-                  <m:oMath xmlns:m="http://schemas.openxmlformats.org/officeDocument/2006/math">
-                    <m:r>
-                      <a:rPr lang="pt-BR" b="0" i="1" smtClean="0">
-                        <a:latin typeface="Cambria Math" panose="02040503050406030204" pitchFamily="18" charset="0"/>
-                      </a:rPr>
-                      <m:t>𝑦</m:t>
-                    </m:r>
-                    <m:r>
-                      <a:rPr lang="pt-BR" b="0" i="1" smtClean="0">
-                        <a:latin typeface="Cambria Math" panose="02040503050406030204" pitchFamily="18" charset="0"/>
-                        <a:ea typeface="Cambria Math" panose="02040503050406030204" pitchFamily="18" charset="0"/>
-                      </a:rPr>
-                      <m:t>∈</m:t>
-                    </m:r>
-                    <m:r>
-                      <a:rPr lang="pt-BR" b="0" i="1" smtClean="0">
-                        <a:latin typeface="Cambria Math" panose="02040503050406030204" pitchFamily="18" charset="0"/>
-                        <a:ea typeface="Cambria Math" panose="02040503050406030204" pitchFamily="18" charset="0"/>
-                      </a:rPr>
-                      <m:t>ℝ</m:t>
-                    </m:r>
-                  </m:oMath>
-                </a14:m>
-                <a:r>
-                  <a:rPr lang="pt-BR" dirty="0"/>
-                  <a:t>, chamados o problema de </a:t>
-                </a:r>
-                <a:r>
-                  <a:rPr lang="pt-BR" b="1" i="1" dirty="0"/>
-                  <a:t>regressão</a:t>
-                </a:r>
-                <a:r>
-                  <a:rPr lang="pt-BR" dirty="0"/>
-                  <a:t>.</a:t>
-                </a:r>
-              </a:p>
-              <a:p>
-                <a:r>
-                  <a:rPr lang="pt-BR" dirty="0"/>
-                  <a:t>Neste tópico, veremos um outro problema de mapeamento, mas desta vez, os valores de </a:t>
-                </a:r>
-                <a14:m>
-                  <m:oMath xmlns:m="http://schemas.openxmlformats.org/officeDocument/2006/math">
-                    <m:r>
-                      <a:rPr lang="pt-BR" b="1" i="1" smtClean="0">
-                        <a:latin typeface="Cambria Math" panose="02040503050406030204" pitchFamily="18" charset="0"/>
-                      </a:rPr>
-                      <m:t>𝒙</m:t>
-                    </m:r>
-                  </m:oMath>
-                </a14:m>
-                <a:r>
-                  <a:rPr lang="pt-BR" dirty="0"/>
-                  <a:t> são mapeados em valores de um conjunto finito e discreto de valores, </a:t>
-                </a:r>
-                <a14:m>
-                  <m:oMath xmlns:m="http://schemas.openxmlformats.org/officeDocument/2006/math">
-                    <m:r>
-                      <a:rPr lang="pt-BR" i="1">
-                        <a:latin typeface="Cambria Math" panose="02040503050406030204" pitchFamily="18" charset="0"/>
-                      </a:rPr>
-                      <m:t>𝑦</m:t>
-                    </m:r>
-                    <m:r>
-                      <a:rPr lang="pt-BR" b="0" i="1" smtClean="0">
-                        <a:latin typeface="Cambria Math" panose="02040503050406030204" pitchFamily="18" charset="0"/>
-                      </a:rPr>
-                      <m:t>=</m:t>
-                    </m:r>
-                    <m:d>
-                      <m:dPr>
-                        <m:begChr m:val="{"/>
-                        <m:endChr m:val="}"/>
-                        <m:ctrlPr>
-                          <a:rPr lang="pt-BR" b="0" i="1" smtClean="0">
-                            <a:latin typeface="Cambria Math" panose="02040503050406030204" pitchFamily="18" charset="0"/>
-                          </a:rPr>
-                        </m:ctrlPr>
-                      </m:dPr>
-                      <m:e>
-                        <m:r>
-                          <a:rPr lang="pt-BR" b="0" i="1" smtClean="0">
-                            <a:latin typeface="Cambria Math" panose="02040503050406030204" pitchFamily="18" charset="0"/>
-                          </a:rPr>
-                          <m:t>0, 1, …, </m:t>
-                        </m:r>
-                        <m:r>
-                          <a:rPr lang="pt-BR" b="0" i="1" smtClean="0">
-                            <a:latin typeface="Cambria Math" panose="02040503050406030204" pitchFamily="18" charset="0"/>
-                          </a:rPr>
-                          <m:t>𝑄</m:t>
-                        </m:r>
-                        <m:r>
-                          <a:rPr lang="pt-BR" b="0" i="1" smtClean="0">
-                            <a:latin typeface="Cambria Math" panose="02040503050406030204" pitchFamily="18" charset="0"/>
-                          </a:rPr>
-                          <m:t>−1</m:t>
-                        </m:r>
-                      </m:e>
-                    </m:d>
-                    <m:r>
-                      <a:rPr lang="pt-BR" b="0" i="1" smtClean="0">
-                        <a:latin typeface="Cambria Math" panose="02040503050406030204" pitchFamily="18" charset="0"/>
-                      </a:rPr>
-                      <m:t>,</m:t>
-                    </m:r>
-                    <m:r>
-                      <a:rPr lang="pt-BR" b="0" i="1" smtClean="0">
-                        <a:latin typeface="Cambria Math" panose="02040503050406030204" pitchFamily="18" charset="0"/>
-                      </a:rPr>
-                      <m:t>𝑦</m:t>
-                    </m:r>
-                    <m:r>
-                      <a:rPr lang="pt-BR" i="1" smtClean="0">
-                        <a:latin typeface="Cambria Math" panose="02040503050406030204" pitchFamily="18" charset="0"/>
-                        <a:ea typeface="Cambria Math" panose="02040503050406030204" pitchFamily="18" charset="0"/>
-                      </a:rPr>
-                      <m:t>⊂</m:t>
-                    </m:r>
-                    <m:r>
-                      <a:rPr lang="pt-BR" i="1" smtClean="0">
-                        <a:latin typeface="Cambria Math" panose="02040503050406030204" pitchFamily="18" charset="0"/>
-                        <a:ea typeface="Cambria Math" panose="02040503050406030204" pitchFamily="18" charset="0"/>
-                      </a:rPr>
-                      <m:t>ℕ</m:t>
-                    </m:r>
-                  </m:oMath>
-                </a14:m>
-                <a:r>
-                  <a:rPr lang="pt-BR" dirty="0"/>
-                  <a:t>, onde </a:t>
-                </a:r>
-                <a14:m>
-                  <m:oMath xmlns:m="http://schemas.openxmlformats.org/officeDocument/2006/math">
-                    <m:r>
-                      <a:rPr lang="pt-BR" i="1">
-                        <a:latin typeface="Cambria Math" panose="02040503050406030204" pitchFamily="18" charset="0"/>
-                      </a:rPr>
-                      <m:t>𝑄</m:t>
-                    </m:r>
-                  </m:oMath>
-                </a14:m>
-                <a:r>
-                  <a:rPr lang="pt-BR" dirty="0"/>
-                  <a:t> define o número de valores de saída.</a:t>
-                </a:r>
-              </a:p>
-              <a:p>
-                <a:r>
-                  <a:rPr lang="pt-BR" dirty="0"/>
-                  <a:t>Esse problema é chamado de </a:t>
-                </a:r>
-                <a:r>
-                  <a:rPr lang="pt-BR" b="1" i="1" dirty="0"/>
-                  <a:t>classificação</a:t>
-                </a:r>
-                <a:r>
-                  <a:rPr lang="pt-BR" dirty="0"/>
-                  <a:t>.</a:t>
-                </a:r>
-              </a:p>
-            </p:txBody>
-          </p:sp>
-        </mc:Choice>
-        <mc:Fallback xmlns="">
-          <p:sp>
-            <p:nvSpPr>
-              <p:cNvPr id="3" name="Espaço Reservado para Conteúdo 2">
-                <a:extLst>
-                  <a:ext uri="{FF2B5EF4-FFF2-40B4-BE49-F238E27FC236}">
-                    <a16:creationId xmlns:a16="http://schemas.microsoft.com/office/drawing/2014/main" id="{25FE7774-7186-A846-D8DE-518B2CBF4EBD}"/>
-                  </a:ext>
-                </a:extLst>
-              </p:cNvPr>
-              <p:cNvSpPr>
-                <a:spLocks noGrp="1" noRot="1" noChangeAspect="1" noMove="1" noResize="1" noEditPoints="1" noAdjustHandles="1" noChangeArrowheads="1" noChangeShapeType="1" noTextEdit="1"/>
-              </p:cNvSpPr>
-              <p:nvPr>
-                <p:ph idx="1"/>
-              </p:nvPr>
-            </p:nvSpPr>
-            <p:spPr>
-              <a:xfrm>
-                <a:off x="838200" y="1825624"/>
-                <a:ext cx="11035938" cy="5032376"/>
-              </a:xfrm>
-              <a:blipFill>
-                <a:blip r:embed="rId3"/>
-                <a:stretch>
-                  <a:fillRect l="-994" t="-1937" r="-1547"/>
-                </a:stretch>
-              </a:blipFill>
-            </p:spPr>
-            <p:txBody>
-              <a:bodyPr/>
-              <a:lstStyle/>
-              <a:p>
-                <a:r>
-                  <a:rPr lang="pt-BR">
-                    <a:noFill/>
-                  </a:rPr>
-                  <a:t> </a:t>
-                </a:r>
-              </a:p>
-            </p:txBody>
-          </p:sp>
-        </mc:Fallback>
-      </mc:AlternateContent>
-    </p:spTree>
-    <p:extLst>
-      <p:ext uri="{BB962C8B-B14F-4D97-AF65-F5344CB8AC3E}">
-        <p14:creationId xmlns:p14="http://schemas.microsoft.com/office/powerpoint/2010/main" val="529739951"/>
-      </p:ext>
-    </p:extLst>
-  </p:cSld>
-  <p:clrMapOvr>
-    <a:masterClrMapping/>
-  </p:clrMapOvr>
-</p:sld>
-</file>
-
-<file path=ppt/slides/slide20.xml><?xml version="1.0" encoding="utf-8"?>
+<file path=ppt/slides/slide22.xml><?xml version="1.0" encoding="utf-8"?>
 <p:sld xmlns:a="http://schemas.openxmlformats.org/drawingml/2006/main" xmlns:r="http://schemas.openxmlformats.org/officeDocument/2006/relationships" xmlns:p="http://schemas.openxmlformats.org/presentationml/2006/main">
   <p:cSld>
     <p:spTree>
@@ -11936,8 +17897,8 @@
             </a:prstGeom>
           </p:spPr>
         </p:pic>
-        <mc:AlternateContent xmlns:mc="http://schemas.openxmlformats.org/markup-compatibility/2006">
-          <mc:Choice xmlns:a14="http://schemas.microsoft.com/office/drawing/2010/main" Requires="a14">
+        <mc:AlternateContent xmlns:mc="http://schemas.openxmlformats.org/markup-compatibility/2006" xmlns:a14="http://schemas.microsoft.com/office/drawing/2010/main">
+          <mc:Choice Requires="a14">
             <p:sp>
               <p:nvSpPr>
                 <p:cNvPr id="21" name="CaixaDeTexto 20">
@@ -12006,7 +17967,7 @@
               </p:txBody>
             </p:sp>
           </mc:Choice>
-          <mc:Fallback>
+          <mc:Fallback xmlns="">
             <p:sp>
               <p:nvSpPr>
                 <p:cNvPr id="21" name="CaixaDeTexto 20">
@@ -12051,8 +18012,8 @@
             </p:sp>
           </mc:Fallback>
         </mc:AlternateContent>
-        <mc:AlternateContent xmlns:mc="http://schemas.openxmlformats.org/markup-compatibility/2006">
-          <mc:Choice xmlns:a14="http://schemas.microsoft.com/office/drawing/2010/main" Requires="a14">
+        <mc:AlternateContent xmlns:mc="http://schemas.openxmlformats.org/markup-compatibility/2006" xmlns:a14="http://schemas.microsoft.com/office/drawing/2010/main">
+          <mc:Choice Requires="a14">
             <p:sp>
               <p:nvSpPr>
                 <p:cNvPr id="20" name="CaixaDeTexto 19">
@@ -12138,7 +18099,7 @@
               </p:txBody>
             </p:sp>
           </mc:Choice>
-          <mc:Fallback>
+          <mc:Fallback xmlns="">
             <p:sp>
               <p:nvSpPr>
                 <p:cNvPr id="20" name="CaixaDeTexto 19">
@@ -14001,7 +19962,7 @@
 </p:sld>
 </file>
 
-<file path=ppt/slides/slide21.xml><?xml version="1.0" encoding="utf-8"?>
+<file path=ppt/slides/slide23.xml><?xml version="1.0" encoding="utf-8"?>
 <p:sld xmlns:a="http://schemas.openxmlformats.org/drawingml/2006/main" xmlns:r="http://schemas.openxmlformats.org/officeDocument/2006/relationships" xmlns:p="http://schemas.openxmlformats.org/presentationml/2006/main">
   <p:cSld>
     <p:spTree>
@@ -14144,8 +20105,8 @@
                 </a:prstGeom>
               </p:spPr>
             </p:pic>
-            <mc:AlternateContent xmlns:mc="http://schemas.openxmlformats.org/markup-compatibility/2006">
-              <mc:Choice xmlns:a14="http://schemas.microsoft.com/office/drawing/2010/main" Requires="a14">
+            <mc:AlternateContent xmlns:mc="http://schemas.openxmlformats.org/markup-compatibility/2006" xmlns:a14="http://schemas.microsoft.com/office/drawing/2010/main">
+              <mc:Choice Requires="a14">
                 <p:sp>
                   <p:nvSpPr>
                     <p:cNvPr id="7" name="CaixaDeTexto 6">
@@ -14214,7 +20175,7 @@
                   </p:txBody>
                 </p:sp>
               </mc:Choice>
-              <mc:Fallback>
+              <mc:Fallback xmlns="">
                 <p:sp>
                   <p:nvSpPr>
                     <p:cNvPr id="7" name="CaixaDeTexto 6">
@@ -14259,8 +20220,8 @@
                 </p:sp>
               </mc:Fallback>
             </mc:AlternateContent>
-            <mc:AlternateContent xmlns:mc="http://schemas.openxmlformats.org/markup-compatibility/2006">
-              <mc:Choice xmlns:a14="http://schemas.microsoft.com/office/drawing/2010/main" Requires="a14">
+            <mc:AlternateContent xmlns:mc="http://schemas.openxmlformats.org/markup-compatibility/2006" xmlns:a14="http://schemas.microsoft.com/office/drawing/2010/main">
+              <mc:Choice Requires="a14">
                 <p:sp>
                   <p:nvSpPr>
                     <p:cNvPr id="8" name="CaixaDeTexto 7">
@@ -14346,7 +20307,7 @@
                   </p:txBody>
                 </p:sp>
               </mc:Choice>
-              <mc:Fallback>
+              <mc:Fallback xmlns="">
                 <p:sp>
                   <p:nvSpPr>
                     <p:cNvPr id="8" name="CaixaDeTexto 7">
@@ -14444,8 +20405,8 @@
               </a:p>
             </p:txBody>
           </p:sp>
-          <mc:AlternateContent xmlns:mc="http://schemas.openxmlformats.org/markup-compatibility/2006">
-            <mc:Choice xmlns:a14="http://schemas.microsoft.com/office/drawing/2010/main" Requires="a14">
+          <mc:AlternateContent xmlns:mc="http://schemas.openxmlformats.org/markup-compatibility/2006" xmlns:a14="http://schemas.microsoft.com/office/drawing/2010/main">
+            <mc:Choice Requires="a14">
               <p:sp>
                 <p:nvSpPr>
                   <p:cNvPr id="18" name="TextBox 10">
@@ -14503,13 +20464,7 @@
                             <a:rPr lang="pt-BR" sz="1100" b="0" i="1" dirty="0" smtClean="0">
                               <a:latin typeface="Cambria Math" panose="02040503050406030204" pitchFamily="18" charset="0"/>
                             </a:rPr>
-                            <m:t>&lt;0.5</m:t>
-                          </m:r>
-                          <m:r>
-                            <a:rPr lang="pt-BR" sz="1100" b="0" i="1" dirty="0" smtClean="0">
-                              <a:latin typeface="Cambria Math" panose="02040503050406030204" pitchFamily="18" charset="0"/>
-                            </a:rPr>
-                            <m:t> </m:t>
+                            <m:t>&lt;0.5 </m:t>
                           </m:r>
                           <m:r>
                             <m:rPr>
@@ -14563,7 +20518,7 @@
                 </p:txBody>
               </p:sp>
             </mc:Choice>
-            <mc:Fallback>
+            <mc:Fallback xmlns="">
               <p:sp>
                 <p:nvSpPr>
                   <p:cNvPr id="18" name="TextBox 10">
@@ -14660,8 +20615,8 @@
               </a:p>
             </p:txBody>
           </p:sp>
-          <mc:AlternateContent xmlns:mc="http://schemas.openxmlformats.org/markup-compatibility/2006">
-            <mc:Choice xmlns:a14="http://schemas.microsoft.com/office/drawing/2010/main" Requires="a14">
+          <mc:AlternateContent xmlns:mc="http://schemas.openxmlformats.org/markup-compatibility/2006" xmlns:a14="http://schemas.microsoft.com/office/drawing/2010/main">
+            <mc:Choice Requires="a14">
               <p:sp>
                 <p:nvSpPr>
                   <p:cNvPr id="20" name="TextBox 6">
@@ -14719,13 +20674,7 @@
                             <a:rPr lang="pt-BR" sz="1100" b="0" i="1" dirty="0" smtClean="0">
                               <a:latin typeface="Cambria Math" panose="02040503050406030204" pitchFamily="18" charset="0"/>
                             </a:rPr>
-                            <m:t>&gt;0.5</m:t>
-                          </m:r>
-                          <m:r>
-                            <a:rPr lang="pt-BR" sz="1100" b="0" i="1" dirty="0" smtClean="0">
-                              <a:latin typeface="Cambria Math" panose="02040503050406030204" pitchFamily="18" charset="0"/>
-                            </a:rPr>
-                            <m:t> </m:t>
+                            <m:t>&gt;0.5 </m:t>
                           </m:r>
                           <m:r>
                             <m:rPr>
@@ -14769,13 +20718,7 @@
                             <a:rPr lang="pt-BR" sz="1100" b="0" i="1" smtClean="0">
                               <a:latin typeface="Cambria Math" panose="02040503050406030204" pitchFamily="18" charset="0"/>
                             </a:rPr>
-                            <m:t>&gt;</m:t>
-                          </m:r>
-                          <m:r>
-                            <a:rPr lang="pt-BR" sz="1100" b="0" i="1" smtClean="0">
-                              <a:latin typeface="Cambria Math" panose="02040503050406030204" pitchFamily="18" charset="0"/>
-                            </a:rPr>
-                            <m:t>0</m:t>
+                            <m:t>&gt;0</m:t>
                           </m:r>
                         </m:oMath>
                       </m:oMathPara>
@@ -14785,7 +20728,7 @@
                 </p:txBody>
               </p:sp>
             </mc:Choice>
-            <mc:Fallback>
+            <mc:Fallback xmlns="">
               <p:sp>
                 <p:nvSpPr>
                   <p:cNvPr id="20" name="TextBox 6">
@@ -14830,8 +20773,8 @@
               </p:sp>
             </mc:Fallback>
           </mc:AlternateContent>
-          <mc:AlternateContent xmlns:mc="http://schemas.openxmlformats.org/markup-compatibility/2006">
-            <mc:Choice xmlns:a14="http://schemas.microsoft.com/office/drawing/2010/main" Requires="a14">
+          <mc:AlternateContent xmlns:mc="http://schemas.openxmlformats.org/markup-compatibility/2006" xmlns:a14="http://schemas.microsoft.com/office/drawing/2010/main">
+            <mc:Choice Requires="a14">
               <p:sp>
                 <p:nvSpPr>
                   <p:cNvPr id="21" name="TextBox 6">
@@ -14889,13 +20832,7 @@
                             <a:rPr lang="pt-BR" sz="1100" b="0" i="1" dirty="0" smtClean="0">
                               <a:latin typeface="Cambria Math" panose="02040503050406030204" pitchFamily="18" charset="0"/>
                             </a:rPr>
-                            <m:t>=0.5</m:t>
-                          </m:r>
-                          <m:r>
-                            <a:rPr lang="pt-BR" sz="1100" b="0" i="1" dirty="0" smtClean="0">
-                              <a:latin typeface="Cambria Math" panose="02040503050406030204" pitchFamily="18" charset="0"/>
-                            </a:rPr>
-                            <m:t> </m:t>
+                            <m:t>=0.5 </m:t>
                           </m:r>
                           <m:r>
                             <m:rPr>
@@ -14939,13 +20876,7 @@
                             <a:rPr lang="pt-BR" sz="1100" b="0" i="1" smtClean="0">
                               <a:latin typeface="Cambria Math" panose="02040503050406030204" pitchFamily="18" charset="0"/>
                             </a:rPr>
-                            <m:t>=</m:t>
-                          </m:r>
-                          <m:r>
-                            <a:rPr lang="pt-BR" sz="1100" b="0" i="1" smtClean="0">
-                              <a:latin typeface="Cambria Math" panose="02040503050406030204" pitchFamily="18" charset="0"/>
-                            </a:rPr>
-                            <m:t>0</m:t>
+                            <m:t>=0</m:t>
                           </m:r>
                         </m:oMath>
                       </m:oMathPara>
@@ -14955,7 +20886,7 @@
                 </p:txBody>
               </p:sp>
             </mc:Choice>
-            <mc:Fallback>
+            <mc:Fallback xmlns="">
               <p:sp>
                 <p:nvSpPr>
                   <p:cNvPr id="21" name="TextBox 6">
@@ -20856,8 +26787,8 @@
                 </a:fontRef>
               </p:style>
             </p:cxnSp>
-            <mc:AlternateContent xmlns:mc="http://schemas.openxmlformats.org/markup-compatibility/2006">
-              <mc:Choice xmlns:a14="http://schemas.microsoft.com/office/drawing/2010/main" Requires="a14">
+            <mc:AlternateContent xmlns:mc="http://schemas.openxmlformats.org/markup-compatibility/2006" xmlns:a14="http://schemas.microsoft.com/office/drawing/2010/main">
+              <mc:Choice Requires="a14">
                 <p:sp>
                   <p:nvSpPr>
                     <p:cNvPr id="139" name="CaixaDeTexto 138">
@@ -20886,7 +26817,6 @@
                     </a:bodyPr>
                     <a:lstStyle/>
                     <a:p>
-                      <a:pPr/>
                       <a14:m>
                         <m:oMath xmlns:m="http://schemas.openxmlformats.org/officeDocument/2006/math">
                           <m:sSub>
@@ -20961,7 +26891,7 @@
                   </p:txBody>
                 </p:sp>
               </mc:Choice>
-              <mc:Fallback>
+              <mc:Fallback xmlns="">
                 <p:sp>
                   <p:nvSpPr>
                     <p:cNvPr id="139" name="CaixaDeTexto 138">
@@ -21777,8 +27707,8 @@
                 </a:fontRef>
               </p:style>
             </p:cxnSp>
-            <mc:AlternateContent xmlns:mc="http://schemas.openxmlformats.org/markup-compatibility/2006">
-              <mc:Choice xmlns:a14="http://schemas.microsoft.com/office/drawing/2010/main" Requires="a14">
+            <mc:AlternateContent xmlns:mc="http://schemas.openxmlformats.org/markup-compatibility/2006" xmlns:a14="http://schemas.microsoft.com/office/drawing/2010/main">
+              <mc:Choice Requires="a14">
                 <p:sp>
                   <p:nvSpPr>
                     <p:cNvPr id="157" name="CaixaDeTexto 156">
@@ -21893,7 +27823,7 @@
                   </p:txBody>
                 </p:sp>
               </mc:Choice>
-              <mc:Fallback>
+              <mc:Fallback xmlns="">
                 <p:sp>
                   <p:nvSpPr>
                     <p:cNvPr id="157" name="CaixaDeTexto 156">
@@ -22599,8 +28529,8 @@
         </p:nvSpPr>
         <p:spPr>
           <a:xfrm>
-            <a:off x="6515100" y="1825624"/>
-            <a:ext cx="5448299" cy="5032376"/>
+            <a:off x="5761704" y="1825624"/>
+            <a:ext cx="6201696" cy="5032376"/>
           </a:xfrm>
         </p:spPr>
         <p:txBody>
@@ -25936,8 +31866,8 @@
           </a:p>
         </p:txBody>
       </p:sp>
-      <mc:AlternateContent xmlns:mc="http://schemas.openxmlformats.org/markup-compatibility/2006">
-        <mc:Choice xmlns:a14="http://schemas.microsoft.com/office/drawing/2010/main" Requires="a14">
+      <mc:AlternateContent xmlns:mc="http://schemas.openxmlformats.org/markup-compatibility/2006" xmlns:a14="http://schemas.microsoft.com/office/drawing/2010/main">
+        <mc:Choice Requires="a14">
           <p:sp>
             <p:nvSpPr>
               <p:cNvPr id="3" name="Espaço Reservado para Conteúdo 2">
@@ -26092,7 +32022,7 @@
             </p:txBody>
           </p:sp>
         </mc:Choice>
-        <mc:Fallback>
+        <mc:Fallback xmlns="">
           <p:sp>
             <p:nvSpPr>
               <p:cNvPr id="3" name="Espaço Reservado para Conteúdo 2">
@@ -26136,8 +32066,8 @@
           </p:sp>
         </mc:Fallback>
       </mc:AlternateContent>
-      <mc:AlternateContent xmlns:mc="http://schemas.openxmlformats.org/markup-compatibility/2006">
-        <mc:Choice xmlns:a14="http://schemas.microsoft.com/office/drawing/2010/main" Requires="a14">
+      <mc:AlternateContent xmlns:mc="http://schemas.openxmlformats.org/markup-compatibility/2006" xmlns:a14="http://schemas.microsoft.com/office/drawing/2010/main">
+        <mc:Choice Requires="a14">
           <p:sp>
             <p:nvSpPr>
               <p:cNvPr id="29" name="CaixaDeTexto 28">
@@ -26344,7 +32274,7 @@
             </p:txBody>
           </p:sp>
         </mc:Choice>
-        <mc:Fallback>
+        <mc:Fallback xmlns="">
           <p:sp>
             <p:nvSpPr>
               <p:cNvPr id="29" name="CaixaDeTexto 28">
@@ -26504,8 +32434,8 @@
             </a:fontRef>
           </p:style>
         </p:cxnSp>
-        <mc:AlternateContent xmlns:mc="http://schemas.openxmlformats.org/markup-compatibility/2006">
-          <mc:Choice xmlns:a14="http://schemas.microsoft.com/office/drawing/2010/main" Requires="a14">
+        <mc:AlternateContent xmlns:mc="http://schemas.openxmlformats.org/markup-compatibility/2006" xmlns:a14="http://schemas.microsoft.com/office/drawing/2010/main">
+          <mc:Choice Requires="a14">
             <p:sp>
               <p:nvSpPr>
                 <p:cNvPr id="19" name="CaixaDeTexto 18">
@@ -26574,7 +32504,7 @@
               </p:txBody>
             </p:sp>
           </mc:Choice>
-          <mc:Fallback>
+          <mc:Fallback xmlns="">
             <p:sp>
               <p:nvSpPr>
                 <p:cNvPr id="19" name="CaixaDeTexto 18">
@@ -26619,8 +32549,8 @@
             </p:sp>
           </mc:Fallback>
         </mc:AlternateContent>
-        <mc:AlternateContent xmlns:mc="http://schemas.openxmlformats.org/markup-compatibility/2006">
-          <mc:Choice xmlns:a14="http://schemas.microsoft.com/office/drawing/2010/main" Requires="a14">
+        <mc:AlternateContent xmlns:mc="http://schemas.openxmlformats.org/markup-compatibility/2006" xmlns:a14="http://schemas.microsoft.com/office/drawing/2010/main">
+          <mc:Choice Requires="a14">
             <p:sp>
               <p:nvSpPr>
                 <p:cNvPr id="20" name="CaixaDeTexto 19">
@@ -26689,7 +32619,7 @@
               </p:txBody>
             </p:sp>
           </mc:Choice>
-          <mc:Fallback>
+          <mc:Fallback xmlns="">
             <p:sp>
               <p:nvSpPr>
                 <p:cNvPr id="20" name="CaixaDeTexto 19">
@@ -26734,8 +32664,8 @@
             </p:sp>
           </mc:Fallback>
         </mc:AlternateContent>
-        <mc:AlternateContent xmlns:mc="http://schemas.openxmlformats.org/markup-compatibility/2006">
-          <mc:Choice xmlns:a14="http://schemas.microsoft.com/office/drawing/2010/main" Requires="a14">
+        <mc:AlternateContent xmlns:mc="http://schemas.openxmlformats.org/markup-compatibility/2006" xmlns:a14="http://schemas.microsoft.com/office/drawing/2010/main">
+          <mc:Choice Requires="a14">
             <p:sp>
               <p:nvSpPr>
                 <p:cNvPr id="21" name="CaixaDeTexto 20">
@@ -26804,7 +32734,7 @@
               </p:txBody>
             </p:sp>
           </mc:Choice>
-          <mc:Fallback>
+          <mc:Fallback xmlns="">
             <p:sp>
               <p:nvSpPr>
                 <p:cNvPr id="21" name="CaixaDeTexto 20">
@@ -26935,8 +32865,8 @@
             </a:fontRef>
           </p:style>
         </p:cxnSp>
-        <mc:AlternateContent xmlns:mc="http://schemas.openxmlformats.org/markup-compatibility/2006">
-          <mc:Choice xmlns:a14="http://schemas.microsoft.com/office/drawing/2010/main" Requires="a14">
+        <mc:AlternateContent xmlns:mc="http://schemas.openxmlformats.org/markup-compatibility/2006" xmlns:a14="http://schemas.microsoft.com/office/drawing/2010/main">
+          <mc:Choice Requires="a14">
             <p:sp>
               <p:nvSpPr>
                 <p:cNvPr id="24" name="CaixaDeTexto 23">
@@ -26987,7 +32917,7 @@
               </p:txBody>
             </p:sp>
           </mc:Choice>
-          <mc:Fallback>
+          <mc:Fallback xmlns="">
             <p:sp>
               <p:nvSpPr>
                 <p:cNvPr id="24" name="CaixaDeTexto 23">
@@ -27114,8 +33044,8 @@
             </a:fontRef>
           </p:style>
         </p:cxnSp>
-        <mc:AlternateContent xmlns:mc="http://schemas.openxmlformats.org/markup-compatibility/2006">
-          <mc:Choice xmlns:a14="http://schemas.microsoft.com/office/drawing/2010/main" Requires="a14">
+        <mc:AlternateContent xmlns:mc="http://schemas.openxmlformats.org/markup-compatibility/2006" xmlns:a14="http://schemas.microsoft.com/office/drawing/2010/main">
+          <mc:Choice Requires="a14">
             <p:sp>
               <p:nvSpPr>
                 <p:cNvPr id="27" name="CaixaDeTexto 26">
@@ -27177,7 +33107,7 @@
               </p:txBody>
             </p:sp>
           </mc:Choice>
-          <mc:Fallback>
+          <mc:Fallback xmlns="">
             <p:sp>
               <p:nvSpPr>
                 <p:cNvPr id="27" name="CaixaDeTexto 26">
@@ -27222,8 +33152,8 @@
             </p:sp>
           </mc:Fallback>
         </mc:AlternateContent>
-        <mc:AlternateContent xmlns:mc="http://schemas.openxmlformats.org/markup-compatibility/2006">
-          <mc:Choice xmlns:a14="http://schemas.microsoft.com/office/drawing/2010/main" Requires="a14">
+        <mc:AlternateContent xmlns:mc="http://schemas.openxmlformats.org/markup-compatibility/2006" xmlns:a14="http://schemas.microsoft.com/office/drawing/2010/main">
+          <mc:Choice Requires="a14">
             <p:sp>
               <p:nvSpPr>
                 <p:cNvPr id="28" name="CaixaDeTexto 27">
@@ -27273,7 +33203,7 @@
               </p:txBody>
             </p:sp>
           </mc:Choice>
-          <mc:Fallback>
+          <mc:Fallback xmlns="">
             <p:sp>
               <p:nvSpPr>
                 <p:cNvPr id="28" name="CaixaDeTexto 27">
@@ -27318,8 +33248,8 @@
             </p:sp>
           </mc:Fallback>
         </mc:AlternateContent>
-        <mc:AlternateContent xmlns:mc="http://schemas.openxmlformats.org/markup-compatibility/2006">
-          <mc:Choice xmlns:a14="http://schemas.microsoft.com/office/drawing/2010/main" Requires="a14">
+        <mc:AlternateContent xmlns:mc="http://schemas.openxmlformats.org/markup-compatibility/2006" xmlns:a14="http://schemas.microsoft.com/office/drawing/2010/main">
+          <mc:Choice Requires="a14">
             <p:sp>
               <p:nvSpPr>
                 <p:cNvPr id="31" name="CaixaDeTexto 30">
@@ -27387,7 +33317,7 @@
               </p:txBody>
             </p:sp>
           </mc:Choice>
-          <mc:Fallback>
+          <mc:Fallback xmlns="">
             <p:sp>
               <p:nvSpPr>
                 <p:cNvPr id="31" name="CaixaDeTexto 30">
@@ -27432,8 +33362,8 @@
             </p:sp>
           </mc:Fallback>
         </mc:AlternateContent>
-        <mc:AlternateContent xmlns:mc="http://schemas.openxmlformats.org/markup-compatibility/2006">
-          <mc:Choice xmlns:a14="http://schemas.microsoft.com/office/drawing/2010/main" Requires="a14">
+        <mc:AlternateContent xmlns:mc="http://schemas.openxmlformats.org/markup-compatibility/2006" xmlns:a14="http://schemas.microsoft.com/office/drawing/2010/main">
+          <mc:Choice Requires="a14">
             <p:sp>
               <p:nvSpPr>
                 <p:cNvPr id="33" name="CaixaDeTexto 32">
@@ -27502,7 +33432,7 @@
               </p:txBody>
             </p:sp>
           </mc:Choice>
-          <mc:Fallback>
+          <mc:Fallback xmlns="">
             <p:sp>
               <p:nvSpPr>
                 <p:cNvPr id="33" name="CaixaDeTexto 32">
@@ -27547,8 +33477,8 @@
             </p:sp>
           </mc:Fallback>
         </mc:AlternateContent>
-        <mc:AlternateContent xmlns:mc="http://schemas.openxmlformats.org/markup-compatibility/2006">
-          <mc:Choice xmlns:a14="http://schemas.microsoft.com/office/drawing/2010/main" Requires="a14">
+        <mc:AlternateContent xmlns:mc="http://schemas.openxmlformats.org/markup-compatibility/2006" xmlns:a14="http://schemas.microsoft.com/office/drawing/2010/main">
+          <mc:Choice Requires="a14">
             <p:sp>
               <p:nvSpPr>
                 <p:cNvPr id="34" name="CaixaDeTexto 33">
@@ -27617,7 +33547,7 @@
               </p:txBody>
             </p:sp>
           </mc:Choice>
-          <mc:Fallback>
+          <mc:Fallback xmlns="">
             <p:sp>
               <p:nvSpPr>
                 <p:cNvPr id="34" name="CaixaDeTexto 33">
@@ -27662,8 +33592,8 @@
             </p:sp>
           </mc:Fallback>
         </mc:AlternateContent>
-        <mc:AlternateContent xmlns:mc="http://schemas.openxmlformats.org/markup-compatibility/2006">
-          <mc:Choice xmlns:a14="http://schemas.microsoft.com/office/drawing/2010/main" Requires="a14">
+        <mc:AlternateContent xmlns:mc="http://schemas.openxmlformats.org/markup-compatibility/2006" xmlns:a14="http://schemas.microsoft.com/office/drawing/2010/main">
+          <mc:Choice Requires="a14">
             <p:sp>
               <p:nvSpPr>
                 <p:cNvPr id="35" name="CaixaDeTexto 34">
@@ -27732,7 +33662,7 @@
               </p:txBody>
             </p:sp>
           </mc:Choice>
-          <mc:Fallback>
+          <mc:Fallback xmlns="">
             <p:sp>
               <p:nvSpPr>
                 <p:cNvPr id="35" name="CaixaDeTexto 34">
@@ -27951,8 +33881,8 @@
             </a:fontRef>
           </p:style>
         </p:cxnSp>
-        <mc:AlternateContent xmlns:mc="http://schemas.openxmlformats.org/markup-compatibility/2006">
-          <mc:Choice xmlns:a14="http://schemas.microsoft.com/office/drawing/2010/main" Requires="a14">
+        <mc:AlternateContent xmlns:mc="http://schemas.openxmlformats.org/markup-compatibility/2006" xmlns:a14="http://schemas.microsoft.com/office/drawing/2010/main">
+          <mc:Choice Requires="a14">
             <p:sp>
               <p:nvSpPr>
                 <p:cNvPr id="6" name="CaixaDeTexto 5">
@@ -28021,7 +33951,7 @@
               </p:txBody>
             </p:sp>
           </mc:Choice>
-          <mc:Fallback>
+          <mc:Fallback xmlns="">
             <p:sp>
               <p:nvSpPr>
                 <p:cNvPr id="6" name="CaixaDeTexto 5">
@@ -28066,8 +33996,8 @@
             </p:sp>
           </mc:Fallback>
         </mc:AlternateContent>
-        <mc:AlternateContent xmlns:mc="http://schemas.openxmlformats.org/markup-compatibility/2006">
-          <mc:Choice xmlns:a14="http://schemas.microsoft.com/office/drawing/2010/main" Requires="a14">
+        <mc:AlternateContent xmlns:mc="http://schemas.openxmlformats.org/markup-compatibility/2006" xmlns:a14="http://schemas.microsoft.com/office/drawing/2010/main">
+          <mc:Choice Requires="a14">
             <p:sp>
               <p:nvSpPr>
                 <p:cNvPr id="7" name="CaixaDeTexto 6">
@@ -28136,7 +34066,7 @@
               </p:txBody>
             </p:sp>
           </mc:Choice>
-          <mc:Fallback>
+          <mc:Fallback xmlns="">
             <p:sp>
               <p:nvSpPr>
                 <p:cNvPr id="7" name="CaixaDeTexto 6">
@@ -28181,8 +34111,8 @@
             </p:sp>
           </mc:Fallback>
         </mc:AlternateContent>
-        <mc:AlternateContent xmlns:mc="http://schemas.openxmlformats.org/markup-compatibility/2006">
-          <mc:Choice xmlns:a14="http://schemas.microsoft.com/office/drawing/2010/main" Requires="a14">
+        <mc:AlternateContent xmlns:mc="http://schemas.openxmlformats.org/markup-compatibility/2006" xmlns:a14="http://schemas.microsoft.com/office/drawing/2010/main">
+          <mc:Choice Requires="a14">
             <p:sp>
               <p:nvSpPr>
                 <p:cNvPr id="8" name="CaixaDeTexto 7">
@@ -28251,7 +34181,7 @@
               </p:txBody>
             </p:sp>
           </mc:Choice>
-          <mc:Fallback>
+          <mc:Fallback xmlns="">
             <p:sp>
               <p:nvSpPr>
                 <p:cNvPr id="8" name="CaixaDeTexto 7">
@@ -28382,8 +34312,8 @@
             </a:fontRef>
           </p:style>
         </p:cxnSp>
-        <mc:AlternateContent xmlns:mc="http://schemas.openxmlformats.org/markup-compatibility/2006">
-          <mc:Choice xmlns:a14="http://schemas.microsoft.com/office/drawing/2010/main" Requires="a14">
+        <mc:AlternateContent xmlns:mc="http://schemas.openxmlformats.org/markup-compatibility/2006" xmlns:a14="http://schemas.microsoft.com/office/drawing/2010/main">
+          <mc:Choice Requires="a14">
             <p:sp>
               <p:nvSpPr>
                 <p:cNvPr id="11" name="CaixaDeTexto 10">
@@ -28434,7 +34364,7 @@
               </p:txBody>
             </p:sp>
           </mc:Choice>
-          <mc:Fallback>
+          <mc:Fallback xmlns="">
             <p:sp>
               <p:nvSpPr>
                 <p:cNvPr id="11" name="CaixaDeTexto 10">
@@ -28562,8 +34492,8 @@
             </a:fontRef>
           </p:style>
         </p:cxnSp>
-        <mc:AlternateContent xmlns:mc="http://schemas.openxmlformats.org/markup-compatibility/2006">
-          <mc:Choice xmlns:a14="http://schemas.microsoft.com/office/drawing/2010/main" Requires="a14">
+        <mc:AlternateContent xmlns:mc="http://schemas.openxmlformats.org/markup-compatibility/2006" xmlns:a14="http://schemas.microsoft.com/office/drawing/2010/main">
+          <mc:Choice Requires="a14">
             <p:sp>
               <p:nvSpPr>
                 <p:cNvPr id="14" name="CaixaDeTexto 13">
@@ -28625,7 +34555,7 @@
               </p:txBody>
             </p:sp>
           </mc:Choice>
-          <mc:Fallback>
+          <mc:Fallback xmlns="">
             <p:sp>
               <p:nvSpPr>
                 <p:cNvPr id="14" name="CaixaDeTexto 13">
@@ -28670,8 +34600,8 @@
             </p:sp>
           </mc:Fallback>
         </mc:AlternateContent>
-        <mc:AlternateContent xmlns:mc="http://schemas.openxmlformats.org/markup-compatibility/2006">
-          <mc:Choice xmlns:a14="http://schemas.microsoft.com/office/drawing/2010/main" Requires="a14">
+        <mc:AlternateContent xmlns:mc="http://schemas.openxmlformats.org/markup-compatibility/2006" xmlns:a14="http://schemas.microsoft.com/office/drawing/2010/main">
+          <mc:Choice Requires="a14">
             <p:sp>
               <p:nvSpPr>
                 <p:cNvPr id="18" name="CaixaDeTexto 17">
@@ -28721,7 +34651,7 @@
               </p:txBody>
             </p:sp>
           </mc:Choice>
-          <mc:Fallback>
+          <mc:Fallback xmlns="">
             <p:sp>
               <p:nvSpPr>
                 <p:cNvPr id="18" name="CaixaDeTexto 17">
@@ -28794,13 +34724,12 @@
             </a:bodyPr>
             <a:lstStyle/>
             <a:p>
-              <a:pPr/>
               <a:endParaRPr lang="pt-BR" sz="1600" dirty="0"/>
             </a:p>
           </p:txBody>
         </p:sp>
-        <mc:AlternateContent xmlns:mc="http://schemas.openxmlformats.org/markup-compatibility/2006">
-          <mc:Choice xmlns:a14="http://schemas.microsoft.com/office/drawing/2010/main" Requires="a14">
+        <mc:AlternateContent xmlns:mc="http://schemas.openxmlformats.org/markup-compatibility/2006" xmlns:a14="http://schemas.microsoft.com/office/drawing/2010/main">
+          <mc:Choice Requires="a14">
             <p:sp>
               <p:nvSpPr>
                 <p:cNvPr id="16" name="Retângulo 15">
@@ -28889,7 +34818,7 @@
               </p:txBody>
             </p:sp>
           </mc:Choice>
-          <mc:Fallback>
+          <mc:Fallback xmlns="">
             <p:sp>
               <p:nvSpPr>
                 <p:cNvPr id="16" name="Retângulo 15">
@@ -28934,8 +34863,8 @@
             </p:sp>
           </mc:Fallback>
         </mc:AlternateContent>
-        <mc:AlternateContent xmlns:mc="http://schemas.openxmlformats.org/markup-compatibility/2006">
-          <mc:Choice xmlns:a14="http://schemas.microsoft.com/office/drawing/2010/main" Requires="a14">
+        <mc:AlternateContent xmlns:mc="http://schemas.openxmlformats.org/markup-compatibility/2006" xmlns:a14="http://schemas.microsoft.com/office/drawing/2010/main">
+          <mc:Choice Requires="a14">
             <p:sp>
               <p:nvSpPr>
                 <p:cNvPr id="19" name="CaixaDeTexto 18">
@@ -29003,7 +34932,7 @@
               </p:txBody>
             </p:sp>
           </mc:Choice>
-          <mc:Fallback>
+          <mc:Fallback xmlns="">
             <p:sp>
               <p:nvSpPr>
                 <p:cNvPr id="19" name="CaixaDeTexto 18">
@@ -29089,8 +35018,8 @@
             </a:fontRef>
           </p:style>
         </p:cxnSp>
-        <mc:AlternateContent xmlns:mc="http://schemas.openxmlformats.org/markup-compatibility/2006">
-          <mc:Choice xmlns:a14="http://schemas.microsoft.com/office/drawing/2010/main" Requires="a14">
+        <mc:AlternateContent xmlns:mc="http://schemas.openxmlformats.org/markup-compatibility/2006" xmlns:a14="http://schemas.microsoft.com/office/drawing/2010/main">
+          <mc:Choice Requires="a14">
             <p:sp>
               <p:nvSpPr>
                 <p:cNvPr id="23" name="CaixaDeTexto 22">
@@ -29159,7 +35088,7 @@
               </p:txBody>
             </p:sp>
           </mc:Choice>
-          <mc:Fallback>
+          <mc:Fallback xmlns="">
             <p:sp>
               <p:nvSpPr>
                 <p:cNvPr id="23" name="CaixaDeTexto 22">
@@ -29204,8 +35133,8 @@
             </p:sp>
           </mc:Fallback>
         </mc:AlternateContent>
-        <mc:AlternateContent xmlns:mc="http://schemas.openxmlformats.org/markup-compatibility/2006">
-          <mc:Choice xmlns:a14="http://schemas.microsoft.com/office/drawing/2010/main" Requires="a14">
+        <mc:AlternateContent xmlns:mc="http://schemas.openxmlformats.org/markup-compatibility/2006" xmlns:a14="http://schemas.microsoft.com/office/drawing/2010/main">
+          <mc:Choice Requires="a14">
             <p:sp>
               <p:nvSpPr>
                 <p:cNvPr id="24" name="CaixaDeTexto 23">
@@ -29274,7 +35203,7 @@
               </p:txBody>
             </p:sp>
           </mc:Choice>
-          <mc:Fallback>
+          <mc:Fallback xmlns="">
             <p:sp>
               <p:nvSpPr>
                 <p:cNvPr id="24" name="CaixaDeTexto 23">
@@ -29319,8 +35248,8 @@
             </p:sp>
           </mc:Fallback>
         </mc:AlternateContent>
-        <mc:AlternateContent xmlns:mc="http://schemas.openxmlformats.org/markup-compatibility/2006">
-          <mc:Choice xmlns:a14="http://schemas.microsoft.com/office/drawing/2010/main" Requires="a14">
+        <mc:AlternateContent xmlns:mc="http://schemas.openxmlformats.org/markup-compatibility/2006" xmlns:a14="http://schemas.microsoft.com/office/drawing/2010/main">
+          <mc:Choice Requires="a14">
             <p:sp>
               <p:nvSpPr>
                 <p:cNvPr id="25" name="CaixaDeTexto 24">
@@ -29389,7 +35318,7 @@
               </p:txBody>
             </p:sp>
           </mc:Choice>
-          <mc:Fallback>
+          <mc:Fallback xmlns="">
             <p:sp>
               <p:nvSpPr>
                 <p:cNvPr id="25" name="CaixaDeTexto 24">
@@ -29471,8 +35400,8 @@
           </a:prstGeom>
         </p:spPr>
       </p:pic>
-      <mc:AlternateContent xmlns:mc="http://schemas.openxmlformats.org/markup-compatibility/2006">
-        <mc:Choice xmlns:a14="http://schemas.microsoft.com/office/drawing/2010/main" Requires="a14">
+      <mc:AlternateContent xmlns:mc="http://schemas.openxmlformats.org/markup-compatibility/2006" xmlns:a14="http://schemas.microsoft.com/office/drawing/2010/main">
+        <mc:Choice Requires="a14">
           <p:sp>
             <p:nvSpPr>
               <p:cNvPr id="50" name="Espaço Reservado para Conteúdo 2">
@@ -29852,7 +35781,7 @@
             </p:txBody>
           </p:sp>
         </mc:Choice>
-        <mc:Fallback>
+        <mc:Fallback xmlns="">
           <p:sp>
             <p:nvSpPr>
               <p:cNvPr id="50" name="Espaço Reservado para Conteúdo 2">
@@ -29974,13 +35903,13 @@
             </p:nvSpPr>
             <p:spPr>
               <a:xfrm>
-                <a:off x="5484440" y="1825624"/>
-                <a:ext cx="6517061" cy="5032375"/>
+                <a:off x="5348560" y="1825624"/>
+                <a:ext cx="6652942" cy="5032375"/>
               </a:xfrm>
             </p:spPr>
             <p:txBody>
               <a:bodyPr>
-                <a:normAutofit lnSpcReduction="10000"/>
+                <a:normAutofit fontScale="92500" lnSpcReduction="10000"/>
               </a:bodyPr>
               <a:lstStyle/>
               <a:p>
@@ -30039,7 +35968,17 @@
                 </a:pPr>
                 <a:r>
                   <a:rPr lang="pt-BR" dirty="0"/>
-                  <a:t>O neurônio separa as classes usando hiperplanos (retas, planos, etc.)</a:t>
+                  <a:t>O neurônio separa as classes usando hiperplanos (retas, planos, etc.).</a:t>
+                </a:r>
+              </a:p>
+              <a:p>
+                <a:pPr lvl="1">
+                  <a:buFont typeface="Wingdings" panose="05000000000000000000" pitchFamily="2" charset="2"/>
+                  <a:buChar char="§"/>
+                </a:pPr>
+                <a:r>
+                  <a:rPr lang="pt-BR" dirty="0"/>
+                  <a:t>E se tivermos classes que não podem ser separadas por hiperplanos?</a:t>
                 </a:r>
               </a:p>
               <a:p>
@@ -30113,13 +36052,13 @@
             </p:nvSpPr>
             <p:spPr>
               <a:xfrm>
-                <a:off x="5484440" y="1825624"/>
-                <a:ext cx="6517061" cy="5032375"/>
+                <a:off x="5348560" y="1825624"/>
+                <a:ext cx="6652942" cy="5032375"/>
               </a:xfrm>
               <a:blipFill>
                 <a:blip r:embed="rId3"/>
                 <a:stretch>
-                  <a:fillRect l="-1684" t="-2663" r="-2713"/>
+                  <a:fillRect l="-1374" t="-2421" b="-847"/>
                 </a:stretch>
               </a:blipFill>
             </p:spPr>
@@ -31312,8 +37251,8 @@
             </p:sp>
           </mc:Fallback>
         </mc:AlternateContent>
-        <mc:AlternateContent xmlns:mc="http://schemas.openxmlformats.org/markup-compatibility/2006">
-          <mc:Choice xmlns:a14="http://schemas.microsoft.com/office/drawing/2010/main" Requires="a14">
+        <mc:AlternateContent xmlns:mc="http://schemas.openxmlformats.org/markup-compatibility/2006" xmlns:a14="http://schemas.microsoft.com/office/drawing/2010/main">
+          <mc:Choice Requires="a14">
             <p:sp>
               <p:nvSpPr>
                 <p:cNvPr id="48" name="Rectangle 27">
@@ -31389,7 +37328,7 @@
               </p:txBody>
             </p:sp>
           </mc:Choice>
-          <mc:Fallback>
+          <mc:Fallback xmlns="">
             <p:sp>
               <p:nvSpPr>
                 <p:cNvPr id="48" name="Rectangle 27">
@@ -31860,8 +37799,8 @@
           </a:prstGeom>
         </p:spPr>
       </p:pic>
-      <mc:AlternateContent xmlns:mc="http://schemas.openxmlformats.org/markup-compatibility/2006">
-        <mc:Choice xmlns:a14="http://schemas.microsoft.com/office/drawing/2010/main" Requires="a14">
+      <mc:AlternateContent xmlns:mc="http://schemas.openxmlformats.org/markup-compatibility/2006" xmlns:a14="http://schemas.microsoft.com/office/drawing/2010/main">
+        <mc:Choice Requires="a14">
           <p:sp>
             <p:nvSpPr>
               <p:cNvPr id="12" name="Espaço Reservado para Conteúdo 2">
@@ -32036,13 +37975,7 @@
                                 <a:rPr lang="pt-BR" b="0" i="1" smtClean="0">
                                   <a:latin typeface="Cambria Math" panose="02040503050406030204" pitchFamily="18" charset="0"/>
                                 </a:rPr>
-                                <m:t>&lt;</m:t>
-                              </m:r>
-                              <m:r>
-                                <a:rPr lang="pt-BR" b="0" i="1" smtClean="0">
-                                  <a:latin typeface="Cambria Math" panose="02040503050406030204" pitchFamily="18" charset="0"/>
-                                </a:rPr>
-                                <m:t>0.5,  </m:t>
+                                <m:t>&lt;0.5,  </m:t>
                               </m:r>
                               <m:r>
                                 <m:rPr>
@@ -32412,7 +38345,7 @@
             </p:txBody>
           </p:sp>
         </mc:Choice>
-        <mc:Fallback>
+        <mc:Fallback xmlns="">
           <p:sp>
             <p:nvSpPr>
               <p:cNvPr id="12" name="Espaço Reservado para Conteúdo 2">
@@ -32514,8 +38447,8 @@
           </a:p>
         </p:txBody>
       </p:sp>
-      <mc:AlternateContent xmlns:mc="http://schemas.openxmlformats.org/markup-compatibility/2006">
-        <mc:Choice xmlns:a14="http://schemas.microsoft.com/office/drawing/2010/main" Requires="a14">
+      <mc:AlternateContent xmlns:mc="http://schemas.openxmlformats.org/markup-compatibility/2006" xmlns:a14="http://schemas.microsoft.com/office/drawing/2010/main">
+        <mc:Choice Requires="a14">
           <p:sp>
             <p:nvSpPr>
               <p:cNvPr id="50" name="Espaço Reservado para Conteúdo 2">
@@ -32693,13 +38626,7 @@
                                 <a:rPr lang="pt-BR" b="0" i="1" smtClean="0">
                                   <a:latin typeface="Cambria Math" panose="02040503050406030204" pitchFamily="18" charset="0"/>
                                 </a:rPr>
-                                <m:t>&gt;0</m:t>
-                              </m:r>
-                              <m:r>
-                                <a:rPr lang="pt-BR" b="0" i="1" smtClean="0">
-                                  <a:latin typeface="Cambria Math" panose="02040503050406030204" pitchFamily="18" charset="0"/>
-                                </a:rPr>
-                                <m:t>.5,</m:t>
+                                <m:t>&gt;0.5,</m:t>
                               </m:r>
                             </m:e>
                             <m:e>
@@ -32990,7 +38917,7 @@
             </p:txBody>
           </p:sp>
         </mc:Choice>
-        <mc:Fallback>
+        <mc:Fallback xmlns="">
           <p:sp>
             <p:nvSpPr>
               <p:cNvPr id="50" name="Espaço Reservado para Conteúdo 2">
@@ -34363,8 +40290,8 @@
           </a:p>
         </p:txBody>
       </p:sp>
-      <mc:AlternateContent xmlns:mc="http://schemas.openxmlformats.org/markup-compatibility/2006">
-        <mc:Choice xmlns:a14="http://schemas.microsoft.com/office/drawing/2010/main" Requires="a14">
+      <mc:AlternateContent xmlns:mc="http://schemas.openxmlformats.org/markup-compatibility/2006" xmlns:a14="http://schemas.microsoft.com/office/drawing/2010/main">
+        <mc:Choice Requires="a14">
           <p:sp>
             <p:nvSpPr>
               <p:cNvPr id="4" name="Rectangle 26">
@@ -34443,7 +40370,7 @@
             </p:txBody>
           </p:sp>
         </mc:Choice>
-        <mc:Fallback>
+        <mc:Fallback xmlns="">
           <p:sp>
             <p:nvSpPr>
               <p:cNvPr id="4" name="Rectangle 26">
@@ -34488,8 +40415,8 @@
           </p:sp>
         </mc:Fallback>
       </mc:AlternateContent>
-      <mc:AlternateContent xmlns:mc="http://schemas.openxmlformats.org/markup-compatibility/2006">
-        <mc:Choice xmlns:a14="http://schemas.microsoft.com/office/drawing/2010/main" Requires="a14">
+      <mc:AlternateContent xmlns:mc="http://schemas.openxmlformats.org/markup-compatibility/2006" xmlns:a14="http://schemas.microsoft.com/office/drawing/2010/main">
+        <mc:Choice Requires="a14">
           <p:sp>
             <p:nvSpPr>
               <p:cNvPr id="5" name="Rectangle 25">
@@ -34568,7 +40495,7 @@
             </p:txBody>
           </p:sp>
         </mc:Choice>
-        <mc:Fallback>
+        <mc:Fallback xmlns="">
           <p:sp>
             <p:nvSpPr>
               <p:cNvPr id="5" name="Rectangle 25">
@@ -34613,8 +40540,8 @@
           </p:sp>
         </mc:Fallback>
       </mc:AlternateContent>
-      <mc:AlternateContent xmlns:mc="http://schemas.openxmlformats.org/markup-compatibility/2006">
-        <mc:Choice xmlns:a14="http://schemas.microsoft.com/office/drawing/2010/main" Requires="a14">
+      <mc:AlternateContent xmlns:mc="http://schemas.openxmlformats.org/markup-compatibility/2006" xmlns:a14="http://schemas.microsoft.com/office/drawing/2010/main">
+        <mc:Choice Requires="a14">
           <p:sp>
             <p:nvSpPr>
               <p:cNvPr id="6" name="Rectangle 26">
@@ -34693,7 +40620,7 @@
             </p:txBody>
           </p:sp>
         </mc:Choice>
-        <mc:Fallback>
+        <mc:Fallback xmlns="">
           <p:sp>
             <p:nvSpPr>
               <p:cNvPr id="6" name="Rectangle 26">
